--- a/Slides/04_EDUC_6050_2018.pptx
+++ b/Slides/04_EDUC_6050_2018.pptx
@@ -231,7 +231,7 @@
           <a:p>
             <a:fld id="{E2EB8C27-4EA0-7247-87A3-872976A07B51}" type="datetimeFigureOut">
               <a:rPr lang="en-US" smtClean="0"/>
-              <a:t>1/24/18</a:t>
+              <a:t>1/31/18</a:t>
             </a:fld>
             <a:endParaRPr lang="en-US"/>
           </a:p>
@@ -3034,7 +3034,7 @@
           <a:p>
             <a:fld id="{2BEF6D73-E719-D849-B192-46101C5BDE90}" type="datetime1">
               <a:rPr lang="en-US" smtClean="0"/>
-              <a:t>1/24/18</a:t>
+              <a:t>1/31/18</a:t>
             </a:fld>
             <a:endParaRPr lang="en-US"/>
           </a:p>
@@ -3202,7 +3202,7 @@
           <a:p>
             <a:fld id="{217F9701-0A79-F944-95C4-63D074BCD5FE}" type="datetime1">
               <a:rPr lang="en-US" smtClean="0"/>
-              <a:t>1/24/18</a:t>
+              <a:t>1/31/18</a:t>
             </a:fld>
             <a:endParaRPr lang="en-US"/>
           </a:p>
@@ -3380,7 +3380,7 @@
           <a:p>
             <a:fld id="{8A1E0CA4-DAFA-6D46-8CB2-2C9884C33B19}" type="datetime1">
               <a:rPr lang="en-US" smtClean="0"/>
-              <a:t>1/24/18</a:t>
+              <a:t>1/31/18</a:t>
             </a:fld>
             <a:endParaRPr lang="en-US"/>
           </a:p>
@@ -3548,7 +3548,7 @@
           <a:p>
             <a:fld id="{2EDE969C-4E88-FD4D-B0FD-C205835C558E}" type="datetime1">
               <a:rPr lang="en-US" smtClean="0"/>
-              <a:t>1/24/18</a:t>
+              <a:t>1/31/18</a:t>
             </a:fld>
             <a:endParaRPr lang="en-US"/>
           </a:p>
@@ -3793,7 +3793,7 @@
           <a:p>
             <a:fld id="{6EB2FD85-1BA6-C144-9430-792891429B46}" type="datetime1">
               <a:rPr lang="en-US" smtClean="0"/>
-              <a:t>1/24/18</a:t>
+              <a:t>1/31/18</a:t>
             </a:fld>
             <a:endParaRPr lang="en-US"/>
           </a:p>
@@ -4022,7 +4022,7 @@
           <a:p>
             <a:fld id="{566BD6FA-46B1-AB4D-BA89-52D1F1EDB7DC}" type="datetime1">
               <a:rPr lang="en-US" smtClean="0"/>
-              <a:t>1/24/18</a:t>
+              <a:t>1/31/18</a:t>
             </a:fld>
             <a:endParaRPr lang="en-US"/>
           </a:p>
@@ -4386,7 +4386,7 @@
           <a:p>
             <a:fld id="{DC6F0F6F-40DD-C041-8CA9-F3B7FE603DF0}" type="datetime1">
               <a:rPr lang="en-US" smtClean="0"/>
-              <a:t>1/24/18</a:t>
+              <a:t>1/31/18</a:t>
             </a:fld>
             <a:endParaRPr lang="en-US"/>
           </a:p>
@@ -4503,7 +4503,7 @@
           <a:p>
             <a:fld id="{79BE8225-12C7-9541-8776-7D580B3D5DF4}" type="datetime1">
               <a:rPr lang="en-US" smtClean="0"/>
-              <a:t>1/24/18</a:t>
+              <a:t>1/31/18</a:t>
             </a:fld>
             <a:endParaRPr lang="en-US"/>
           </a:p>
@@ -4598,7 +4598,7 @@
           <a:p>
             <a:fld id="{0BC48ADA-5976-EF4F-970E-AF67408D4544}" type="datetime1">
               <a:rPr lang="en-US" smtClean="0"/>
-              <a:t>1/24/18</a:t>
+              <a:t>1/31/18</a:t>
             </a:fld>
             <a:endParaRPr lang="en-US"/>
           </a:p>
@@ -4873,7 +4873,7 @@
           <a:p>
             <a:fld id="{CC4350B1-E69C-BF40-8DA9-7B6511B1163C}" type="datetime1">
               <a:rPr lang="en-US" smtClean="0"/>
-              <a:t>1/24/18</a:t>
+              <a:t>1/31/18</a:t>
             </a:fld>
             <a:endParaRPr lang="en-US"/>
           </a:p>
@@ -5125,7 +5125,7 @@
           <a:p>
             <a:fld id="{AACAA9B4-0EE4-FC4D-BE81-EA98845A0C10}" type="datetime1">
               <a:rPr lang="en-US" smtClean="0"/>
-              <a:t>1/24/18</a:t>
+              <a:t>1/31/18</a:t>
             </a:fld>
             <a:endParaRPr lang="en-US"/>
           </a:p>
@@ -5336,7 +5336,7 @@
           <a:p>
             <a:fld id="{C15F6ACF-BE73-1A41-A391-5F549B566778}" type="datetime1">
               <a:rPr lang="en-US" smtClean="0"/>
-              <a:t>1/24/18</a:t>
+              <a:t>1/31/18</a:t>
             </a:fld>
             <a:endParaRPr lang="en-US"/>
           </a:p>
@@ -6696,8 +6696,8 @@
           </a:p>
         </p:txBody>
       </p:sp>
-      <mc:AlternateContent xmlns:mc="http://schemas.openxmlformats.org/markup-compatibility/2006">
-        <mc:Choice xmlns:a14="http://schemas.microsoft.com/office/drawing/2010/main" Requires="a14">
+      <mc:AlternateContent xmlns:mc="http://schemas.openxmlformats.org/markup-compatibility/2006" xmlns:a14="http://schemas.microsoft.com/office/drawing/2010/main">
+        <mc:Choice Requires="a14">
           <p:sp>
             <p:nvSpPr>
               <p:cNvPr id="3" name="TextBox 2">
@@ -6726,6 +6726,7 @@
               </a:bodyPr>
               <a:lstStyle/>
               <a:p>
+                <a:pPr/>
                 <a14:m>
                   <m:oMathPara xmlns:m="http://schemas.openxmlformats.org/officeDocument/2006/math">
                     <m:oMathParaPr>
@@ -6794,7 +6795,7 @@
             </p:txBody>
           </p:sp>
         </mc:Choice>
-        <mc:Fallback>
+        <mc:Fallback xmlns="">
           <p:sp>
             <p:nvSpPr>
               <p:cNvPr id="3" name="TextBox 2">
@@ -7027,8 +7028,8 @@
           </a:p>
         </p:txBody>
       </p:sp>
-      <mc:AlternateContent xmlns:mc="http://schemas.openxmlformats.org/markup-compatibility/2006">
-        <mc:Choice xmlns:a14="http://schemas.microsoft.com/office/drawing/2010/main" Requires="a14">
+      <mc:AlternateContent xmlns:mc="http://schemas.openxmlformats.org/markup-compatibility/2006" xmlns:a14="http://schemas.microsoft.com/office/drawing/2010/main">
+        <mc:Choice Requires="a14">
           <p:sp>
             <p:nvSpPr>
               <p:cNvPr id="7" name="TextBox 6">
@@ -7057,6 +7058,7 @@
               </a:bodyPr>
               <a:lstStyle/>
               <a:p>
+                <a:pPr/>
                 <a14:m>
                   <m:oMathPara xmlns:m="http://schemas.openxmlformats.org/officeDocument/2006/math">
                     <m:oMathParaPr>
@@ -7125,7 +7127,7 @@
             </p:txBody>
           </p:sp>
         </mc:Choice>
-        <mc:Fallback>
+        <mc:Fallback xmlns="">
           <p:sp>
             <p:nvSpPr>
               <p:cNvPr id="7" name="TextBox 6">
@@ -7587,8 +7589,8 @@
           </a:p>
         </p:txBody>
       </p:sp>
-      <mc:AlternateContent xmlns:mc="http://schemas.openxmlformats.org/markup-compatibility/2006">
-        <mc:Choice xmlns:a14="http://schemas.microsoft.com/office/drawing/2010/main" Requires="a14">
+      <mc:AlternateContent xmlns:mc="http://schemas.openxmlformats.org/markup-compatibility/2006" xmlns:a14="http://schemas.microsoft.com/office/drawing/2010/main">
+        <mc:Choice Requires="a14">
           <p:sp>
             <p:nvSpPr>
               <p:cNvPr id="7" name="TextBox 6">
@@ -7849,7 +7851,7 @@
             </p:txBody>
           </p:sp>
         </mc:Choice>
-        <mc:Fallback>
+        <mc:Fallback xmlns="">
           <p:sp>
             <p:nvSpPr>
               <p:cNvPr id="7" name="TextBox 6">
@@ -9879,8 +9881,8 @@
           </a:p>
         </p:txBody>
       </p:sp>
-      <mc:AlternateContent xmlns:mc="http://schemas.openxmlformats.org/markup-compatibility/2006">
-        <mc:Choice xmlns:a14="http://schemas.microsoft.com/office/drawing/2010/main" Requires="a14">
+      <mc:AlternateContent xmlns:mc="http://schemas.openxmlformats.org/markup-compatibility/2006" xmlns:a14="http://schemas.microsoft.com/office/drawing/2010/main">
+        <mc:Choice Requires="a14">
           <p:sp>
             <p:nvSpPr>
               <p:cNvPr id="7" name="TextBox 6">
@@ -9909,6 +9911,7 @@
               </a:bodyPr>
               <a:lstStyle/>
               <a:p>
+                <a:pPr/>
                 <a14:m>
                   <m:oMathPara xmlns:m="http://schemas.openxmlformats.org/officeDocument/2006/math">
                     <m:oMathParaPr>
@@ -9974,7 +9977,7 @@
             </p:txBody>
           </p:sp>
         </mc:Choice>
-        <mc:Fallback>
+        <mc:Fallback xmlns="">
           <p:sp>
             <p:nvSpPr>
               <p:cNvPr id="7" name="TextBox 6">
@@ -10184,8 +10187,8 @@
           </a:p>
         </p:txBody>
       </p:sp>
-      <mc:AlternateContent xmlns:mc="http://schemas.openxmlformats.org/markup-compatibility/2006">
-        <mc:Choice xmlns:a14="http://schemas.microsoft.com/office/drawing/2010/main" Requires="a14">
+      <mc:AlternateContent xmlns:mc="http://schemas.openxmlformats.org/markup-compatibility/2006" xmlns:a14="http://schemas.microsoft.com/office/drawing/2010/main">
+        <mc:Choice Requires="a14">
           <p:sp>
             <p:nvSpPr>
               <p:cNvPr id="10" name="TextBox 9">
@@ -10333,7 +10336,7 @@
             </p:txBody>
           </p:sp>
         </mc:Choice>
-        <mc:Fallback>
+        <mc:Fallback xmlns="">
           <p:sp>
             <p:nvSpPr>
               <p:cNvPr id="10" name="TextBox 9">
@@ -10828,8 +10831,8 @@
           </a:p>
         </p:txBody>
       </p:sp>
-      <mc:AlternateContent xmlns:mc="http://schemas.openxmlformats.org/markup-compatibility/2006">
-        <mc:Choice xmlns:a14="http://schemas.microsoft.com/office/drawing/2010/main" Requires="a14">
+      <mc:AlternateContent xmlns:mc="http://schemas.openxmlformats.org/markup-compatibility/2006" xmlns:a14="http://schemas.microsoft.com/office/drawing/2010/main">
+        <mc:Choice Requires="a14">
           <p:sp>
             <p:nvSpPr>
               <p:cNvPr id="7" name="TextBox 6">
@@ -10858,6 +10861,7 @@
               </a:bodyPr>
               <a:lstStyle/>
               <a:p>
+                <a:pPr/>
                 <a14:m>
                   <m:oMathPara xmlns:m="http://schemas.openxmlformats.org/officeDocument/2006/math">
                     <m:oMathParaPr>
@@ -10947,7 +10951,7 @@
             </p:txBody>
           </p:sp>
         </mc:Choice>
-        <mc:Fallback>
+        <mc:Fallback xmlns="">
           <p:sp>
             <p:nvSpPr>
               <p:cNvPr id="7" name="TextBox 6">
@@ -11071,8 +11075,8 @@
           </a:p>
         </p:txBody>
       </p:sp>
-      <mc:AlternateContent xmlns:mc="http://schemas.openxmlformats.org/markup-compatibility/2006">
-        <mc:Choice xmlns:a14="http://schemas.microsoft.com/office/drawing/2010/main" Requires="a14">
+      <mc:AlternateContent xmlns:mc="http://schemas.openxmlformats.org/markup-compatibility/2006" xmlns:a14="http://schemas.microsoft.com/office/drawing/2010/main">
+        <mc:Choice Requires="a14">
           <p:sp>
             <p:nvSpPr>
               <p:cNvPr id="10" name="TextBox 9">
@@ -11394,7 +11398,7 @@
             </p:txBody>
           </p:sp>
         </mc:Choice>
-        <mc:Fallback>
+        <mc:Fallback xmlns="">
           <p:sp>
             <p:nvSpPr>
               <p:cNvPr id="10" name="TextBox 9">
@@ -11439,8 +11443,8 @@
           </p:sp>
         </mc:Fallback>
       </mc:AlternateContent>
-      <mc:AlternateContent xmlns:mc="http://schemas.openxmlformats.org/markup-compatibility/2006">
-        <mc:Choice xmlns:a14="http://schemas.microsoft.com/office/drawing/2010/main" Requires="a14">
+      <mc:AlternateContent xmlns:mc="http://schemas.openxmlformats.org/markup-compatibility/2006" xmlns:a14="http://schemas.microsoft.com/office/drawing/2010/main">
+        <mc:Choice Requires="a14">
           <p:sp>
             <p:nvSpPr>
               <p:cNvPr id="7" name="TextBox 6">
@@ -11469,6 +11473,7 @@
               </a:bodyPr>
               <a:lstStyle/>
               <a:p>
+                <a:pPr/>
                 <a14:m>
                   <m:oMathPara xmlns:m="http://schemas.openxmlformats.org/officeDocument/2006/math">
                     <m:oMathParaPr>
@@ -11558,7 +11563,7 @@
             </p:txBody>
           </p:sp>
         </mc:Choice>
-        <mc:Fallback>
+        <mc:Fallback xmlns="">
           <p:sp>
             <p:nvSpPr>
               <p:cNvPr id="7" name="TextBox 6">

--- a/Slides/04_EDUC_6050_2018.pptx
+++ b/Slides/04_EDUC_6050_2018.pptx
@@ -5,7 +5,7 @@
     <p:sldMasterId id="2147483648" r:id="rId1"/>
   </p:sldMasterIdLst>
   <p:notesMasterIdLst>
-    <p:notesMasterId r:id="rId37"/>
+    <p:notesMasterId r:id="rId35"/>
   </p:notesMasterIdLst>
   <p:sldIdLst>
     <p:sldId id="256" r:id="rId2"/>
@@ -18,31 +18,29 @@
     <p:sldId id="349" r:id="rId9"/>
     <p:sldId id="350" r:id="rId10"/>
     <p:sldId id="351" r:id="rId11"/>
-    <p:sldId id="258" r:id="rId12"/>
-    <p:sldId id="352" r:id="rId13"/>
-    <p:sldId id="353" r:id="rId14"/>
-    <p:sldId id="354" r:id="rId15"/>
-    <p:sldId id="355" r:id="rId16"/>
-    <p:sldId id="356" r:id="rId17"/>
-    <p:sldId id="358" r:id="rId18"/>
-    <p:sldId id="357" r:id="rId19"/>
-    <p:sldId id="327" r:id="rId20"/>
-    <p:sldId id="298" r:id="rId21"/>
-    <p:sldId id="359" r:id="rId22"/>
-    <p:sldId id="360" r:id="rId23"/>
-    <p:sldId id="361" r:id="rId24"/>
-    <p:sldId id="362" r:id="rId25"/>
-    <p:sldId id="363" r:id="rId26"/>
-    <p:sldId id="364" r:id="rId27"/>
-    <p:sldId id="370" r:id="rId28"/>
-    <p:sldId id="366" r:id="rId29"/>
-    <p:sldId id="365" r:id="rId30"/>
-    <p:sldId id="367" r:id="rId31"/>
-    <p:sldId id="369" r:id="rId32"/>
-    <p:sldId id="368" r:id="rId33"/>
-    <p:sldId id="348" r:id="rId34"/>
-    <p:sldId id="289" r:id="rId35"/>
-    <p:sldId id="290" r:id="rId36"/>
+    <p:sldId id="352" r:id="rId12"/>
+    <p:sldId id="353" r:id="rId13"/>
+    <p:sldId id="354" r:id="rId14"/>
+    <p:sldId id="355" r:id="rId15"/>
+    <p:sldId id="356" r:id="rId16"/>
+    <p:sldId id="358" r:id="rId17"/>
+    <p:sldId id="327" r:id="rId18"/>
+    <p:sldId id="359" r:id="rId19"/>
+    <p:sldId id="360" r:id="rId20"/>
+    <p:sldId id="361" r:id="rId21"/>
+    <p:sldId id="362" r:id="rId22"/>
+    <p:sldId id="363" r:id="rId23"/>
+    <p:sldId id="364" r:id="rId24"/>
+    <p:sldId id="370" r:id="rId25"/>
+    <p:sldId id="366" r:id="rId26"/>
+    <p:sldId id="365" r:id="rId27"/>
+    <p:sldId id="367" r:id="rId28"/>
+    <p:sldId id="369" r:id="rId29"/>
+    <p:sldId id="368" r:id="rId30"/>
+    <p:sldId id="348" r:id="rId31"/>
+    <p:sldId id="289" r:id="rId32"/>
+    <p:sldId id="290" r:id="rId33"/>
+    <p:sldId id="371" r:id="rId34"/>
   </p:sldIdLst>
   <p:sldSz cx="12192000" cy="6858000"/>
   <p:notesSz cx="6858000" cy="9144000"/>
@@ -231,7 +229,7 @@
           <a:p>
             <a:fld id="{E2EB8C27-4EA0-7247-87A3-872976A07B51}" type="datetimeFigureOut">
               <a:rPr lang="en-US" smtClean="0"/>
-              <a:t>1/31/18</a:t>
+              <a:t>12/14/19</a:t>
             </a:fld>
             <a:endParaRPr lang="en-US"/>
           </a:p>
@@ -647,7 +645,7 @@
           <a:p>
             <a:fld id="{AECF59C2-7033-4B4D-ACA3-71A130EDE93E}" type="slidenum">
               <a:rPr lang="en-US" smtClean="0"/>
-              <a:t>12</a:t>
+              <a:t>11</a:t>
             </a:fld>
             <a:endParaRPr lang="en-US"/>
           </a:p>
@@ -744,7 +742,7 @@
           <a:p>
             <a:fld id="{AECF59C2-7033-4B4D-ACA3-71A130EDE93E}" type="slidenum">
               <a:rPr lang="en-US" smtClean="0"/>
-              <a:t>13</a:t>
+              <a:t>12</a:t>
             </a:fld>
             <a:endParaRPr lang="en-US"/>
           </a:p>
@@ -828,7 +826,7 @@
           <a:p>
             <a:fld id="{AECF59C2-7033-4B4D-ACA3-71A130EDE93E}" type="slidenum">
               <a:rPr lang="en-US" smtClean="0"/>
-              <a:t>14</a:t>
+              <a:t>13</a:t>
             </a:fld>
             <a:endParaRPr lang="en-US"/>
           </a:p>
@@ -912,7 +910,7 @@
           <a:p>
             <a:fld id="{AECF59C2-7033-4B4D-ACA3-71A130EDE93E}" type="slidenum">
               <a:rPr lang="en-US" smtClean="0"/>
-              <a:t>15</a:t>
+              <a:t>14</a:t>
             </a:fld>
             <a:endParaRPr lang="en-US"/>
           </a:p>
@@ -999,7 +997,7 @@
           <a:p>
             <a:fld id="{AECF59C2-7033-4B4D-ACA3-71A130EDE93E}" type="slidenum">
               <a:rPr lang="en-US" smtClean="0"/>
-              <a:t>16</a:t>
+              <a:t>15</a:t>
             </a:fld>
             <a:endParaRPr lang="en-US"/>
           </a:p>
@@ -1086,7 +1084,7 @@
           <a:p>
             <a:fld id="{AECF59C2-7033-4B4D-ACA3-71A130EDE93E}" type="slidenum">
               <a:rPr lang="en-US" smtClean="0"/>
-              <a:t>17</a:t>
+              <a:t>16</a:t>
             </a:fld>
             <a:endParaRPr lang="en-US"/>
           </a:p>
@@ -1170,7 +1168,7 @@
           <a:p>
             <a:fld id="{AECF59C2-7033-4B4D-ACA3-71A130EDE93E}" type="slidenum">
               <a:rPr lang="en-US" smtClean="0"/>
-              <a:t>18</a:t>
+              <a:t>17</a:t>
             </a:fld>
             <a:endParaRPr lang="en-US"/>
           </a:p>
@@ -1179,7 +1177,7 @@
     </p:spTree>
     <p:extLst>
       <p:ext uri="{BB962C8B-B14F-4D97-AF65-F5344CB8AC3E}">
-        <p14:creationId xmlns:p14="http://schemas.microsoft.com/office/powerpoint/2010/main" val="1041558309"/>
+        <p14:creationId xmlns:p14="http://schemas.microsoft.com/office/powerpoint/2010/main" val="2118097135"/>
       </p:ext>
     </p:extLst>
   </p:cSld>
@@ -1254,7 +1252,7 @@
           <a:p>
             <a:fld id="{AECF59C2-7033-4B4D-ACA3-71A130EDE93E}" type="slidenum">
               <a:rPr lang="en-US" smtClean="0"/>
-              <a:t>19</a:t>
+              <a:t>18</a:t>
             </a:fld>
             <a:endParaRPr lang="en-US"/>
           </a:p>
@@ -1263,7 +1261,7 @@
     </p:spTree>
     <p:extLst>
       <p:ext uri="{BB962C8B-B14F-4D97-AF65-F5344CB8AC3E}">
-        <p14:creationId xmlns:p14="http://schemas.microsoft.com/office/powerpoint/2010/main" val="2118097135"/>
+        <p14:creationId xmlns:p14="http://schemas.microsoft.com/office/powerpoint/2010/main" val="725773452"/>
       </p:ext>
     </p:extLst>
   </p:cSld>
@@ -1317,7 +1315,10 @@
           <a:bodyPr/>
           <a:lstStyle/>
           <a:p>
-            <a:endParaRPr lang="en-US" dirty="0"/>
+            <a:r>
+              <a:rPr lang="en-US" dirty="0"/>
+              <a:t>NO, it is almost certain they will differ (at least a little)</a:t>
+            </a:r>
           </a:p>
         </p:txBody>
       </p:sp>
@@ -1338,7 +1339,7 @@
           <a:p>
             <a:fld id="{AECF59C2-7033-4B4D-ACA3-71A130EDE93E}" type="slidenum">
               <a:rPr lang="en-US" smtClean="0"/>
-              <a:t>21</a:t>
+              <a:t>19</a:t>
             </a:fld>
             <a:endParaRPr lang="en-US"/>
           </a:p>
@@ -1347,7 +1348,7 @@
     </p:spTree>
     <p:extLst>
       <p:ext uri="{BB962C8B-B14F-4D97-AF65-F5344CB8AC3E}">
-        <p14:creationId xmlns:p14="http://schemas.microsoft.com/office/powerpoint/2010/main" val="725773452"/>
+        <p14:creationId xmlns:p14="http://schemas.microsoft.com/office/powerpoint/2010/main" val="1870200387"/>
       </p:ext>
     </p:extLst>
   </p:cSld>
@@ -1403,7 +1404,7 @@
           <a:p>
             <a:r>
               <a:rPr lang="en-US" dirty="0"/>
-              <a:t>NO, it is almost certain they will differ (at least a little)</a:t>
+              <a:t>Website provides a little interactive example of sample distributions and the distributions of sample means</a:t>
             </a:r>
           </a:p>
         </p:txBody>
@@ -1425,7 +1426,7 @@
           <a:p>
             <a:fld id="{AECF59C2-7033-4B4D-ACA3-71A130EDE93E}" type="slidenum">
               <a:rPr lang="en-US" smtClean="0"/>
-              <a:t>22</a:t>
+              <a:t>20</a:t>
             </a:fld>
             <a:endParaRPr lang="en-US"/>
           </a:p>
@@ -1434,7 +1435,7 @@
     </p:spTree>
     <p:extLst>
       <p:ext uri="{BB962C8B-B14F-4D97-AF65-F5344CB8AC3E}">
-        <p14:creationId xmlns:p14="http://schemas.microsoft.com/office/powerpoint/2010/main" val="1870200387"/>
+        <p14:creationId xmlns:p14="http://schemas.microsoft.com/office/powerpoint/2010/main" val="438708210"/>
       </p:ext>
     </p:extLst>
   </p:cSld>
@@ -1572,10 +1573,7 @@
           <a:bodyPr/>
           <a:lstStyle/>
           <a:p>
-            <a:r>
-              <a:rPr lang="en-US" dirty="0"/>
-              <a:t>Website provides a little interactive example of sample distributions and the distributions of sample means</a:t>
-            </a:r>
+            <a:endParaRPr lang="en-US" dirty="0"/>
           </a:p>
         </p:txBody>
       </p:sp>
@@ -1596,7 +1594,7 @@
           <a:p>
             <a:fld id="{AECF59C2-7033-4B4D-ACA3-71A130EDE93E}" type="slidenum">
               <a:rPr lang="en-US" smtClean="0"/>
-              <a:t>23</a:t>
+              <a:t>21</a:t>
             </a:fld>
             <a:endParaRPr lang="en-US"/>
           </a:p>
@@ -1605,7 +1603,7 @@
     </p:spTree>
     <p:extLst>
       <p:ext uri="{BB962C8B-B14F-4D97-AF65-F5344CB8AC3E}">
-        <p14:creationId xmlns:p14="http://schemas.microsoft.com/office/powerpoint/2010/main" val="438708210"/>
+        <p14:creationId xmlns:p14="http://schemas.microsoft.com/office/powerpoint/2010/main" val="2223143588"/>
       </p:ext>
     </p:extLst>
   </p:cSld>
@@ -1680,7 +1678,7 @@
           <a:p>
             <a:fld id="{AECF59C2-7033-4B4D-ACA3-71A130EDE93E}" type="slidenum">
               <a:rPr lang="en-US" smtClean="0"/>
-              <a:t>24</a:t>
+              <a:t>22</a:t>
             </a:fld>
             <a:endParaRPr lang="en-US"/>
           </a:p>
@@ -1689,7 +1687,7 @@
     </p:spTree>
     <p:extLst>
       <p:ext uri="{BB962C8B-B14F-4D97-AF65-F5344CB8AC3E}">
-        <p14:creationId xmlns:p14="http://schemas.microsoft.com/office/powerpoint/2010/main" val="2223143588"/>
+        <p14:creationId xmlns:p14="http://schemas.microsoft.com/office/powerpoint/2010/main" val="2809989578"/>
       </p:ext>
     </p:extLst>
   </p:cSld>
@@ -1764,7 +1762,7 @@
           <a:p>
             <a:fld id="{AECF59C2-7033-4B4D-ACA3-71A130EDE93E}" type="slidenum">
               <a:rPr lang="en-US" smtClean="0"/>
-              <a:t>25</a:t>
+              <a:t>23</a:t>
             </a:fld>
             <a:endParaRPr lang="en-US"/>
           </a:p>
@@ -1773,7 +1771,7 @@
     </p:spTree>
     <p:extLst>
       <p:ext uri="{BB962C8B-B14F-4D97-AF65-F5344CB8AC3E}">
-        <p14:creationId xmlns:p14="http://schemas.microsoft.com/office/powerpoint/2010/main" val="2809989578"/>
+        <p14:creationId xmlns:p14="http://schemas.microsoft.com/office/powerpoint/2010/main" val="3843652814"/>
       </p:ext>
     </p:extLst>
   </p:cSld>
@@ -1848,7 +1846,7 @@
           <a:p>
             <a:fld id="{AECF59C2-7033-4B4D-ACA3-71A130EDE93E}" type="slidenum">
               <a:rPr lang="en-US" smtClean="0"/>
-              <a:t>26</a:t>
+              <a:t>24</a:t>
             </a:fld>
             <a:endParaRPr lang="en-US"/>
           </a:p>
@@ -1857,7 +1855,7 @@
     </p:spTree>
     <p:extLst>
       <p:ext uri="{BB962C8B-B14F-4D97-AF65-F5344CB8AC3E}">
-        <p14:creationId xmlns:p14="http://schemas.microsoft.com/office/powerpoint/2010/main" val="3843652814"/>
+        <p14:creationId xmlns:p14="http://schemas.microsoft.com/office/powerpoint/2010/main" val="258704701"/>
       </p:ext>
     </p:extLst>
   </p:cSld>
@@ -1932,7 +1930,7 @@
           <a:p>
             <a:fld id="{AECF59C2-7033-4B4D-ACA3-71A130EDE93E}" type="slidenum">
               <a:rPr lang="en-US" smtClean="0"/>
-              <a:t>27</a:t>
+              <a:t>26</a:t>
             </a:fld>
             <a:endParaRPr lang="en-US"/>
           </a:p>
@@ -1941,7 +1939,7 @@
     </p:spTree>
     <p:extLst>
       <p:ext uri="{BB962C8B-B14F-4D97-AF65-F5344CB8AC3E}">
-        <p14:creationId xmlns:p14="http://schemas.microsoft.com/office/powerpoint/2010/main" val="258704701"/>
+        <p14:creationId xmlns:p14="http://schemas.microsoft.com/office/powerpoint/2010/main" val="842410376"/>
       </p:ext>
     </p:extLst>
   </p:cSld>
@@ -2016,7 +2014,7 @@
           <a:p>
             <a:fld id="{AECF59C2-7033-4B4D-ACA3-71A130EDE93E}" type="slidenum">
               <a:rPr lang="en-US" smtClean="0"/>
-              <a:t>29</a:t>
+              <a:t>27</a:t>
             </a:fld>
             <a:endParaRPr lang="en-US"/>
           </a:p>
@@ -2025,7 +2023,7 @@
     </p:spTree>
     <p:extLst>
       <p:ext uri="{BB962C8B-B14F-4D97-AF65-F5344CB8AC3E}">
-        <p14:creationId xmlns:p14="http://schemas.microsoft.com/office/powerpoint/2010/main" val="842410376"/>
+        <p14:creationId xmlns:p14="http://schemas.microsoft.com/office/powerpoint/2010/main" val="3931570213"/>
       </p:ext>
     </p:extLst>
   </p:cSld>
@@ -2100,7 +2098,7 @@
           <a:p>
             <a:fld id="{AECF59C2-7033-4B4D-ACA3-71A130EDE93E}" type="slidenum">
               <a:rPr lang="en-US" smtClean="0"/>
-              <a:t>30</a:t>
+              <a:t>28</a:t>
             </a:fld>
             <a:endParaRPr lang="en-US"/>
           </a:p>
@@ -2109,7 +2107,7 @@
     </p:spTree>
     <p:extLst>
       <p:ext uri="{BB962C8B-B14F-4D97-AF65-F5344CB8AC3E}">
-        <p14:creationId xmlns:p14="http://schemas.microsoft.com/office/powerpoint/2010/main" val="3931570213"/>
+        <p14:creationId xmlns:p14="http://schemas.microsoft.com/office/powerpoint/2010/main" val="2034772752"/>
       </p:ext>
     </p:extLst>
   </p:cSld>
@@ -2184,7 +2182,7 @@
           <a:p>
             <a:fld id="{AECF59C2-7033-4B4D-ACA3-71A130EDE93E}" type="slidenum">
               <a:rPr lang="en-US" smtClean="0"/>
-              <a:t>31</a:t>
+              <a:t>29</a:t>
             </a:fld>
             <a:endParaRPr lang="en-US"/>
           </a:p>
@@ -2193,7 +2191,7 @@
     </p:spTree>
     <p:extLst>
       <p:ext uri="{BB962C8B-B14F-4D97-AF65-F5344CB8AC3E}">
-        <p14:creationId xmlns:p14="http://schemas.microsoft.com/office/powerpoint/2010/main" val="2034772752"/>
+        <p14:creationId xmlns:p14="http://schemas.microsoft.com/office/powerpoint/2010/main" val="1580983244"/>
       </p:ext>
     </p:extLst>
   </p:cSld>
@@ -2268,7 +2266,7 @@
           <a:p>
             <a:fld id="{AECF59C2-7033-4B4D-ACA3-71A130EDE93E}" type="slidenum">
               <a:rPr lang="en-US" smtClean="0"/>
-              <a:t>32</a:t>
+              <a:t>33</a:t>
             </a:fld>
             <a:endParaRPr lang="en-US"/>
           </a:p>
@@ -2277,7 +2275,7 @@
     </p:spTree>
     <p:extLst>
       <p:ext uri="{BB962C8B-B14F-4D97-AF65-F5344CB8AC3E}">
-        <p14:creationId xmlns:p14="http://schemas.microsoft.com/office/powerpoint/2010/main" val="1580983244"/>
+        <p14:creationId xmlns:p14="http://schemas.microsoft.com/office/powerpoint/2010/main" val="2420736399"/>
       </p:ext>
     </p:extLst>
   </p:cSld>
@@ -3034,7 +3032,7 @@
           <a:p>
             <a:fld id="{2BEF6D73-E719-D849-B192-46101C5BDE90}" type="datetime1">
               <a:rPr lang="en-US" smtClean="0"/>
-              <a:t>1/31/18</a:t>
+              <a:t>12/14/19</a:t>
             </a:fld>
             <a:endParaRPr lang="en-US"/>
           </a:p>
@@ -3202,7 +3200,7 @@
           <a:p>
             <a:fld id="{217F9701-0A79-F944-95C4-63D074BCD5FE}" type="datetime1">
               <a:rPr lang="en-US" smtClean="0"/>
-              <a:t>1/31/18</a:t>
+              <a:t>12/14/19</a:t>
             </a:fld>
             <a:endParaRPr lang="en-US"/>
           </a:p>
@@ -3380,7 +3378,7 @@
           <a:p>
             <a:fld id="{8A1E0CA4-DAFA-6D46-8CB2-2C9884C33B19}" type="datetime1">
               <a:rPr lang="en-US" smtClean="0"/>
-              <a:t>1/31/18</a:t>
+              <a:t>12/14/19</a:t>
             </a:fld>
             <a:endParaRPr lang="en-US"/>
           </a:p>
@@ -3548,7 +3546,7 @@
           <a:p>
             <a:fld id="{2EDE969C-4E88-FD4D-B0FD-C205835C558E}" type="datetime1">
               <a:rPr lang="en-US" smtClean="0"/>
-              <a:t>1/31/18</a:t>
+              <a:t>12/14/19</a:t>
             </a:fld>
             <a:endParaRPr lang="en-US"/>
           </a:p>
@@ -3793,7 +3791,7 @@
           <a:p>
             <a:fld id="{6EB2FD85-1BA6-C144-9430-792891429B46}" type="datetime1">
               <a:rPr lang="en-US" smtClean="0"/>
-              <a:t>1/31/18</a:t>
+              <a:t>12/14/19</a:t>
             </a:fld>
             <a:endParaRPr lang="en-US"/>
           </a:p>
@@ -4022,7 +4020,7 @@
           <a:p>
             <a:fld id="{566BD6FA-46B1-AB4D-BA89-52D1F1EDB7DC}" type="datetime1">
               <a:rPr lang="en-US" smtClean="0"/>
-              <a:t>1/31/18</a:t>
+              <a:t>12/14/19</a:t>
             </a:fld>
             <a:endParaRPr lang="en-US"/>
           </a:p>
@@ -4386,7 +4384,7 @@
           <a:p>
             <a:fld id="{DC6F0F6F-40DD-C041-8CA9-F3B7FE603DF0}" type="datetime1">
               <a:rPr lang="en-US" smtClean="0"/>
-              <a:t>1/31/18</a:t>
+              <a:t>12/14/19</a:t>
             </a:fld>
             <a:endParaRPr lang="en-US"/>
           </a:p>
@@ -4503,7 +4501,7 @@
           <a:p>
             <a:fld id="{79BE8225-12C7-9541-8776-7D580B3D5DF4}" type="datetime1">
               <a:rPr lang="en-US" smtClean="0"/>
-              <a:t>1/31/18</a:t>
+              <a:t>12/14/19</a:t>
             </a:fld>
             <a:endParaRPr lang="en-US"/>
           </a:p>
@@ -4598,7 +4596,7 @@
           <a:p>
             <a:fld id="{0BC48ADA-5976-EF4F-970E-AF67408D4544}" type="datetime1">
               <a:rPr lang="en-US" smtClean="0"/>
-              <a:t>1/31/18</a:t>
+              <a:t>12/14/19</a:t>
             </a:fld>
             <a:endParaRPr lang="en-US"/>
           </a:p>
@@ -4873,7 +4871,7 @@
           <a:p>
             <a:fld id="{CC4350B1-E69C-BF40-8DA9-7B6511B1163C}" type="datetime1">
               <a:rPr lang="en-US" smtClean="0"/>
-              <a:t>1/31/18</a:t>
+              <a:t>12/14/19</a:t>
             </a:fld>
             <a:endParaRPr lang="en-US"/>
           </a:p>
@@ -5125,7 +5123,7 @@
           <a:p>
             <a:fld id="{AACAA9B4-0EE4-FC4D-BE81-EA98845A0C10}" type="datetime1">
               <a:rPr lang="en-US" smtClean="0"/>
-              <a:t>1/31/18</a:t>
+              <a:t>12/14/19</a:t>
             </a:fld>
             <a:endParaRPr lang="en-US"/>
           </a:p>
@@ -5336,7 +5334,7 @@
           <a:p>
             <a:fld id="{C15F6ACF-BE73-1A41-A391-5F549B566778}" type="datetime1">
               <a:rPr lang="en-US" smtClean="0"/>
-              <a:t>1/31/18</a:t>
+              <a:t>12/14/19</a:t>
             </a:fld>
             <a:endParaRPr lang="en-US"/>
           </a:p>
@@ -6179,21 +6177,50 @@
                 <a:ea typeface="Consolas" charset="0"/>
                 <a:cs typeface="Consolas" charset="0"/>
               </a:rPr>
-              <a:t>Reading</a:t>
-            </a:r>
-          </a:p>
-        </p:txBody>
-      </p:sp>
-      <p:sp>
-        <p:nvSpPr>
-          <p:cNvPr id="3" name="TextBox 2"/>
+              <a:t>Z-Scores</a:t>
+            </a:r>
+          </a:p>
+        </p:txBody>
+      </p:sp>
+      <p:sp>
+        <p:nvSpPr>
+          <p:cNvPr id="5" name="Slide Number Placeholder 4"/>
+          <p:cNvSpPr>
+            <a:spLocks noGrp="1"/>
+          </p:cNvSpPr>
+          <p:nvPr>
+            <p:ph type="sldNum" sz="quarter" idx="12"/>
+          </p:nvPr>
+        </p:nvSpPr>
+        <p:spPr/>
+        <p:txBody>
+          <a:bodyPr/>
+          <a:lstStyle/>
+          <a:p>
+            <a:fld id="{4655F2EB-082D-1A4D-B2FA-EA5F6FE60629}" type="slidenum">
+              <a:rPr lang="en-US" smtClean="0"/>
+              <a:t>11</a:t>
+            </a:fld>
+            <a:endParaRPr lang="en-US"/>
+          </a:p>
+        </p:txBody>
+      </p:sp>
+      <p:sp>
+        <p:nvSpPr>
+          <p:cNvPr id="6" name="TextBox 5">
+            <a:extLst>
+              <a:ext uri="{FF2B5EF4-FFF2-40B4-BE49-F238E27FC236}">
+                <a16:creationId xmlns:a16="http://schemas.microsoft.com/office/drawing/2014/main" id="{50BD6FF3-A519-5444-B733-6E10BCA55F75}"/>
+              </a:ext>
+            </a:extLst>
+          </p:cNvPr>
           <p:cNvSpPr txBox="1"/>
           <p:nvPr/>
         </p:nvSpPr>
         <p:spPr>
           <a:xfrm>
-            <a:off x="838200" y="1536701"/>
-            <a:ext cx="10515600" cy="4524315"/>
+            <a:off x="838199" y="1744096"/>
+            <a:ext cx="10515601" cy="2985433"/>
           </a:xfrm>
           <a:prstGeom prst="rect">
             <a:avLst/>
@@ -6206,9 +6233,74 @@
           </a:bodyPr>
           <a:lstStyle/>
           <a:p>
-            <a:pPr algn="ctr"/>
-            <a:r>
-              <a:rPr lang="en-US" sz="7200" b="1" dirty="0">
+            <a:r>
+              <a:rPr lang="en-US" sz="4000" b="1" dirty="0">
+                <a:solidFill>
+                  <a:schemeClr val="accent1"/>
+                </a:solidFill>
+                <a:latin typeface="Consolas" charset="0"/>
+                <a:ea typeface="Consolas" charset="0"/>
+                <a:cs typeface="Consolas" charset="0"/>
+              </a:rPr>
+              <a:t>Important Point:</a:t>
+            </a:r>
+          </a:p>
+          <a:p>
+            <a:endParaRPr lang="en-US" sz="2000" b="1" dirty="0">
+              <a:solidFill>
+                <a:schemeClr val="tx2"/>
+              </a:solidFill>
+              <a:latin typeface="Consolas" charset="0"/>
+              <a:ea typeface="Consolas" charset="0"/>
+              <a:cs typeface="Consolas" charset="0"/>
+            </a:endParaRPr>
+          </a:p>
+          <a:p>
+            <a:pPr marL="457200" indent="-457200">
+              <a:buFont typeface="Arial" charset="0"/>
+              <a:buChar char="•"/>
+            </a:pPr>
+            <a:r>
+              <a:rPr lang="en-US" sz="3200" b="1" dirty="0">
+                <a:solidFill>
+                  <a:schemeClr val="tx2"/>
+                </a:solidFill>
+                <a:latin typeface="Consolas" charset="0"/>
+                <a:ea typeface="Consolas" charset="0"/>
+                <a:cs typeface="Consolas" charset="0"/>
+              </a:rPr>
+              <a:t>There are </a:t>
+            </a:r>
+            <a:r>
+              <a:rPr lang="en-US" sz="3200" b="1" dirty="0">
+                <a:solidFill>
+                  <a:schemeClr val="accent6"/>
+                </a:solidFill>
+                <a:latin typeface="Consolas" charset="0"/>
+                <a:ea typeface="Consolas" charset="0"/>
+                <a:cs typeface="Consolas" charset="0"/>
+              </a:rPr>
+              <a:t>distributions of single scores</a:t>
+            </a:r>
+          </a:p>
+          <a:p>
+            <a:pPr marL="457200" indent="-457200">
+              <a:buFont typeface="Arial" charset="0"/>
+              <a:buChar char="•"/>
+            </a:pPr>
+            <a:r>
+              <a:rPr lang="en-US" sz="3200" b="1" dirty="0">
+                <a:solidFill>
+                  <a:schemeClr val="tx2"/>
+                </a:solidFill>
+                <a:latin typeface="Consolas" charset="0"/>
+                <a:ea typeface="Consolas" charset="0"/>
+                <a:cs typeface="Consolas" charset="0"/>
+              </a:rPr>
+              <a:t>There are </a:t>
+            </a:r>
+            <a:r>
+              <a:rPr lang="en-US" sz="3200" b="1" dirty="0">
                 <a:solidFill>
                   <a:schemeClr val="accent3"/>
                 </a:solidFill>
@@ -6216,38 +6308,82 @@
                 <a:ea typeface="Consolas" charset="0"/>
                 <a:cs typeface="Consolas" charset="0"/>
               </a:rPr>
-              <a:t>Questions from Chapter 4, 5, and 6 that you’d like us to cover today?</a:t>
-            </a:r>
-          </a:p>
-        </p:txBody>
-      </p:sp>
-      <p:sp>
-        <p:nvSpPr>
-          <p:cNvPr id="4" name="Slide Number Placeholder 3"/>
-          <p:cNvSpPr>
-            <a:spLocks noGrp="1"/>
-          </p:cNvSpPr>
-          <p:nvPr>
-            <p:ph type="sldNum" sz="quarter" idx="12"/>
-          </p:nvPr>
-        </p:nvSpPr>
-        <p:spPr/>
-        <p:txBody>
-          <a:bodyPr/>
-          <a:lstStyle/>
-          <a:p>
-            <a:fld id="{4655F2EB-082D-1A4D-B2FA-EA5F6FE60629}" type="slidenum">
-              <a:rPr lang="en-US" smtClean="0"/>
-              <a:t>11</a:t>
-            </a:fld>
-            <a:endParaRPr lang="en-US"/>
+              <a:t>distributions of statistics</a:t>
+            </a:r>
+          </a:p>
+          <a:p>
+            <a:pPr marL="1371600" lvl="2" indent="-457200">
+              <a:buFont typeface="Arial" charset="0"/>
+              <a:buChar char="•"/>
+            </a:pPr>
+            <a:r>
+              <a:rPr lang="en-US" sz="3200" b="1" dirty="0">
+                <a:solidFill>
+                  <a:schemeClr val="tx2"/>
+                </a:solidFill>
+                <a:latin typeface="Consolas" charset="0"/>
+                <a:ea typeface="Consolas" charset="0"/>
+                <a:cs typeface="Consolas" charset="0"/>
+              </a:rPr>
+              <a:t>This is generally in reference to the sample mean</a:t>
+            </a:r>
+          </a:p>
+        </p:txBody>
+      </p:sp>
+      <p:sp>
+        <p:nvSpPr>
+          <p:cNvPr id="7" name="TextBox 6">
+            <a:extLst>
+              <a:ext uri="{FF2B5EF4-FFF2-40B4-BE49-F238E27FC236}">
+                <a16:creationId xmlns:a16="http://schemas.microsoft.com/office/drawing/2014/main" id="{C5EB196B-F96E-4B49-8E6C-C6203A49911D}"/>
+              </a:ext>
+            </a:extLst>
+          </p:cNvPr>
+          <p:cNvSpPr txBox="1"/>
+          <p:nvPr/>
+        </p:nvSpPr>
+        <p:spPr>
+          <a:xfrm>
+            <a:off x="838198" y="5188996"/>
+            <a:ext cx="10515601" cy="707886"/>
+          </a:xfrm>
+          <a:prstGeom prst="rect">
+            <a:avLst/>
+          </a:prstGeom>
+          <a:noFill/>
+        </p:spPr>
+        <p:txBody>
+          <a:bodyPr wrap="square" rtlCol="0">
+            <a:spAutoFit/>
+          </a:bodyPr>
+          <a:lstStyle/>
+          <a:p>
+            <a:r>
+              <a:rPr lang="en-US" sz="4000" b="1" dirty="0">
+                <a:solidFill>
+                  <a:schemeClr val="accent6"/>
+                </a:solidFill>
+                <a:latin typeface="Consolas" charset="0"/>
+                <a:ea typeface="Consolas" charset="0"/>
+                <a:cs typeface="Consolas" charset="0"/>
+              </a:rPr>
+              <a:t>Chapter 4 is about single scores</a:t>
+            </a:r>
+            <a:endParaRPr lang="en-US" sz="3200" b="1" dirty="0">
+              <a:solidFill>
+                <a:schemeClr val="accent6"/>
+              </a:solidFill>
+              <a:latin typeface="Consolas" charset="0"/>
+              <a:ea typeface="Consolas" charset="0"/>
+              <a:cs typeface="Consolas" charset="0"/>
+            </a:endParaRPr>
           </a:p>
         </p:txBody>
       </p:sp>
     </p:spTree>
     <p:extLst>
       <p:ext uri="{BB962C8B-B14F-4D97-AF65-F5344CB8AC3E}">
-        <p14:creationId xmlns:p14="http://schemas.microsoft.com/office/powerpoint/2010/main" val="132851995"/>
+        <p14:creationId xmlns:p14="http://schemas.microsoft.com/office/powerpoint/2010/main" val="3288322002"/>
       </p:ext>
     </p:extLst>
   </p:cSld>
@@ -6295,7 +6431,7 @@
                 <a:ea typeface="Consolas" charset="0"/>
                 <a:cs typeface="Consolas" charset="0"/>
               </a:rPr>
-              <a:t>Z-Scores</a:t>
+              <a:t>Z-Scores for an Individual Point</a:t>
             </a:r>
           </a:p>
         </p:txBody>
@@ -6318,260 +6454,6 @@
             <a:fld id="{4655F2EB-082D-1A4D-B2FA-EA5F6FE60629}" type="slidenum">
               <a:rPr lang="en-US" smtClean="0"/>
               <a:t>12</a:t>
-            </a:fld>
-            <a:endParaRPr lang="en-US"/>
-          </a:p>
-        </p:txBody>
-      </p:sp>
-      <p:sp>
-        <p:nvSpPr>
-          <p:cNvPr id="6" name="TextBox 5">
-            <a:extLst>
-              <a:ext uri="{FF2B5EF4-FFF2-40B4-BE49-F238E27FC236}">
-                <a16:creationId xmlns:a16="http://schemas.microsoft.com/office/drawing/2014/main" id="{50BD6FF3-A519-5444-B733-6E10BCA55F75}"/>
-              </a:ext>
-            </a:extLst>
-          </p:cNvPr>
-          <p:cNvSpPr txBox="1"/>
-          <p:nvPr/>
-        </p:nvSpPr>
-        <p:spPr>
-          <a:xfrm>
-            <a:off x="838199" y="1744096"/>
-            <a:ext cx="10515601" cy="2985433"/>
-          </a:xfrm>
-          <a:prstGeom prst="rect">
-            <a:avLst/>
-          </a:prstGeom>
-          <a:noFill/>
-        </p:spPr>
-        <p:txBody>
-          <a:bodyPr wrap="square" rtlCol="0">
-            <a:spAutoFit/>
-          </a:bodyPr>
-          <a:lstStyle/>
-          <a:p>
-            <a:r>
-              <a:rPr lang="en-US" sz="4000" b="1" dirty="0">
-                <a:solidFill>
-                  <a:schemeClr val="accent1"/>
-                </a:solidFill>
-                <a:latin typeface="Consolas" charset="0"/>
-                <a:ea typeface="Consolas" charset="0"/>
-                <a:cs typeface="Consolas" charset="0"/>
-              </a:rPr>
-              <a:t>Important Point:</a:t>
-            </a:r>
-          </a:p>
-          <a:p>
-            <a:endParaRPr lang="en-US" sz="2000" b="1" dirty="0">
-              <a:solidFill>
-                <a:schemeClr val="tx2"/>
-              </a:solidFill>
-              <a:latin typeface="Consolas" charset="0"/>
-              <a:ea typeface="Consolas" charset="0"/>
-              <a:cs typeface="Consolas" charset="0"/>
-            </a:endParaRPr>
-          </a:p>
-          <a:p>
-            <a:pPr marL="457200" indent="-457200">
-              <a:buFont typeface="Arial" charset="0"/>
-              <a:buChar char="•"/>
-            </a:pPr>
-            <a:r>
-              <a:rPr lang="en-US" sz="3200" b="1" dirty="0">
-                <a:solidFill>
-                  <a:schemeClr val="tx2"/>
-                </a:solidFill>
-                <a:latin typeface="Consolas" charset="0"/>
-                <a:ea typeface="Consolas" charset="0"/>
-                <a:cs typeface="Consolas" charset="0"/>
-              </a:rPr>
-              <a:t>There are </a:t>
-            </a:r>
-            <a:r>
-              <a:rPr lang="en-US" sz="3200" b="1" dirty="0">
-                <a:solidFill>
-                  <a:schemeClr val="accent6"/>
-                </a:solidFill>
-                <a:latin typeface="Consolas" charset="0"/>
-                <a:ea typeface="Consolas" charset="0"/>
-                <a:cs typeface="Consolas" charset="0"/>
-              </a:rPr>
-              <a:t>distributions of single scores</a:t>
-            </a:r>
-          </a:p>
-          <a:p>
-            <a:pPr marL="457200" indent="-457200">
-              <a:buFont typeface="Arial" charset="0"/>
-              <a:buChar char="•"/>
-            </a:pPr>
-            <a:r>
-              <a:rPr lang="en-US" sz="3200" b="1" dirty="0">
-                <a:solidFill>
-                  <a:schemeClr val="tx2"/>
-                </a:solidFill>
-                <a:latin typeface="Consolas" charset="0"/>
-                <a:ea typeface="Consolas" charset="0"/>
-                <a:cs typeface="Consolas" charset="0"/>
-              </a:rPr>
-              <a:t>There are </a:t>
-            </a:r>
-            <a:r>
-              <a:rPr lang="en-US" sz="3200" b="1" dirty="0">
-                <a:solidFill>
-                  <a:schemeClr val="accent3"/>
-                </a:solidFill>
-                <a:latin typeface="Consolas" charset="0"/>
-                <a:ea typeface="Consolas" charset="0"/>
-                <a:cs typeface="Consolas" charset="0"/>
-              </a:rPr>
-              <a:t>distributions of statistics</a:t>
-            </a:r>
-          </a:p>
-          <a:p>
-            <a:pPr marL="1371600" lvl="2" indent="-457200">
-              <a:buFont typeface="Arial" charset="0"/>
-              <a:buChar char="•"/>
-            </a:pPr>
-            <a:r>
-              <a:rPr lang="en-US" sz="3200" b="1" dirty="0">
-                <a:solidFill>
-                  <a:schemeClr val="tx2"/>
-                </a:solidFill>
-                <a:latin typeface="Consolas" charset="0"/>
-                <a:ea typeface="Consolas" charset="0"/>
-                <a:cs typeface="Consolas" charset="0"/>
-              </a:rPr>
-              <a:t>This is generally in reference to the sample mean</a:t>
-            </a:r>
-          </a:p>
-        </p:txBody>
-      </p:sp>
-      <p:sp>
-        <p:nvSpPr>
-          <p:cNvPr id="7" name="TextBox 6">
-            <a:extLst>
-              <a:ext uri="{FF2B5EF4-FFF2-40B4-BE49-F238E27FC236}">
-                <a16:creationId xmlns:a16="http://schemas.microsoft.com/office/drawing/2014/main" id="{C5EB196B-F96E-4B49-8E6C-C6203A49911D}"/>
-              </a:ext>
-            </a:extLst>
-          </p:cNvPr>
-          <p:cNvSpPr txBox="1"/>
-          <p:nvPr/>
-        </p:nvSpPr>
-        <p:spPr>
-          <a:xfrm>
-            <a:off x="838198" y="5188996"/>
-            <a:ext cx="10515601" cy="707886"/>
-          </a:xfrm>
-          <a:prstGeom prst="rect">
-            <a:avLst/>
-          </a:prstGeom>
-          <a:noFill/>
-        </p:spPr>
-        <p:txBody>
-          <a:bodyPr wrap="square" rtlCol="0">
-            <a:spAutoFit/>
-          </a:bodyPr>
-          <a:lstStyle/>
-          <a:p>
-            <a:r>
-              <a:rPr lang="en-US" sz="4000" b="1" dirty="0">
-                <a:solidFill>
-                  <a:schemeClr val="accent6"/>
-                </a:solidFill>
-                <a:latin typeface="Consolas" charset="0"/>
-                <a:ea typeface="Consolas" charset="0"/>
-                <a:cs typeface="Consolas" charset="0"/>
-              </a:rPr>
-              <a:t>Chapter 4 is about single scores</a:t>
-            </a:r>
-            <a:endParaRPr lang="en-US" sz="3200" b="1" dirty="0">
-              <a:solidFill>
-                <a:schemeClr val="accent6"/>
-              </a:solidFill>
-              <a:latin typeface="Consolas" charset="0"/>
-              <a:ea typeface="Consolas" charset="0"/>
-              <a:cs typeface="Consolas" charset="0"/>
-            </a:endParaRPr>
-          </a:p>
-        </p:txBody>
-      </p:sp>
-    </p:spTree>
-    <p:extLst>
-      <p:ext uri="{BB962C8B-B14F-4D97-AF65-F5344CB8AC3E}">
-        <p14:creationId xmlns:p14="http://schemas.microsoft.com/office/powerpoint/2010/main" val="3288322002"/>
-      </p:ext>
-    </p:extLst>
-  </p:cSld>
-  <p:clrMapOvr>
-    <a:masterClrMapping/>
-  </p:clrMapOvr>
-</p:sld>
-</file>
-
-<file path=ppt/slides/slide13.xml><?xml version="1.0" encoding="utf-8"?>
-<p:sld xmlns:a="http://schemas.openxmlformats.org/drawingml/2006/main" xmlns:r="http://schemas.openxmlformats.org/officeDocument/2006/relationships" xmlns:p="http://schemas.openxmlformats.org/presentationml/2006/main">
-  <p:cSld>
-    <p:spTree>
-      <p:nvGrpSpPr>
-        <p:cNvPr id="1" name=""/>
-        <p:cNvGrpSpPr/>
-        <p:nvPr/>
-      </p:nvGrpSpPr>
-      <p:grpSpPr>
-        <a:xfrm>
-          <a:off x="0" y="0"/>
-          <a:ext cx="0" cy="0"/>
-          <a:chOff x="0" y="0"/>
-          <a:chExt cx="0" cy="0"/>
-        </a:xfrm>
-      </p:grpSpPr>
-      <p:sp>
-        <p:nvSpPr>
-          <p:cNvPr id="2" name="Title 1"/>
-          <p:cNvSpPr>
-            <a:spLocks noGrp="1"/>
-          </p:cNvSpPr>
-          <p:nvPr>
-            <p:ph type="title"/>
-          </p:nvPr>
-        </p:nvSpPr>
-        <p:spPr/>
-        <p:txBody>
-          <a:bodyPr/>
-          <a:lstStyle/>
-          <a:p>
-            <a:r>
-              <a:rPr lang="en-US" b="1" dirty="0">
-                <a:latin typeface="Consolas" charset="0"/>
-                <a:ea typeface="Consolas" charset="0"/>
-                <a:cs typeface="Consolas" charset="0"/>
-              </a:rPr>
-              <a:t>Z-Scores for an Individual Point</a:t>
-            </a:r>
-          </a:p>
-        </p:txBody>
-      </p:sp>
-      <p:sp>
-        <p:nvSpPr>
-          <p:cNvPr id="5" name="Slide Number Placeholder 4"/>
-          <p:cNvSpPr>
-            <a:spLocks noGrp="1"/>
-          </p:cNvSpPr>
-          <p:nvPr>
-            <p:ph type="sldNum" sz="quarter" idx="12"/>
-          </p:nvPr>
-        </p:nvSpPr>
-        <p:spPr/>
-        <p:txBody>
-          <a:bodyPr/>
-          <a:lstStyle/>
-          <a:p>
-            <a:fld id="{4655F2EB-082D-1A4D-B2FA-EA5F6FE60629}" type="slidenum">
-              <a:rPr lang="en-US" smtClean="0"/>
-              <a:t>13</a:t>
             </a:fld>
             <a:endParaRPr lang="en-US"/>
           </a:p>
@@ -6853,7 +6735,7 @@
 </p:sld>
 </file>
 
-<file path=ppt/slides/slide14.xml><?xml version="1.0" encoding="utf-8"?>
+<file path=ppt/slides/slide13.xml><?xml version="1.0" encoding="utf-8"?>
 <p:sld xmlns:a="http://schemas.openxmlformats.org/drawingml/2006/main" xmlns:r="http://schemas.openxmlformats.org/officeDocument/2006/relationships" xmlns:p="http://schemas.openxmlformats.org/presentationml/2006/main">
   <p:cSld>
     <p:spTree>
@@ -6913,7 +6795,7 @@
           <a:p>
             <a:fld id="{4655F2EB-082D-1A4D-B2FA-EA5F6FE60629}" type="slidenum">
               <a:rPr lang="en-US" smtClean="0"/>
-              <a:t>14</a:t>
+              <a:t>13</a:t>
             </a:fld>
             <a:endParaRPr lang="en-US"/>
           </a:p>
@@ -7523,7 +7405,7 @@
 </p:sld>
 </file>
 
-<file path=ppt/slides/slide15.xml><?xml version="1.0" encoding="utf-8"?>
+<file path=ppt/slides/slide14.xml><?xml version="1.0" encoding="utf-8"?>
 <p:sld xmlns:a="http://schemas.openxmlformats.org/drawingml/2006/main" xmlns:r="http://schemas.openxmlformats.org/officeDocument/2006/relationships" xmlns:p="http://schemas.openxmlformats.org/presentationml/2006/main">
   <p:cSld>
     <p:spTree>
@@ -7583,7 +7465,7 @@
           <a:p>
             <a:fld id="{4655F2EB-082D-1A4D-B2FA-EA5F6FE60629}" type="slidenum">
               <a:rPr lang="en-US" smtClean="0"/>
-              <a:t>15</a:t>
+              <a:t>14</a:t>
             </a:fld>
             <a:endParaRPr lang="en-US"/>
           </a:p>
@@ -7951,7 +7833,7 @@
 </p:sld>
 </file>
 
-<file path=ppt/slides/slide16.xml><?xml version="1.0" encoding="utf-8"?>
+<file path=ppt/slides/slide15.xml><?xml version="1.0" encoding="utf-8"?>
 <p:sld xmlns:a="http://schemas.openxmlformats.org/drawingml/2006/main" xmlns:r="http://schemas.openxmlformats.org/officeDocument/2006/relationships" xmlns:p="http://schemas.openxmlformats.org/presentationml/2006/main">
   <p:cSld>
     <p:spTree>
@@ -8022,7 +7904,7 @@
           <a:p>
             <a:fld id="{4655F2EB-082D-1A4D-B2FA-EA5F6FE60629}" type="slidenum">
               <a:rPr lang="en-US" smtClean="0"/>
-              <a:t>16</a:t>
+              <a:t>15</a:t>
             </a:fld>
             <a:endParaRPr lang="en-US"/>
           </a:p>
@@ -8070,6 +7952,206 @@
 </p:sld>
 </file>
 
+<file path=ppt/slides/slide16.xml><?xml version="1.0" encoding="utf-8"?>
+<p:sld xmlns:a="http://schemas.openxmlformats.org/drawingml/2006/main" xmlns:r="http://schemas.openxmlformats.org/officeDocument/2006/relationships" xmlns:p="http://schemas.openxmlformats.org/presentationml/2006/main">
+  <p:cSld>
+    <p:spTree>
+      <p:nvGrpSpPr>
+        <p:cNvPr id="1" name=""/>
+        <p:cNvGrpSpPr/>
+        <p:nvPr/>
+      </p:nvGrpSpPr>
+      <p:grpSpPr>
+        <a:xfrm>
+          <a:off x="0" y="0"/>
+          <a:ext cx="0" cy="0"/>
+          <a:chOff x="0" y="0"/>
+          <a:chExt cx="0" cy="0"/>
+        </a:xfrm>
+      </p:grpSpPr>
+      <p:sp>
+        <p:nvSpPr>
+          <p:cNvPr id="2" name="Title 1"/>
+          <p:cNvSpPr>
+            <a:spLocks noGrp="1"/>
+          </p:cNvSpPr>
+          <p:nvPr>
+            <p:ph type="title"/>
+          </p:nvPr>
+        </p:nvSpPr>
+        <p:spPr/>
+        <p:txBody>
+          <a:bodyPr/>
+          <a:lstStyle/>
+          <a:p>
+            <a:r>
+              <a:rPr lang="en-US" b="1" dirty="0">
+                <a:latin typeface="Consolas" charset="0"/>
+                <a:ea typeface="Consolas" charset="0"/>
+                <a:cs typeface="Consolas" charset="0"/>
+              </a:rPr>
+              <a:t>Z-Score and the </a:t>
+            </a:r>
+            <a:r>
+              <a:rPr lang="en-US" b="1" dirty="0">
+                <a:solidFill>
+                  <a:schemeClr val="accent3"/>
+                </a:solidFill>
+                <a:latin typeface="Consolas" charset="0"/>
+                <a:ea typeface="Consolas" charset="0"/>
+                <a:cs typeface="Consolas" charset="0"/>
+              </a:rPr>
+              <a:t>Standard Normal Curve</a:t>
+            </a:r>
+          </a:p>
+        </p:txBody>
+      </p:sp>
+      <p:sp>
+        <p:nvSpPr>
+          <p:cNvPr id="5" name="Slide Number Placeholder 4"/>
+          <p:cNvSpPr>
+            <a:spLocks noGrp="1"/>
+          </p:cNvSpPr>
+          <p:nvPr>
+            <p:ph type="sldNum" sz="quarter" idx="12"/>
+          </p:nvPr>
+        </p:nvSpPr>
+        <p:spPr/>
+        <p:txBody>
+          <a:bodyPr/>
+          <a:lstStyle/>
+          <a:p>
+            <a:fld id="{4655F2EB-082D-1A4D-B2FA-EA5F6FE60629}" type="slidenum">
+              <a:rPr lang="en-US" smtClean="0"/>
+              <a:t>16</a:t>
+            </a:fld>
+            <a:endParaRPr lang="en-US"/>
+          </a:p>
+        </p:txBody>
+      </p:sp>
+      <p:sp>
+        <p:nvSpPr>
+          <p:cNvPr id="6" name="TextBox 5">
+            <a:extLst>
+              <a:ext uri="{FF2B5EF4-FFF2-40B4-BE49-F238E27FC236}">
+                <a16:creationId xmlns:a16="http://schemas.microsoft.com/office/drawing/2014/main" id="{3C26AD56-F0A3-3143-B62C-4CA8D91472E3}"/>
+              </a:ext>
+            </a:extLst>
+          </p:cNvPr>
+          <p:cNvSpPr txBox="1"/>
+          <p:nvPr/>
+        </p:nvSpPr>
+        <p:spPr>
+          <a:xfrm>
+            <a:off x="838199" y="2213996"/>
+            <a:ext cx="10515601" cy="2492990"/>
+          </a:xfrm>
+          <a:prstGeom prst="rect">
+            <a:avLst/>
+          </a:prstGeom>
+          <a:noFill/>
+        </p:spPr>
+        <p:txBody>
+          <a:bodyPr wrap="square" rtlCol="0">
+            <a:spAutoFit/>
+          </a:bodyPr>
+          <a:lstStyle/>
+          <a:p>
+            <a:r>
+              <a:rPr lang="en-US" sz="4000" b="1" dirty="0">
+                <a:solidFill>
+                  <a:schemeClr val="accent3"/>
+                </a:solidFill>
+                <a:latin typeface="Consolas" charset="0"/>
+                <a:ea typeface="Consolas" charset="0"/>
+                <a:cs typeface="Consolas" charset="0"/>
+              </a:rPr>
+              <a:t>So...</a:t>
+            </a:r>
+          </a:p>
+          <a:p>
+            <a:endParaRPr lang="en-US" sz="2000" b="1" dirty="0">
+              <a:solidFill>
+                <a:schemeClr val="tx2"/>
+              </a:solidFill>
+              <a:latin typeface="Consolas" charset="0"/>
+              <a:ea typeface="Consolas" charset="0"/>
+              <a:cs typeface="Consolas" charset="0"/>
+            </a:endParaRPr>
+          </a:p>
+          <a:p>
+            <a:pPr marL="457200" indent="-457200">
+              <a:buFont typeface="Arial" charset="0"/>
+              <a:buChar char="•"/>
+            </a:pPr>
+            <a:r>
+              <a:rPr lang="en-US" sz="3200" b="1" dirty="0">
+                <a:solidFill>
+                  <a:schemeClr val="tx2"/>
+                </a:solidFill>
+                <a:latin typeface="Consolas" charset="0"/>
+                <a:ea typeface="Consolas" charset="0"/>
+                <a:cs typeface="Consolas" charset="0"/>
+              </a:rPr>
+              <a:t>We can use the same idea to estimate the probability of scoring higher or lower than a certain level</a:t>
+            </a:r>
+          </a:p>
+        </p:txBody>
+      </p:sp>
+      <p:sp>
+        <p:nvSpPr>
+          <p:cNvPr id="3" name="Rectangle 2">
+            <a:extLst>
+              <a:ext uri="{FF2B5EF4-FFF2-40B4-BE49-F238E27FC236}">
+                <a16:creationId xmlns:a16="http://schemas.microsoft.com/office/drawing/2014/main" id="{CEE61C91-FB54-5A41-82B1-6B270A9FDA39}"/>
+              </a:ext>
+            </a:extLst>
+          </p:cNvPr>
+          <p:cNvSpPr/>
+          <p:nvPr/>
+        </p:nvSpPr>
+        <p:spPr>
+          <a:xfrm>
+            <a:off x="838199" y="4973935"/>
+            <a:ext cx="10515601" cy="1200329"/>
+          </a:xfrm>
+          <a:prstGeom prst="rect">
+            <a:avLst/>
+          </a:prstGeom>
+        </p:spPr>
+        <p:txBody>
+          <a:bodyPr wrap="square">
+            <a:spAutoFit/>
+          </a:bodyPr>
+          <a:lstStyle/>
+          <a:p>
+            <a:r>
+              <a:rPr lang="en-US" sz="2400" b="1" dirty="0">
+                <a:solidFill>
+                  <a:schemeClr val="tx2"/>
+                </a:solidFill>
+                <a:latin typeface="Consolas" charset="0"/>
+                <a:ea typeface="Consolas" charset="0"/>
+                <a:cs typeface="Consolas" charset="0"/>
+              </a:rPr>
+              <a:t>Example: If the scores on an exam have a mean of 70, an SD of 10, we know the distribution is normal, what is the probability of scoring 90 or higher.</a:t>
+            </a:r>
+          </a:p>
+        </p:txBody>
+      </p:sp>
+    </p:spTree>
+    <p:extLst>
+      <p:ext uri="{BB962C8B-B14F-4D97-AF65-F5344CB8AC3E}">
+        <p14:creationId xmlns:p14="http://schemas.microsoft.com/office/powerpoint/2010/main" val="874431042"/>
+      </p:ext>
+    </p:extLst>
+  </p:cSld>
+  <p:clrMapOvr>
+    <a:masterClrMapping/>
+  </p:clrMapOvr>
+</p:sld>
+</file>
+
 <file path=ppt/slides/slide17.xml><?xml version="1.0" encoding="utf-8"?>
 <p:sld xmlns:a="http://schemas.openxmlformats.org/drawingml/2006/main" xmlns:r="http://schemas.openxmlformats.org/officeDocument/2006/relationships" xmlns:p="http://schemas.openxmlformats.org/presentationml/2006/main">
   <p:cSld>
@@ -8108,61 +8190,21 @@
                 <a:ea typeface="Consolas" charset="0"/>
                 <a:cs typeface="Consolas" charset="0"/>
               </a:rPr>
-              <a:t>Z-Score and the </a:t>
-            </a:r>
-            <a:r>
-              <a:rPr lang="en-US" b="1" dirty="0">
-                <a:solidFill>
-                  <a:schemeClr val="accent3"/>
-                </a:solidFill>
-                <a:latin typeface="Consolas" charset="0"/>
-                <a:ea typeface="Consolas" charset="0"/>
-                <a:cs typeface="Consolas" charset="0"/>
-              </a:rPr>
-              <a:t>Standard Normal Curve</a:t>
-            </a:r>
-          </a:p>
-        </p:txBody>
-      </p:sp>
-      <p:sp>
-        <p:nvSpPr>
-          <p:cNvPr id="5" name="Slide Number Placeholder 4"/>
-          <p:cNvSpPr>
-            <a:spLocks noGrp="1"/>
-          </p:cNvSpPr>
-          <p:nvPr>
-            <p:ph type="sldNum" sz="quarter" idx="12"/>
-          </p:nvPr>
-        </p:nvSpPr>
-        <p:spPr/>
-        <p:txBody>
-          <a:bodyPr/>
-          <a:lstStyle/>
-          <a:p>
-            <a:fld id="{4655F2EB-082D-1A4D-B2FA-EA5F6FE60629}" type="slidenum">
-              <a:rPr lang="en-US" smtClean="0"/>
-              <a:t>17</a:t>
-            </a:fld>
-            <a:endParaRPr lang="en-US"/>
-          </a:p>
-        </p:txBody>
-      </p:sp>
-      <p:sp>
-        <p:nvSpPr>
-          <p:cNvPr id="6" name="TextBox 5">
-            <a:extLst>
-              <a:ext uri="{FF2B5EF4-FFF2-40B4-BE49-F238E27FC236}">
-                <a16:creationId xmlns:a16="http://schemas.microsoft.com/office/drawing/2014/main" id="{3C26AD56-F0A3-3143-B62C-4CA8D91472E3}"/>
-              </a:ext>
-            </a:extLst>
-          </p:cNvPr>
+              <a:t>Review of Z-Scores (Chapter 4)</a:t>
+            </a:r>
+          </a:p>
+        </p:txBody>
+      </p:sp>
+      <p:sp>
+        <p:nvSpPr>
+          <p:cNvPr id="4" name="TextBox 3"/>
           <p:cNvSpPr txBox="1"/>
           <p:nvPr/>
         </p:nvSpPr>
         <p:spPr>
           <a:xfrm>
-            <a:off x="838199" y="2213996"/>
-            <a:ext cx="10515601" cy="2492990"/>
+            <a:off x="838199" y="1744096"/>
+            <a:ext cx="10967357" cy="4524315"/>
           </a:xfrm>
           <a:prstGeom prst="rect">
             <a:avLst/>
@@ -8175,35 +8217,11 @@
           </a:bodyPr>
           <a:lstStyle/>
           <a:p>
-            <a:r>
-              <a:rPr lang="en-US" sz="4000" b="1" dirty="0">
-                <a:solidFill>
-                  <a:schemeClr val="accent3"/>
-                </a:solidFill>
-                <a:latin typeface="Consolas" charset="0"/>
-                <a:ea typeface="Consolas" charset="0"/>
-                <a:cs typeface="Consolas" charset="0"/>
-              </a:rPr>
-              <a:t>So...</a:t>
-            </a:r>
-          </a:p>
-          <a:p>
-            <a:endParaRPr lang="en-US" sz="2000" b="1" dirty="0">
-              <a:solidFill>
-                <a:schemeClr val="tx2"/>
-              </a:solidFill>
-              <a:latin typeface="Consolas" charset="0"/>
-              <a:ea typeface="Consolas" charset="0"/>
-              <a:cs typeface="Consolas" charset="0"/>
-            </a:endParaRPr>
-          </a:p>
-          <a:p>
-            <a:pPr marL="457200" indent="-457200">
-              <a:buFont typeface="Arial" charset="0"/>
-              <a:buChar char="•"/>
+            <a:pPr marL="742950" indent="-742950">
+              <a:buAutoNum type="arabicPeriod"/>
             </a:pPr>
             <a:r>
-              <a:rPr lang="en-US" sz="3200" b="1" dirty="0">
+              <a:rPr lang="en-US" sz="3600" b="1" dirty="0">
                 <a:solidFill>
                   <a:schemeClr val="tx2"/>
                 </a:solidFill>
@@ -8211,40 +8229,15 @@
                 <a:ea typeface="Consolas" charset="0"/>
                 <a:cs typeface="Consolas" charset="0"/>
               </a:rPr>
-              <a:t>We can use the same idea to estimate the probability of scoring higher or lower than a certain level</a:t>
-            </a:r>
-          </a:p>
-        </p:txBody>
-      </p:sp>
-      <p:sp>
-        <p:nvSpPr>
-          <p:cNvPr id="3" name="Rectangle 2">
-            <a:extLst>
-              <a:ext uri="{FF2B5EF4-FFF2-40B4-BE49-F238E27FC236}">
-                <a16:creationId xmlns:a16="http://schemas.microsoft.com/office/drawing/2014/main" id="{CEE61C91-FB54-5A41-82B1-6B270A9FDA39}"/>
-              </a:ext>
-            </a:extLst>
-          </p:cNvPr>
-          <p:cNvSpPr/>
-          <p:nvPr/>
-        </p:nvSpPr>
-        <p:spPr>
-          <a:xfrm>
-            <a:off x="838199" y="4973935"/>
-            <a:ext cx="10515601" cy="1200329"/>
-          </a:xfrm>
-          <a:prstGeom prst="rect">
-            <a:avLst/>
-          </a:prstGeom>
-        </p:spPr>
-        <p:txBody>
-          <a:bodyPr wrap="square">
-            <a:spAutoFit/>
-          </a:bodyPr>
-          <a:lstStyle/>
-          <a:p>
-            <a:r>
-              <a:rPr lang="en-US" sz="2400" b="1" dirty="0">
+              <a:t>What does a z-score about an individual point tell us?</a:t>
+            </a:r>
+          </a:p>
+          <a:p>
+            <a:pPr marL="742950" indent="-742950">
+              <a:buAutoNum type="arabicPeriod"/>
+            </a:pPr>
+            <a:r>
+              <a:rPr lang="en-US" sz="3600" b="1" dirty="0">
                 <a:solidFill>
                   <a:schemeClr val="tx2"/>
                 </a:solidFill>
@@ -8252,15 +8245,54 @@
                 <a:ea typeface="Consolas" charset="0"/>
                 <a:cs typeface="Consolas" charset="0"/>
               </a:rPr>
-              <a:t>Example: If the scores on an exam have a mean of 70, an SD of 10, we know the distribution is normal, what is the probability of scoring 90 or higher.</a:t>
-            </a:r>
+              <a:t>Is it possible to make a specific probability statement about a z-score if the distribution is normal?</a:t>
+            </a:r>
+          </a:p>
+          <a:p>
+            <a:pPr marL="742950" indent="-742950">
+              <a:buAutoNum type="arabicPeriod"/>
+            </a:pPr>
+            <a:r>
+              <a:rPr lang="en-US" sz="3600" b="1" dirty="0">
+                <a:solidFill>
+                  <a:schemeClr val="tx2"/>
+                </a:solidFill>
+                <a:latin typeface="Consolas" charset="0"/>
+                <a:ea typeface="Consolas" charset="0"/>
+                <a:cs typeface="Consolas" charset="0"/>
+              </a:rPr>
+              <a:t>What proportion of scores are between z-scores of 0 and 1? (hint: use shading and the appendix)</a:t>
+            </a:r>
+          </a:p>
+        </p:txBody>
+      </p:sp>
+      <p:sp>
+        <p:nvSpPr>
+          <p:cNvPr id="3" name="Slide Number Placeholder 2"/>
+          <p:cNvSpPr>
+            <a:spLocks noGrp="1"/>
+          </p:cNvSpPr>
+          <p:nvPr>
+            <p:ph type="sldNum" sz="quarter" idx="12"/>
+          </p:nvPr>
+        </p:nvSpPr>
+        <p:spPr/>
+        <p:txBody>
+          <a:bodyPr/>
+          <a:lstStyle/>
+          <a:p>
+            <a:fld id="{4655F2EB-082D-1A4D-B2FA-EA5F6FE60629}" type="slidenum">
+              <a:rPr lang="en-US" smtClean="0"/>
+              <a:t>17</a:t>
+            </a:fld>
+            <a:endParaRPr lang="en-US"/>
           </a:p>
         </p:txBody>
       </p:sp>
     </p:spTree>
     <p:extLst>
       <p:ext uri="{BB962C8B-B14F-4D97-AF65-F5344CB8AC3E}">
-        <p14:creationId xmlns:p14="http://schemas.microsoft.com/office/powerpoint/2010/main" val="874431042"/>
+        <p14:creationId xmlns:p14="http://schemas.microsoft.com/office/powerpoint/2010/main" val="594015713"/>
       </p:ext>
     </p:extLst>
   </p:cSld>
@@ -8308,7 +8340,7 @@
                 <a:ea typeface="Consolas" charset="0"/>
                 <a:cs typeface="Consolas" charset="0"/>
               </a:rPr>
-              <a:t>Normal Distributions and Shading </a:t>
+              <a:t>Distribution of Sample Means</a:t>
             </a:r>
           </a:p>
         </p:txBody>
@@ -8338,10 +8370,10 @@
       </p:sp>
       <p:sp>
         <p:nvSpPr>
-          <p:cNvPr id="7" name="TextBox 6">
+          <p:cNvPr id="6" name="TextBox 5">
             <a:extLst>
               <a:ext uri="{FF2B5EF4-FFF2-40B4-BE49-F238E27FC236}">
-                <a16:creationId xmlns:a16="http://schemas.microsoft.com/office/drawing/2014/main" id="{6C0925A4-4352-AA41-BD75-75A252203B75}"/>
+                <a16:creationId xmlns:a16="http://schemas.microsoft.com/office/drawing/2014/main" id="{50BD6FF3-A519-5444-B733-6E10BCA55F75}"/>
               </a:ext>
             </a:extLst>
           </p:cNvPr>
@@ -8350,8 +8382,8 @@
         </p:nvSpPr>
         <p:spPr>
           <a:xfrm>
-            <a:off x="838200" y="3090296"/>
-            <a:ext cx="10515601" cy="1015663"/>
+            <a:off x="838199" y="1744096"/>
+            <a:ext cx="10515601" cy="2985433"/>
           </a:xfrm>
           <a:prstGeom prst="rect">
             <a:avLst/>
@@ -8364,9 +8396,74 @@
           </a:bodyPr>
           <a:lstStyle/>
           <a:p>
-            <a:pPr algn="ctr"/>
-            <a:r>
-              <a:rPr lang="en-US" sz="6000" b="1" dirty="0">
+            <a:r>
+              <a:rPr lang="en-US" sz="4000" b="1" dirty="0">
+                <a:solidFill>
+                  <a:schemeClr val="accent1"/>
+                </a:solidFill>
+                <a:latin typeface="Consolas" charset="0"/>
+                <a:ea typeface="Consolas" charset="0"/>
+                <a:cs typeface="Consolas" charset="0"/>
+              </a:rPr>
+              <a:t>Important Point:</a:t>
+            </a:r>
+          </a:p>
+          <a:p>
+            <a:endParaRPr lang="en-US" sz="2000" b="1" dirty="0">
+              <a:solidFill>
+                <a:schemeClr val="tx2"/>
+              </a:solidFill>
+              <a:latin typeface="Consolas" charset="0"/>
+              <a:ea typeface="Consolas" charset="0"/>
+              <a:cs typeface="Consolas" charset="0"/>
+            </a:endParaRPr>
+          </a:p>
+          <a:p>
+            <a:pPr marL="457200" indent="-457200">
+              <a:buFont typeface="Arial" charset="0"/>
+              <a:buChar char="•"/>
+            </a:pPr>
+            <a:r>
+              <a:rPr lang="en-US" sz="3200" b="1" dirty="0">
+                <a:solidFill>
+                  <a:schemeClr val="tx2"/>
+                </a:solidFill>
+                <a:latin typeface="Consolas" charset="0"/>
+                <a:ea typeface="Consolas" charset="0"/>
+                <a:cs typeface="Consolas" charset="0"/>
+              </a:rPr>
+              <a:t>There are </a:t>
+            </a:r>
+            <a:r>
+              <a:rPr lang="en-US" sz="3200" b="1" dirty="0">
+                <a:solidFill>
+                  <a:schemeClr val="accent6"/>
+                </a:solidFill>
+                <a:latin typeface="Consolas" charset="0"/>
+                <a:ea typeface="Consolas" charset="0"/>
+                <a:cs typeface="Consolas" charset="0"/>
+              </a:rPr>
+              <a:t>distributions of single scores</a:t>
+            </a:r>
+          </a:p>
+          <a:p>
+            <a:pPr marL="457200" indent="-457200">
+              <a:buFont typeface="Arial" charset="0"/>
+              <a:buChar char="•"/>
+            </a:pPr>
+            <a:r>
+              <a:rPr lang="en-US" sz="3200" b="1" dirty="0">
+                <a:solidFill>
+                  <a:schemeClr val="tx2"/>
+                </a:solidFill>
+                <a:latin typeface="Consolas" charset="0"/>
+                <a:ea typeface="Consolas" charset="0"/>
+                <a:cs typeface="Consolas" charset="0"/>
+              </a:rPr>
+              <a:t>There are </a:t>
+            </a:r>
+            <a:r>
+              <a:rPr lang="en-US" sz="3200" b="1" dirty="0">
                 <a:solidFill>
                   <a:schemeClr val="accent3"/>
                 </a:solidFill>
@@ -8374,15 +8471,82 @@
                 <a:ea typeface="Consolas" charset="0"/>
                 <a:cs typeface="Consolas" charset="0"/>
               </a:rPr>
-              <a:t>Page 101 of the book</a:t>
-            </a:r>
+              <a:t>distributions of statistics</a:t>
+            </a:r>
+          </a:p>
+          <a:p>
+            <a:pPr marL="1371600" lvl="2" indent="-457200">
+              <a:buFont typeface="Arial" charset="0"/>
+              <a:buChar char="•"/>
+            </a:pPr>
+            <a:r>
+              <a:rPr lang="en-US" sz="3200" b="1" dirty="0">
+                <a:solidFill>
+                  <a:schemeClr val="tx2"/>
+                </a:solidFill>
+                <a:latin typeface="Consolas" charset="0"/>
+                <a:ea typeface="Consolas" charset="0"/>
+                <a:cs typeface="Consolas" charset="0"/>
+              </a:rPr>
+              <a:t>This is generally in reference to the sample mean</a:t>
+            </a:r>
+          </a:p>
+        </p:txBody>
+      </p:sp>
+      <p:sp>
+        <p:nvSpPr>
+          <p:cNvPr id="7" name="TextBox 6">
+            <a:extLst>
+              <a:ext uri="{FF2B5EF4-FFF2-40B4-BE49-F238E27FC236}">
+                <a16:creationId xmlns:a16="http://schemas.microsoft.com/office/drawing/2014/main" id="{C5EB196B-F96E-4B49-8E6C-C6203A49911D}"/>
+              </a:ext>
+            </a:extLst>
+          </p:cNvPr>
+          <p:cNvSpPr txBox="1"/>
+          <p:nvPr/>
+        </p:nvSpPr>
+        <p:spPr>
+          <a:xfrm>
+            <a:off x="838198" y="5188996"/>
+            <a:ext cx="10515601" cy="1323439"/>
+          </a:xfrm>
+          <a:prstGeom prst="rect">
+            <a:avLst/>
+          </a:prstGeom>
+          <a:noFill/>
+        </p:spPr>
+        <p:txBody>
+          <a:bodyPr wrap="square" rtlCol="0">
+            <a:spAutoFit/>
+          </a:bodyPr>
+          <a:lstStyle/>
+          <a:p>
+            <a:r>
+              <a:rPr lang="en-US" sz="4000" b="1" dirty="0">
+                <a:solidFill>
+                  <a:schemeClr val="accent3"/>
+                </a:solidFill>
+                <a:latin typeface="Consolas" charset="0"/>
+                <a:ea typeface="Consolas" charset="0"/>
+                <a:cs typeface="Consolas" charset="0"/>
+              </a:rPr>
+              <a:t>Chapter 5 is about distributions of statistics</a:t>
+            </a:r>
+            <a:endParaRPr lang="en-US" sz="3200" b="1" dirty="0">
+              <a:solidFill>
+                <a:schemeClr val="accent3"/>
+              </a:solidFill>
+              <a:latin typeface="Consolas" charset="0"/>
+              <a:ea typeface="Consolas" charset="0"/>
+              <a:cs typeface="Consolas" charset="0"/>
+            </a:endParaRPr>
           </a:p>
         </p:txBody>
       </p:sp>
     </p:spTree>
     <p:extLst>
       <p:ext uri="{BB962C8B-B14F-4D97-AF65-F5344CB8AC3E}">
-        <p14:creationId xmlns:p14="http://schemas.microsoft.com/office/powerpoint/2010/main" val="3060671821"/>
+        <p14:creationId xmlns:p14="http://schemas.microsoft.com/office/powerpoint/2010/main" val="175014421"/>
       </p:ext>
     </p:extLst>
   </p:cSld>
@@ -8430,21 +8594,50 @@
                 <a:ea typeface="Consolas" charset="0"/>
                 <a:cs typeface="Consolas" charset="0"/>
               </a:rPr>
-              <a:t>Review of Z-Scores (Chapter 4)</a:t>
-            </a:r>
-          </a:p>
-        </p:txBody>
-      </p:sp>
-      <p:sp>
-        <p:nvSpPr>
-          <p:cNvPr id="4" name="TextBox 3"/>
+              <a:t>Distribution of Sample Means</a:t>
+            </a:r>
+          </a:p>
+        </p:txBody>
+      </p:sp>
+      <p:sp>
+        <p:nvSpPr>
+          <p:cNvPr id="5" name="Slide Number Placeholder 4"/>
+          <p:cNvSpPr>
+            <a:spLocks noGrp="1"/>
+          </p:cNvSpPr>
+          <p:nvPr>
+            <p:ph type="sldNum" sz="quarter" idx="12"/>
+          </p:nvPr>
+        </p:nvSpPr>
+        <p:spPr/>
+        <p:txBody>
+          <a:bodyPr/>
+          <a:lstStyle/>
+          <a:p>
+            <a:fld id="{4655F2EB-082D-1A4D-B2FA-EA5F6FE60629}" type="slidenum">
+              <a:rPr lang="en-US" smtClean="0"/>
+              <a:t>19</a:t>
+            </a:fld>
+            <a:endParaRPr lang="en-US"/>
+          </a:p>
+        </p:txBody>
+      </p:sp>
+      <p:sp>
+        <p:nvSpPr>
+          <p:cNvPr id="6" name="TextBox 5">
+            <a:extLst>
+              <a:ext uri="{FF2B5EF4-FFF2-40B4-BE49-F238E27FC236}">
+                <a16:creationId xmlns:a16="http://schemas.microsoft.com/office/drawing/2014/main" id="{50BD6FF3-A519-5444-B733-6E10BCA55F75}"/>
+              </a:ext>
+            </a:extLst>
+          </p:cNvPr>
           <p:cNvSpPr txBox="1"/>
           <p:nvPr/>
         </p:nvSpPr>
         <p:spPr>
           <a:xfrm>
-            <a:off x="838199" y="1744096"/>
-            <a:ext cx="10967357" cy="4524315"/>
+            <a:off x="952499" y="4461125"/>
+            <a:ext cx="10515601" cy="1754326"/>
           </a:xfrm>
           <a:prstGeom prst="rect">
             <a:avLst/>
@@ -8457,9 +8650,7 @@
           </a:bodyPr>
           <a:lstStyle/>
           <a:p>
-            <a:pPr marL="742950" indent="-742950">
-              <a:buAutoNum type="arabicPeriod"/>
-            </a:pPr>
+            <a:pPr algn="ctr"/>
             <a:r>
               <a:rPr lang="en-US" sz="3600" b="1" dirty="0">
                 <a:solidFill>
@@ -8469,70 +8660,152 @@
                 <a:ea typeface="Consolas" charset="0"/>
                 <a:cs typeface="Consolas" charset="0"/>
               </a:rPr>
-              <a:t>What does a z-score about an individual point tell us?</a:t>
-            </a:r>
-          </a:p>
-          <a:p>
-            <a:pPr marL="742950" indent="-742950">
-              <a:buAutoNum type="arabicPeriod"/>
-            </a:pPr>
+              <a:t>So what if we took 5 different samples (or 10, or 50, etc.). </a:t>
+            </a:r>
             <a:r>
               <a:rPr lang="en-US" sz="3600" b="1" dirty="0">
                 <a:solidFill>
-                  <a:schemeClr val="tx2"/>
+                  <a:schemeClr val="accent2"/>
                 </a:solidFill>
                 <a:latin typeface="Consolas" charset="0"/>
                 <a:ea typeface="Consolas" charset="0"/>
                 <a:cs typeface="Consolas" charset="0"/>
               </a:rPr>
-              <a:t>Is it possible to make a specific probability statement about a z-score if the distribution is normal?</a:t>
-            </a:r>
-          </a:p>
-          <a:p>
-            <a:pPr marL="742950" indent="-742950">
-              <a:buAutoNum type="arabicPeriod"/>
-            </a:pPr>
-            <a:r>
-              <a:rPr lang="en-US" sz="3600" b="1" dirty="0">
+              <a:t>Will each sample have the same mean?</a:t>
+            </a:r>
+            <a:endParaRPr lang="en-US" sz="2800" b="1" dirty="0">
+              <a:solidFill>
+                <a:schemeClr val="accent2"/>
+              </a:solidFill>
+              <a:latin typeface="Consolas" charset="0"/>
+              <a:ea typeface="Consolas" charset="0"/>
+              <a:cs typeface="Consolas" charset="0"/>
+            </a:endParaRPr>
+          </a:p>
+        </p:txBody>
+      </p:sp>
+      <p:sp>
+        <p:nvSpPr>
+          <p:cNvPr id="8" name="TextBox 7">
+            <a:extLst>
+              <a:ext uri="{FF2B5EF4-FFF2-40B4-BE49-F238E27FC236}">
+                <a16:creationId xmlns:a16="http://schemas.microsoft.com/office/drawing/2014/main" id="{7D7A522D-8CE0-5640-83E2-F4BA2106BB45}"/>
+              </a:ext>
+            </a:extLst>
+          </p:cNvPr>
+          <p:cNvSpPr txBox="1"/>
+          <p:nvPr/>
+        </p:nvSpPr>
+        <p:spPr>
+          <a:xfrm>
+            <a:off x="838200" y="1950348"/>
+            <a:ext cx="4914903" cy="1815882"/>
+          </a:xfrm>
+          <a:prstGeom prst="rect">
+            <a:avLst/>
+          </a:prstGeom>
+          <a:solidFill>
+            <a:schemeClr val="accent3"/>
+          </a:solidFill>
+          <a:ln>
+            <a:solidFill>
+              <a:schemeClr val="accent3"/>
+            </a:solidFill>
+          </a:ln>
+        </p:spPr>
+        <p:txBody>
+          <a:bodyPr wrap="square" rtlCol="0">
+            <a:spAutoFit/>
+          </a:bodyPr>
+          <a:lstStyle/>
+          <a:p>
+            <a:pPr algn="ctr"/>
+            <a:r>
+              <a:rPr lang="en-US" sz="2800" b="1" dirty="0">
                 <a:solidFill>
-                  <a:schemeClr val="tx2"/>
+                  <a:schemeClr val="bg1"/>
                 </a:solidFill>
                 <a:latin typeface="Consolas" charset="0"/>
                 <a:ea typeface="Consolas" charset="0"/>
                 <a:cs typeface="Consolas" charset="0"/>
               </a:rPr>
-              <a:t>What proportion of scores are between z-scores of 0 and 1? (hint: use shading and the appendix)</a:t>
-            </a:r>
-          </a:p>
-        </p:txBody>
-      </p:sp>
-      <p:sp>
-        <p:nvSpPr>
-          <p:cNvPr id="3" name="Slide Number Placeholder 2"/>
-          <p:cNvSpPr>
-            <a:spLocks noGrp="1"/>
-          </p:cNvSpPr>
-          <p:nvPr>
-            <p:ph type="sldNum" sz="quarter" idx="12"/>
-          </p:nvPr>
-        </p:nvSpPr>
-        <p:spPr/>
-        <p:txBody>
-          <a:bodyPr/>
-          <a:lstStyle/>
-          <a:p>
-            <a:fld id="{4655F2EB-082D-1A4D-B2FA-EA5F6FE60629}" type="slidenum">
-              <a:rPr lang="en-US" smtClean="0"/>
-              <a:t>19</a:t>
-            </a:fld>
-            <a:endParaRPr lang="en-US"/>
+              <a:t>Inferential statistics is all about using the sample to infer population parameters</a:t>
+            </a:r>
+            <a:endParaRPr lang="en-US" sz="2000" b="1" dirty="0">
+              <a:solidFill>
+                <a:schemeClr val="bg1"/>
+              </a:solidFill>
+              <a:latin typeface="Consolas" charset="0"/>
+              <a:ea typeface="Consolas" charset="0"/>
+              <a:cs typeface="Consolas" charset="0"/>
+            </a:endParaRPr>
+          </a:p>
+        </p:txBody>
+      </p:sp>
+      <p:sp>
+        <p:nvSpPr>
+          <p:cNvPr id="9" name="TextBox 8">
+            <a:extLst>
+              <a:ext uri="{FF2B5EF4-FFF2-40B4-BE49-F238E27FC236}">
+                <a16:creationId xmlns:a16="http://schemas.microsoft.com/office/drawing/2014/main" id="{96EFE14C-98F0-4849-8D05-9B06DB192ED6}"/>
+              </a:ext>
+            </a:extLst>
+          </p:cNvPr>
+          <p:cNvSpPr txBox="1"/>
+          <p:nvPr/>
+        </p:nvSpPr>
+        <p:spPr>
+          <a:xfrm>
+            <a:off x="6210300" y="1950348"/>
+            <a:ext cx="5295899" cy="1815882"/>
+          </a:xfrm>
+          <a:prstGeom prst="rect">
+            <a:avLst/>
+          </a:prstGeom>
+          <a:solidFill>
+            <a:schemeClr val="accent1"/>
+          </a:solidFill>
+          <a:ln>
+            <a:solidFill>
+              <a:schemeClr val="accent1">
+                <a:lumMod val="75000"/>
+              </a:schemeClr>
+            </a:solidFill>
+          </a:ln>
+        </p:spPr>
+        <p:txBody>
+          <a:bodyPr wrap="square" rtlCol="0">
+            <a:spAutoFit/>
+          </a:bodyPr>
+          <a:lstStyle/>
+          <a:p>
+            <a:pPr algn="ctr"/>
+            <a:r>
+              <a:rPr lang="en-US" sz="2800" b="1" dirty="0">
+                <a:solidFill>
+                  <a:schemeClr val="bg1"/>
+                </a:solidFill>
+                <a:latin typeface="Consolas" charset="0"/>
+                <a:ea typeface="Consolas" charset="0"/>
+                <a:cs typeface="Consolas" charset="0"/>
+              </a:rPr>
+              <a:t>But the sample is almost certainly going to differ from the population (at least a little)</a:t>
+            </a:r>
+            <a:endParaRPr lang="en-US" sz="2000" b="1" dirty="0">
+              <a:solidFill>
+                <a:schemeClr val="bg1"/>
+              </a:solidFill>
+              <a:latin typeface="Consolas" charset="0"/>
+              <a:ea typeface="Consolas" charset="0"/>
+              <a:cs typeface="Consolas" charset="0"/>
+            </a:endParaRPr>
           </a:p>
         </p:txBody>
       </p:sp>
     </p:spTree>
     <p:extLst>
       <p:ext uri="{BB962C8B-B14F-4D97-AF65-F5344CB8AC3E}">
-        <p14:creationId xmlns:p14="http://schemas.microsoft.com/office/powerpoint/2010/main" val="594015713"/>
+        <p14:creationId xmlns:p14="http://schemas.microsoft.com/office/powerpoint/2010/main" val="3185632425"/>
       </p:ext>
     </p:extLst>
   </p:cSld>
@@ -8743,14 +9016,69 @@
       </p:grpSpPr>
       <p:sp>
         <p:nvSpPr>
-          <p:cNvPr id="5" name="TextBox 4"/>
+          <p:cNvPr id="2" name="Title 1"/>
+          <p:cNvSpPr>
+            <a:spLocks noGrp="1"/>
+          </p:cNvSpPr>
+          <p:nvPr>
+            <p:ph type="title"/>
+          </p:nvPr>
+        </p:nvSpPr>
+        <p:spPr/>
+        <p:txBody>
+          <a:bodyPr/>
+          <a:lstStyle/>
+          <a:p>
+            <a:r>
+              <a:rPr lang="en-US" b="1" dirty="0">
+                <a:latin typeface="Consolas" charset="0"/>
+                <a:ea typeface="Consolas" charset="0"/>
+                <a:cs typeface="Consolas" charset="0"/>
+              </a:rPr>
+              <a:t>Distribution of Sample Means</a:t>
+            </a:r>
+          </a:p>
+        </p:txBody>
+      </p:sp>
+      <p:sp>
+        <p:nvSpPr>
+          <p:cNvPr id="5" name="Slide Number Placeholder 4"/>
+          <p:cNvSpPr>
+            <a:spLocks noGrp="1"/>
+          </p:cNvSpPr>
+          <p:nvPr>
+            <p:ph type="sldNum" sz="quarter" idx="12"/>
+          </p:nvPr>
+        </p:nvSpPr>
+        <p:spPr/>
+        <p:txBody>
+          <a:bodyPr/>
+          <a:lstStyle/>
+          <a:p>
+            <a:fld id="{4655F2EB-082D-1A4D-B2FA-EA5F6FE60629}" type="slidenum">
+              <a:rPr lang="en-US" smtClean="0"/>
+              <a:t>20</a:t>
+            </a:fld>
+            <a:endParaRPr lang="en-US"/>
+          </a:p>
+        </p:txBody>
+      </p:sp>
+      <p:sp>
+        <p:nvSpPr>
+          <p:cNvPr id="6" name="TextBox 5">
+            <a:extLst>
+              <a:ext uri="{FF2B5EF4-FFF2-40B4-BE49-F238E27FC236}">
+                <a16:creationId xmlns:a16="http://schemas.microsoft.com/office/drawing/2014/main" id="{50BD6FF3-A519-5444-B733-6E10BCA55F75}"/>
+              </a:ext>
+            </a:extLst>
+          </p:cNvPr>
           <p:cNvSpPr txBox="1"/>
           <p:nvPr/>
         </p:nvSpPr>
         <p:spPr>
           <a:xfrm>
-            <a:off x="658586" y="2560978"/>
-            <a:ext cx="10967356" cy="1323439"/>
+            <a:off x="952499" y="4461125"/>
+            <a:ext cx="10515601" cy="1754326"/>
           </a:xfrm>
           <a:prstGeom prst="rect">
             <a:avLst/>
@@ -8765,19 +9093,30 @@
           <a:p>
             <a:pPr algn="ctr"/>
             <a:r>
-              <a:rPr lang="en-US" sz="8000" b="1">
+              <a:rPr lang="en-US" sz="3600" b="1">
                 <a:solidFill>
-                  <a:schemeClr val="accent6"/>
+                  <a:schemeClr val="tx2"/>
                 </a:solidFill>
                 <a:latin typeface="Consolas" charset="0"/>
                 <a:ea typeface="Consolas" charset="0"/>
                 <a:cs typeface="Consolas" charset="0"/>
               </a:rPr>
-              <a:t>Break Time</a:t>
-            </a:r>
-            <a:endParaRPr lang="en-US" sz="8000" b="1" dirty="0">
+              <a:t>So what if we took 5 different samples (or 10, or 50, etc.). </a:t>
+            </a:r>
+            <a:r>
+              <a:rPr lang="en-US" sz="3600" b="1">
+                <a:solidFill>
+                  <a:schemeClr val="accent2"/>
+                </a:solidFill>
+                <a:latin typeface="Consolas" charset="0"/>
+                <a:ea typeface="Consolas" charset="0"/>
+                <a:cs typeface="Consolas" charset="0"/>
+              </a:rPr>
+              <a:t>Will each sample have the same mean?</a:t>
+            </a:r>
+            <a:endParaRPr lang="en-US" sz="2800" b="1" dirty="0">
               <a:solidFill>
-                <a:schemeClr val="accent6"/>
+                <a:schemeClr val="accent2"/>
               </a:solidFill>
               <a:latin typeface="Consolas" charset="0"/>
               <a:ea typeface="Consolas" charset="0"/>
@@ -8788,31 +9127,217 @@
       </p:sp>
       <p:sp>
         <p:nvSpPr>
-          <p:cNvPr id="2" name="Slide Number Placeholder 1"/>
-          <p:cNvSpPr>
-            <a:spLocks noGrp="1"/>
-          </p:cNvSpPr>
-          <p:nvPr>
-            <p:ph type="sldNum" sz="quarter" idx="12"/>
-          </p:nvPr>
-        </p:nvSpPr>
-        <p:spPr/>
-        <p:txBody>
-          <a:bodyPr/>
-          <a:lstStyle/>
-          <a:p>
-            <a:fld id="{4655F2EB-082D-1A4D-B2FA-EA5F6FE60629}" type="slidenum">
-              <a:rPr lang="en-US" smtClean="0"/>
-              <a:t>20</a:t>
-            </a:fld>
-            <a:endParaRPr lang="en-US"/>
+          <p:cNvPr id="8" name="TextBox 7">
+            <a:extLst>
+              <a:ext uri="{FF2B5EF4-FFF2-40B4-BE49-F238E27FC236}">
+                <a16:creationId xmlns:a16="http://schemas.microsoft.com/office/drawing/2014/main" id="{7D7A522D-8CE0-5640-83E2-F4BA2106BB45}"/>
+              </a:ext>
+            </a:extLst>
+          </p:cNvPr>
+          <p:cNvSpPr txBox="1"/>
+          <p:nvPr/>
+        </p:nvSpPr>
+        <p:spPr>
+          <a:xfrm>
+            <a:off x="838200" y="1950348"/>
+            <a:ext cx="4914903" cy="1815882"/>
+          </a:xfrm>
+          <a:prstGeom prst="rect">
+            <a:avLst/>
+          </a:prstGeom>
+          <a:solidFill>
+            <a:schemeClr val="accent3"/>
+          </a:solidFill>
+          <a:ln>
+            <a:solidFill>
+              <a:schemeClr val="accent3"/>
+            </a:solidFill>
+          </a:ln>
+        </p:spPr>
+        <p:txBody>
+          <a:bodyPr wrap="square" rtlCol="0">
+            <a:spAutoFit/>
+          </a:bodyPr>
+          <a:lstStyle/>
+          <a:p>
+            <a:pPr algn="ctr"/>
+            <a:r>
+              <a:rPr lang="en-US" sz="2800" b="1" dirty="0">
+                <a:solidFill>
+                  <a:schemeClr val="bg1"/>
+                </a:solidFill>
+                <a:latin typeface="Consolas" charset="0"/>
+                <a:ea typeface="Consolas" charset="0"/>
+                <a:cs typeface="Consolas" charset="0"/>
+              </a:rPr>
+              <a:t>Inferential statistics is all about using the sample to infer population parameters</a:t>
+            </a:r>
+            <a:endParaRPr lang="en-US" sz="2000" b="1" dirty="0">
+              <a:solidFill>
+                <a:schemeClr val="bg1"/>
+              </a:solidFill>
+              <a:latin typeface="Consolas" charset="0"/>
+              <a:ea typeface="Consolas" charset="0"/>
+              <a:cs typeface="Consolas" charset="0"/>
+            </a:endParaRPr>
+          </a:p>
+        </p:txBody>
+      </p:sp>
+      <p:sp>
+        <p:nvSpPr>
+          <p:cNvPr id="9" name="TextBox 8">
+            <a:extLst>
+              <a:ext uri="{FF2B5EF4-FFF2-40B4-BE49-F238E27FC236}">
+                <a16:creationId xmlns:a16="http://schemas.microsoft.com/office/drawing/2014/main" id="{96EFE14C-98F0-4849-8D05-9B06DB192ED6}"/>
+              </a:ext>
+            </a:extLst>
+          </p:cNvPr>
+          <p:cNvSpPr txBox="1"/>
+          <p:nvPr/>
+        </p:nvSpPr>
+        <p:spPr>
+          <a:xfrm>
+            <a:off x="6210300" y="1950348"/>
+            <a:ext cx="5295899" cy="1815882"/>
+          </a:xfrm>
+          <a:prstGeom prst="rect">
+            <a:avLst/>
+          </a:prstGeom>
+          <a:solidFill>
+            <a:schemeClr val="accent1"/>
+          </a:solidFill>
+          <a:ln>
+            <a:solidFill>
+              <a:schemeClr val="accent1">
+                <a:lumMod val="75000"/>
+              </a:schemeClr>
+            </a:solidFill>
+          </a:ln>
+        </p:spPr>
+        <p:txBody>
+          <a:bodyPr wrap="square" rtlCol="0">
+            <a:spAutoFit/>
+          </a:bodyPr>
+          <a:lstStyle/>
+          <a:p>
+            <a:pPr algn="ctr"/>
+            <a:r>
+              <a:rPr lang="en-US" sz="2800" b="1" dirty="0">
+                <a:solidFill>
+                  <a:schemeClr val="bg1"/>
+                </a:solidFill>
+                <a:latin typeface="Consolas" charset="0"/>
+                <a:ea typeface="Consolas" charset="0"/>
+                <a:cs typeface="Consolas" charset="0"/>
+              </a:rPr>
+              <a:t>But the sample is almost certainly going to differ from the population (at least a little)</a:t>
+            </a:r>
+            <a:endParaRPr lang="en-US" sz="2000" b="1" dirty="0">
+              <a:solidFill>
+                <a:schemeClr val="bg1"/>
+              </a:solidFill>
+              <a:latin typeface="Consolas" charset="0"/>
+              <a:ea typeface="Consolas" charset="0"/>
+              <a:cs typeface="Consolas" charset="0"/>
+            </a:endParaRPr>
+          </a:p>
+        </p:txBody>
+      </p:sp>
+      <p:sp>
+        <p:nvSpPr>
+          <p:cNvPr id="3" name="Rectangle 2">
+            <a:extLst>
+              <a:ext uri="{FF2B5EF4-FFF2-40B4-BE49-F238E27FC236}">
+                <a16:creationId xmlns:a16="http://schemas.microsoft.com/office/drawing/2014/main" id="{0C15CFDC-31EA-5948-AA51-533F111807CB}"/>
+              </a:ext>
+            </a:extLst>
+          </p:cNvPr>
+          <p:cNvSpPr/>
+          <p:nvPr/>
+        </p:nvSpPr>
+        <p:spPr>
+          <a:xfrm>
+            <a:off x="1908267" y="4676568"/>
+            <a:ext cx="8604063" cy="1323439"/>
+          </a:xfrm>
+          <a:prstGeom prst="rect">
+            <a:avLst/>
+          </a:prstGeom>
+          <a:solidFill>
+            <a:schemeClr val="accent6"/>
+          </a:solidFill>
+          <a:ln>
+            <a:solidFill>
+              <a:schemeClr val="accent6">
+                <a:lumMod val="75000"/>
+              </a:schemeClr>
+            </a:solidFill>
+          </a:ln>
+        </p:spPr>
+        <p:txBody>
+          <a:bodyPr wrap="square">
+            <a:spAutoFit/>
+          </a:bodyPr>
+          <a:lstStyle/>
+          <a:p>
+            <a:pPr algn="ctr"/>
+            <a:r>
+              <a:rPr lang="en-US" sz="4000" dirty="0">
+                <a:solidFill>
+                  <a:schemeClr val="bg1"/>
+                </a:solidFill>
+                <a:latin typeface="Consolas" panose="020B0609020204030204" pitchFamily="49" charset="0"/>
+                <a:cs typeface="Consolas" panose="020B0609020204030204" pitchFamily="49" charset="0"/>
+              </a:rPr>
+              <a:t>http://</a:t>
+            </a:r>
+            <a:r>
+              <a:rPr lang="en-US" sz="4000" dirty="0" err="1">
+                <a:solidFill>
+                  <a:schemeClr val="bg1"/>
+                </a:solidFill>
+                <a:latin typeface="Consolas" panose="020B0609020204030204" pitchFamily="49" charset="0"/>
+                <a:cs typeface="Consolas" panose="020B0609020204030204" pitchFamily="49" charset="0"/>
+              </a:rPr>
+              <a:t>shiny.stat.calpoly.edu</a:t>
+            </a:r>
+            <a:r>
+              <a:rPr lang="en-US" sz="4000" dirty="0">
+                <a:solidFill>
+                  <a:schemeClr val="bg1"/>
+                </a:solidFill>
+                <a:latin typeface="Consolas" panose="020B0609020204030204" pitchFamily="49" charset="0"/>
+                <a:cs typeface="Consolas" panose="020B0609020204030204" pitchFamily="49" charset="0"/>
+              </a:rPr>
+              <a:t>/</a:t>
+            </a:r>
+            <a:r>
+              <a:rPr lang="en-US" sz="4000" dirty="0" err="1">
+                <a:solidFill>
+                  <a:schemeClr val="bg1"/>
+                </a:solidFill>
+                <a:latin typeface="Consolas" panose="020B0609020204030204" pitchFamily="49" charset="0"/>
+                <a:cs typeface="Consolas" panose="020B0609020204030204" pitchFamily="49" charset="0"/>
+              </a:rPr>
+              <a:t>Sampling_Distribution</a:t>
+            </a:r>
+            <a:r>
+              <a:rPr lang="en-US" sz="4000" dirty="0">
+                <a:solidFill>
+                  <a:schemeClr val="bg1"/>
+                </a:solidFill>
+                <a:latin typeface="Consolas" panose="020B0609020204030204" pitchFamily="49" charset="0"/>
+                <a:cs typeface="Consolas" panose="020B0609020204030204" pitchFamily="49" charset="0"/>
+              </a:rPr>
+              <a:t>/</a:t>
+            </a:r>
           </a:p>
         </p:txBody>
       </p:sp>
     </p:spTree>
     <p:extLst>
       <p:ext uri="{BB962C8B-B14F-4D97-AF65-F5344CB8AC3E}">
-        <p14:creationId xmlns:p14="http://schemas.microsoft.com/office/powerpoint/2010/main" val="1581108796"/>
+        <p14:creationId xmlns:p14="http://schemas.microsoft.com/office/powerpoint/2010/main" val="2777183426"/>
       </p:ext>
     </p:extLst>
   </p:cSld>
@@ -8860,7 +9385,7 @@
                 <a:ea typeface="Consolas" charset="0"/>
                 <a:cs typeface="Consolas" charset="0"/>
               </a:rPr>
-              <a:t>Distribution of Sample Means</a:t>
+              <a:t>Standard Error of the Mean</a:t>
             </a:r>
           </a:p>
         </p:txBody>
@@ -8883,869 +9408,6 @@
             <a:fld id="{4655F2EB-082D-1A4D-B2FA-EA5F6FE60629}" type="slidenum">
               <a:rPr lang="en-US" smtClean="0"/>
               <a:t>21</a:t>
-            </a:fld>
-            <a:endParaRPr lang="en-US"/>
-          </a:p>
-        </p:txBody>
-      </p:sp>
-      <p:sp>
-        <p:nvSpPr>
-          <p:cNvPr id="6" name="TextBox 5">
-            <a:extLst>
-              <a:ext uri="{FF2B5EF4-FFF2-40B4-BE49-F238E27FC236}">
-                <a16:creationId xmlns:a16="http://schemas.microsoft.com/office/drawing/2014/main" id="{50BD6FF3-A519-5444-B733-6E10BCA55F75}"/>
-              </a:ext>
-            </a:extLst>
-          </p:cNvPr>
-          <p:cNvSpPr txBox="1"/>
-          <p:nvPr/>
-        </p:nvSpPr>
-        <p:spPr>
-          <a:xfrm>
-            <a:off x="838199" y="1744096"/>
-            <a:ext cx="10515601" cy="2985433"/>
-          </a:xfrm>
-          <a:prstGeom prst="rect">
-            <a:avLst/>
-          </a:prstGeom>
-          <a:noFill/>
-        </p:spPr>
-        <p:txBody>
-          <a:bodyPr wrap="square" rtlCol="0">
-            <a:spAutoFit/>
-          </a:bodyPr>
-          <a:lstStyle/>
-          <a:p>
-            <a:r>
-              <a:rPr lang="en-US" sz="4000" b="1" dirty="0">
-                <a:solidFill>
-                  <a:schemeClr val="accent1"/>
-                </a:solidFill>
-                <a:latin typeface="Consolas" charset="0"/>
-                <a:ea typeface="Consolas" charset="0"/>
-                <a:cs typeface="Consolas" charset="0"/>
-              </a:rPr>
-              <a:t>Important Point:</a:t>
-            </a:r>
-          </a:p>
-          <a:p>
-            <a:endParaRPr lang="en-US" sz="2000" b="1" dirty="0">
-              <a:solidFill>
-                <a:schemeClr val="tx2"/>
-              </a:solidFill>
-              <a:latin typeface="Consolas" charset="0"/>
-              <a:ea typeface="Consolas" charset="0"/>
-              <a:cs typeface="Consolas" charset="0"/>
-            </a:endParaRPr>
-          </a:p>
-          <a:p>
-            <a:pPr marL="457200" indent="-457200">
-              <a:buFont typeface="Arial" charset="0"/>
-              <a:buChar char="•"/>
-            </a:pPr>
-            <a:r>
-              <a:rPr lang="en-US" sz="3200" b="1" dirty="0">
-                <a:solidFill>
-                  <a:schemeClr val="tx2"/>
-                </a:solidFill>
-                <a:latin typeface="Consolas" charset="0"/>
-                <a:ea typeface="Consolas" charset="0"/>
-                <a:cs typeface="Consolas" charset="0"/>
-              </a:rPr>
-              <a:t>There are </a:t>
-            </a:r>
-            <a:r>
-              <a:rPr lang="en-US" sz="3200" b="1" dirty="0">
-                <a:solidFill>
-                  <a:schemeClr val="accent6"/>
-                </a:solidFill>
-                <a:latin typeface="Consolas" charset="0"/>
-                <a:ea typeface="Consolas" charset="0"/>
-                <a:cs typeface="Consolas" charset="0"/>
-              </a:rPr>
-              <a:t>distributions of single scores</a:t>
-            </a:r>
-          </a:p>
-          <a:p>
-            <a:pPr marL="457200" indent="-457200">
-              <a:buFont typeface="Arial" charset="0"/>
-              <a:buChar char="•"/>
-            </a:pPr>
-            <a:r>
-              <a:rPr lang="en-US" sz="3200" b="1" dirty="0">
-                <a:solidFill>
-                  <a:schemeClr val="tx2"/>
-                </a:solidFill>
-                <a:latin typeface="Consolas" charset="0"/>
-                <a:ea typeface="Consolas" charset="0"/>
-                <a:cs typeface="Consolas" charset="0"/>
-              </a:rPr>
-              <a:t>There are </a:t>
-            </a:r>
-            <a:r>
-              <a:rPr lang="en-US" sz="3200" b="1" dirty="0">
-                <a:solidFill>
-                  <a:schemeClr val="accent3"/>
-                </a:solidFill>
-                <a:latin typeface="Consolas" charset="0"/>
-                <a:ea typeface="Consolas" charset="0"/>
-                <a:cs typeface="Consolas" charset="0"/>
-              </a:rPr>
-              <a:t>distributions of statistics</a:t>
-            </a:r>
-          </a:p>
-          <a:p>
-            <a:pPr marL="1371600" lvl="2" indent="-457200">
-              <a:buFont typeface="Arial" charset="0"/>
-              <a:buChar char="•"/>
-            </a:pPr>
-            <a:r>
-              <a:rPr lang="en-US" sz="3200" b="1" dirty="0">
-                <a:solidFill>
-                  <a:schemeClr val="tx2"/>
-                </a:solidFill>
-                <a:latin typeface="Consolas" charset="0"/>
-                <a:ea typeface="Consolas" charset="0"/>
-                <a:cs typeface="Consolas" charset="0"/>
-              </a:rPr>
-              <a:t>This is generally in reference to the sample mean</a:t>
-            </a:r>
-          </a:p>
-        </p:txBody>
-      </p:sp>
-      <p:sp>
-        <p:nvSpPr>
-          <p:cNvPr id="7" name="TextBox 6">
-            <a:extLst>
-              <a:ext uri="{FF2B5EF4-FFF2-40B4-BE49-F238E27FC236}">
-                <a16:creationId xmlns:a16="http://schemas.microsoft.com/office/drawing/2014/main" id="{C5EB196B-F96E-4B49-8E6C-C6203A49911D}"/>
-              </a:ext>
-            </a:extLst>
-          </p:cNvPr>
-          <p:cNvSpPr txBox="1"/>
-          <p:nvPr/>
-        </p:nvSpPr>
-        <p:spPr>
-          <a:xfrm>
-            <a:off x="838198" y="5188996"/>
-            <a:ext cx="10515601" cy="1323439"/>
-          </a:xfrm>
-          <a:prstGeom prst="rect">
-            <a:avLst/>
-          </a:prstGeom>
-          <a:noFill/>
-        </p:spPr>
-        <p:txBody>
-          <a:bodyPr wrap="square" rtlCol="0">
-            <a:spAutoFit/>
-          </a:bodyPr>
-          <a:lstStyle/>
-          <a:p>
-            <a:r>
-              <a:rPr lang="en-US" sz="4000" b="1" dirty="0">
-                <a:solidFill>
-                  <a:schemeClr val="accent3"/>
-                </a:solidFill>
-                <a:latin typeface="Consolas" charset="0"/>
-                <a:ea typeface="Consolas" charset="0"/>
-                <a:cs typeface="Consolas" charset="0"/>
-              </a:rPr>
-              <a:t>Chapter 5 is about distributions of statistics</a:t>
-            </a:r>
-            <a:endParaRPr lang="en-US" sz="3200" b="1" dirty="0">
-              <a:solidFill>
-                <a:schemeClr val="accent3"/>
-              </a:solidFill>
-              <a:latin typeface="Consolas" charset="0"/>
-              <a:ea typeface="Consolas" charset="0"/>
-              <a:cs typeface="Consolas" charset="0"/>
-            </a:endParaRPr>
-          </a:p>
-        </p:txBody>
-      </p:sp>
-    </p:spTree>
-    <p:extLst>
-      <p:ext uri="{BB962C8B-B14F-4D97-AF65-F5344CB8AC3E}">
-        <p14:creationId xmlns:p14="http://schemas.microsoft.com/office/powerpoint/2010/main" val="175014421"/>
-      </p:ext>
-    </p:extLst>
-  </p:cSld>
-  <p:clrMapOvr>
-    <a:masterClrMapping/>
-  </p:clrMapOvr>
-</p:sld>
-</file>
-
-<file path=ppt/slides/slide22.xml><?xml version="1.0" encoding="utf-8"?>
-<p:sld xmlns:a="http://schemas.openxmlformats.org/drawingml/2006/main" xmlns:r="http://schemas.openxmlformats.org/officeDocument/2006/relationships" xmlns:p="http://schemas.openxmlformats.org/presentationml/2006/main">
-  <p:cSld>
-    <p:spTree>
-      <p:nvGrpSpPr>
-        <p:cNvPr id="1" name=""/>
-        <p:cNvGrpSpPr/>
-        <p:nvPr/>
-      </p:nvGrpSpPr>
-      <p:grpSpPr>
-        <a:xfrm>
-          <a:off x="0" y="0"/>
-          <a:ext cx="0" cy="0"/>
-          <a:chOff x="0" y="0"/>
-          <a:chExt cx="0" cy="0"/>
-        </a:xfrm>
-      </p:grpSpPr>
-      <p:sp>
-        <p:nvSpPr>
-          <p:cNvPr id="2" name="Title 1"/>
-          <p:cNvSpPr>
-            <a:spLocks noGrp="1"/>
-          </p:cNvSpPr>
-          <p:nvPr>
-            <p:ph type="title"/>
-          </p:nvPr>
-        </p:nvSpPr>
-        <p:spPr/>
-        <p:txBody>
-          <a:bodyPr/>
-          <a:lstStyle/>
-          <a:p>
-            <a:r>
-              <a:rPr lang="en-US" b="1" dirty="0">
-                <a:latin typeface="Consolas" charset="0"/>
-                <a:ea typeface="Consolas" charset="0"/>
-                <a:cs typeface="Consolas" charset="0"/>
-              </a:rPr>
-              <a:t>Distribution of Sample Means</a:t>
-            </a:r>
-          </a:p>
-        </p:txBody>
-      </p:sp>
-      <p:sp>
-        <p:nvSpPr>
-          <p:cNvPr id="5" name="Slide Number Placeholder 4"/>
-          <p:cNvSpPr>
-            <a:spLocks noGrp="1"/>
-          </p:cNvSpPr>
-          <p:nvPr>
-            <p:ph type="sldNum" sz="quarter" idx="12"/>
-          </p:nvPr>
-        </p:nvSpPr>
-        <p:spPr/>
-        <p:txBody>
-          <a:bodyPr/>
-          <a:lstStyle/>
-          <a:p>
-            <a:fld id="{4655F2EB-082D-1A4D-B2FA-EA5F6FE60629}" type="slidenum">
-              <a:rPr lang="en-US" smtClean="0"/>
-              <a:t>22</a:t>
-            </a:fld>
-            <a:endParaRPr lang="en-US"/>
-          </a:p>
-        </p:txBody>
-      </p:sp>
-      <p:sp>
-        <p:nvSpPr>
-          <p:cNvPr id="6" name="TextBox 5">
-            <a:extLst>
-              <a:ext uri="{FF2B5EF4-FFF2-40B4-BE49-F238E27FC236}">
-                <a16:creationId xmlns:a16="http://schemas.microsoft.com/office/drawing/2014/main" id="{50BD6FF3-A519-5444-B733-6E10BCA55F75}"/>
-              </a:ext>
-            </a:extLst>
-          </p:cNvPr>
-          <p:cNvSpPr txBox="1"/>
-          <p:nvPr/>
-        </p:nvSpPr>
-        <p:spPr>
-          <a:xfrm>
-            <a:off x="952499" y="4461125"/>
-            <a:ext cx="10515601" cy="1754326"/>
-          </a:xfrm>
-          <a:prstGeom prst="rect">
-            <a:avLst/>
-          </a:prstGeom>
-          <a:noFill/>
-        </p:spPr>
-        <p:txBody>
-          <a:bodyPr wrap="square" rtlCol="0">
-            <a:spAutoFit/>
-          </a:bodyPr>
-          <a:lstStyle/>
-          <a:p>
-            <a:pPr algn="ctr"/>
-            <a:r>
-              <a:rPr lang="en-US" sz="3600" b="1" dirty="0">
-                <a:solidFill>
-                  <a:schemeClr val="tx2"/>
-                </a:solidFill>
-                <a:latin typeface="Consolas" charset="0"/>
-                <a:ea typeface="Consolas" charset="0"/>
-                <a:cs typeface="Consolas" charset="0"/>
-              </a:rPr>
-              <a:t>So what if we took 5 different samples (or 10, or 50, etc.). </a:t>
-            </a:r>
-            <a:r>
-              <a:rPr lang="en-US" sz="3600" b="1" dirty="0">
-                <a:solidFill>
-                  <a:schemeClr val="accent2"/>
-                </a:solidFill>
-                <a:latin typeface="Consolas" charset="0"/>
-                <a:ea typeface="Consolas" charset="0"/>
-                <a:cs typeface="Consolas" charset="0"/>
-              </a:rPr>
-              <a:t>Will each sample have the same mean?</a:t>
-            </a:r>
-            <a:endParaRPr lang="en-US" sz="2800" b="1" dirty="0">
-              <a:solidFill>
-                <a:schemeClr val="accent2"/>
-              </a:solidFill>
-              <a:latin typeface="Consolas" charset="0"/>
-              <a:ea typeface="Consolas" charset="0"/>
-              <a:cs typeface="Consolas" charset="0"/>
-            </a:endParaRPr>
-          </a:p>
-        </p:txBody>
-      </p:sp>
-      <p:sp>
-        <p:nvSpPr>
-          <p:cNvPr id="8" name="TextBox 7">
-            <a:extLst>
-              <a:ext uri="{FF2B5EF4-FFF2-40B4-BE49-F238E27FC236}">
-                <a16:creationId xmlns:a16="http://schemas.microsoft.com/office/drawing/2014/main" id="{7D7A522D-8CE0-5640-83E2-F4BA2106BB45}"/>
-              </a:ext>
-            </a:extLst>
-          </p:cNvPr>
-          <p:cNvSpPr txBox="1"/>
-          <p:nvPr/>
-        </p:nvSpPr>
-        <p:spPr>
-          <a:xfrm>
-            <a:off x="838200" y="1950348"/>
-            <a:ext cx="4914903" cy="1815882"/>
-          </a:xfrm>
-          <a:prstGeom prst="rect">
-            <a:avLst/>
-          </a:prstGeom>
-          <a:solidFill>
-            <a:schemeClr val="accent3"/>
-          </a:solidFill>
-          <a:ln>
-            <a:solidFill>
-              <a:schemeClr val="accent3"/>
-            </a:solidFill>
-          </a:ln>
-        </p:spPr>
-        <p:txBody>
-          <a:bodyPr wrap="square" rtlCol="0">
-            <a:spAutoFit/>
-          </a:bodyPr>
-          <a:lstStyle/>
-          <a:p>
-            <a:pPr algn="ctr"/>
-            <a:r>
-              <a:rPr lang="en-US" sz="2800" b="1" dirty="0">
-                <a:solidFill>
-                  <a:schemeClr val="bg1"/>
-                </a:solidFill>
-                <a:latin typeface="Consolas" charset="0"/>
-                <a:ea typeface="Consolas" charset="0"/>
-                <a:cs typeface="Consolas" charset="0"/>
-              </a:rPr>
-              <a:t>Inferential statistics is all about using the sample to infer population parameters</a:t>
-            </a:r>
-            <a:endParaRPr lang="en-US" sz="2000" b="1" dirty="0">
-              <a:solidFill>
-                <a:schemeClr val="bg1"/>
-              </a:solidFill>
-              <a:latin typeface="Consolas" charset="0"/>
-              <a:ea typeface="Consolas" charset="0"/>
-              <a:cs typeface="Consolas" charset="0"/>
-            </a:endParaRPr>
-          </a:p>
-        </p:txBody>
-      </p:sp>
-      <p:sp>
-        <p:nvSpPr>
-          <p:cNvPr id="9" name="TextBox 8">
-            <a:extLst>
-              <a:ext uri="{FF2B5EF4-FFF2-40B4-BE49-F238E27FC236}">
-                <a16:creationId xmlns:a16="http://schemas.microsoft.com/office/drawing/2014/main" id="{96EFE14C-98F0-4849-8D05-9B06DB192ED6}"/>
-              </a:ext>
-            </a:extLst>
-          </p:cNvPr>
-          <p:cNvSpPr txBox="1"/>
-          <p:nvPr/>
-        </p:nvSpPr>
-        <p:spPr>
-          <a:xfrm>
-            <a:off x="6210300" y="1950348"/>
-            <a:ext cx="5295899" cy="1815882"/>
-          </a:xfrm>
-          <a:prstGeom prst="rect">
-            <a:avLst/>
-          </a:prstGeom>
-          <a:solidFill>
-            <a:schemeClr val="accent1"/>
-          </a:solidFill>
-          <a:ln>
-            <a:solidFill>
-              <a:schemeClr val="accent1">
-                <a:lumMod val="75000"/>
-              </a:schemeClr>
-            </a:solidFill>
-          </a:ln>
-        </p:spPr>
-        <p:txBody>
-          <a:bodyPr wrap="square" rtlCol="0">
-            <a:spAutoFit/>
-          </a:bodyPr>
-          <a:lstStyle/>
-          <a:p>
-            <a:pPr algn="ctr"/>
-            <a:r>
-              <a:rPr lang="en-US" sz="2800" b="1" dirty="0">
-                <a:solidFill>
-                  <a:schemeClr val="bg1"/>
-                </a:solidFill>
-                <a:latin typeface="Consolas" charset="0"/>
-                <a:ea typeface="Consolas" charset="0"/>
-                <a:cs typeface="Consolas" charset="0"/>
-              </a:rPr>
-              <a:t>But the sample is almost certainly going to differ from the population (at least a little)</a:t>
-            </a:r>
-            <a:endParaRPr lang="en-US" sz="2000" b="1" dirty="0">
-              <a:solidFill>
-                <a:schemeClr val="bg1"/>
-              </a:solidFill>
-              <a:latin typeface="Consolas" charset="0"/>
-              <a:ea typeface="Consolas" charset="0"/>
-              <a:cs typeface="Consolas" charset="0"/>
-            </a:endParaRPr>
-          </a:p>
-        </p:txBody>
-      </p:sp>
-    </p:spTree>
-    <p:extLst>
-      <p:ext uri="{BB962C8B-B14F-4D97-AF65-F5344CB8AC3E}">
-        <p14:creationId xmlns:p14="http://schemas.microsoft.com/office/powerpoint/2010/main" val="3185632425"/>
-      </p:ext>
-    </p:extLst>
-  </p:cSld>
-  <p:clrMapOvr>
-    <a:masterClrMapping/>
-  </p:clrMapOvr>
-</p:sld>
-</file>
-
-<file path=ppt/slides/slide23.xml><?xml version="1.0" encoding="utf-8"?>
-<p:sld xmlns:a="http://schemas.openxmlformats.org/drawingml/2006/main" xmlns:r="http://schemas.openxmlformats.org/officeDocument/2006/relationships" xmlns:p="http://schemas.openxmlformats.org/presentationml/2006/main">
-  <p:cSld>
-    <p:spTree>
-      <p:nvGrpSpPr>
-        <p:cNvPr id="1" name=""/>
-        <p:cNvGrpSpPr/>
-        <p:nvPr/>
-      </p:nvGrpSpPr>
-      <p:grpSpPr>
-        <a:xfrm>
-          <a:off x="0" y="0"/>
-          <a:ext cx="0" cy="0"/>
-          <a:chOff x="0" y="0"/>
-          <a:chExt cx="0" cy="0"/>
-        </a:xfrm>
-      </p:grpSpPr>
-      <p:sp>
-        <p:nvSpPr>
-          <p:cNvPr id="2" name="Title 1"/>
-          <p:cNvSpPr>
-            <a:spLocks noGrp="1"/>
-          </p:cNvSpPr>
-          <p:nvPr>
-            <p:ph type="title"/>
-          </p:nvPr>
-        </p:nvSpPr>
-        <p:spPr/>
-        <p:txBody>
-          <a:bodyPr/>
-          <a:lstStyle/>
-          <a:p>
-            <a:r>
-              <a:rPr lang="en-US" b="1" dirty="0">
-                <a:latin typeface="Consolas" charset="0"/>
-                <a:ea typeface="Consolas" charset="0"/>
-                <a:cs typeface="Consolas" charset="0"/>
-              </a:rPr>
-              <a:t>Distribution of Sample Means</a:t>
-            </a:r>
-          </a:p>
-        </p:txBody>
-      </p:sp>
-      <p:sp>
-        <p:nvSpPr>
-          <p:cNvPr id="5" name="Slide Number Placeholder 4"/>
-          <p:cNvSpPr>
-            <a:spLocks noGrp="1"/>
-          </p:cNvSpPr>
-          <p:nvPr>
-            <p:ph type="sldNum" sz="quarter" idx="12"/>
-          </p:nvPr>
-        </p:nvSpPr>
-        <p:spPr/>
-        <p:txBody>
-          <a:bodyPr/>
-          <a:lstStyle/>
-          <a:p>
-            <a:fld id="{4655F2EB-082D-1A4D-B2FA-EA5F6FE60629}" type="slidenum">
-              <a:rPr lang="en-US" smtClean="0"/>
-              <a:t>23</a:t>
-            </a:fld>
-            <a:endParaRPr lang="en-US"/>
-          </a:p>
-        </p:txBody>
-      </p:sp>
-      <p:sp>
-        <p:nvSpPr>
-          <p:cNvPr id="6" name="TextBox 5">
-            <a:extLst>
-              <a:ext uri="{FF2B5EF4-FFF2-40B4-BE49-F238E27FC236}">
-                <a16:creationId xmlns:a16="http://schemas.microsoft.com/office/drawing/2014/main" id="{50BD6FF3-A519-5444-B733-6E10BCA55F75}"/>
-              </a:ext>
-            </a:extLst>
-          </p:cNvPr>
-          <p:cNvSpPr txBox="1"/>
-          <p:nvPr/>
-        </p:nvSpPr>
-        <p:spPr>
-          <a:xfrm>
-            <a:off x="952499" y="4461125"/>
-            <a:ext cx="10515601" cy="1754326"/>
-          </a:xfrm>
-          <a:prstGeom prst="rect">
-            <a:avLst/>
-          </a:prstGeom>
-          <a:noFill/>
-        </p:spPr>
-        <p:txBody>
-          <a:bodyPr wrap="square" rtlCol="0">
-            <a:spAutoFit/>
-          </a:bodyPr>
-          <a:lstStyle/>
-          <a:p>
-            <a:pPr algn="ctr"/>
-            <a:r>
-              <a:rPr lang="en-US" sz="3600" b="1">
-                <a:solidFill>
-                  <a:schemeClr val="tx2"/>
-                </a:solidFill>
-                <a:latin typeface="Consolas" charset="0"/>
-                <a:ea typeface="Consolas" charset="0"/>
-                <a:cs typeface="Consolas" charset="0"/>
-              </a:rPr>
-              <a:t>So what if we took 5 different samples (or 10, or 50, etc.). </a:t>
-            </a:r>
-            <a:r>
-              <a:rPr lang="en-US" sz="3600" b="1">
-                <a:solidFill>
-                  <a:schemeClr val="accent2"/>
-                </a:solidFill>
-                <a:latin typeface="Consolas" charset="0"/>
-                <a:ea typeface="Consolas" charset="0"/>
-                <a:cs typeface="Consolas" charset="0"/>
-              </a:rPr>
-              <a:t>Will each sample have the same mean?</a:t>
-            </a:r>
-            <a:endParaRPr lang="en-US" sz="2800" b="1" dirty="0">
-              <a:solidFill>
-                <a:schemeClr val="accent2"/>
-              </a:solidFill>
-              <a:latin typeface="Consolas" charset="0"/>
-              <a:ea typeface="Consolas" charset="0"/>
-              <a:cs typeface="Consolas" charset="0"/>
-            </a:endParaRPr>
-          </a:p>
-        </p:txBody>
-      </p:sp>
-      <p:sp>
-        <p:nvSpPr>
-          <p:cNvPr id="8" name="TextBox 7">
-            <a:extLst>
-              <a:ext uri="{FF2B5EF4-FFF2-40B4-BE49-F238E27FC236}">
-                <a16:creationId xmlns:a16="http://schemas.microsoft.com/office/drawing/2014/main" id="{7D7A522D-8CE0-5640-83E2-F4BA2106BB45}"/>
-              </a:ext>
-            </a:extLst>
-          </p:cNvPr>
-          <p:cNvSpPr txBox="1"/>
-          <p:nvPr/>
-        </p:nvSpPr>
-        <p:spPr>
-          <a:xfrm>
-            <a:off x="838200" y="1950348"/>
-            <a:ext cx="4914903" cy="1815882"/>
-          </a:xfrm>
-          <a:prstGeom prst="rect">
-            <a:avLst/>
-          </a:prstGeom>
-          <a:solidFill>
-            <a:schemeClr val="accent3"/>
-          </a:solidFill>
-          <a:ln>
-            <a:solidFill>
-              <a:schemeClr val="accent3"/>
-            </a:solidFill>
-          </a:ln>
-        </p:spPr>
-        <p:txBody>
-          <a:bodyPr wrap="square" rtlCol="0">
-            <a:spAutoFit/>
-          </a:bodyPr>
-          <a:lstStyle/>
-          <a:p>
-            <a:pPr algn="ctr"/>
-            <a:r>
-              <a:rPr lang="en-US" sz="2800" b="1" dirty="0">
-                <a:solidFill>
-                  <a:schemeClr val="bg1"/>
-                </a:solidFill>
-                <a:latin typeface="Consolas" charset="0"/>
-                <a:ea typeface="Consolas" charset="0"/>
-                <a:cs typeface="Consolas" charset="0"/>
-              </a:rPr>
-              <a:t>Inferential statistics is all about using the sample to infer population parameters</a:t>
-            </a:r>
-            <a:endParaRPr lang="en-US" sz="2000" b="1" dirty="0">
-              <a:solidFill>
-                <a:schemeClr val="bg1"/>
-              </a:solidFill>
-              <a:latin typeface="Consolas" charset="0"/>
-              <a:ea typeface="Consolas" charset="0"/>
-              <a:cs typeface="Consolas" charset="0"/>
-            </a:endParaRPr>
-          </a:p>
-        </p:txBody>
-      </p:sp>
-      <p:sp>
-        <p:nvSpPr>
-          <p:cNvPr id="9" name="TextBox 8">
-            <a:extLst>
-              <a:ext uri="{FF2B5EF4-FFF2-40B4-BE49-F238E27FC236}">
-                <a16:creationId xmlns:a16="http://schemas.microsoft.com/office/drawing/2014/main" id="{96EFE14C-98F0-4849-8D05-9B06DB192ED6}"/>
-              </a:ext>
-            </a:extLst>
-          </p:cNvPr>
-          <p:cNvSpPr txBox="1"/>
-          <p:nvPr/>
-        </p:nvSpPr>
-        <p:spPr>
-          <a:xfrm>
-            <a:off x="6210300" y="1950348"/>
-            <a:ext cx="5295899" cy="1815882"/>
-          </a:xfrm>
-          <a:prstGeom prst="rect">
-            <a:avLst/>
-          </a:prstGeom>
-          <a:solidFill>
-            <a:schemeClr val="accent1"/>
-          </a:solidFill>
-          <a:ln>
-            <a:solidFill>
-              <a:schemeClr val="accent1">
-                <a:lumMod val="75000"/>
-              </a:schemeClr>
-            </a:solidFill>
-          </a:ln>
-        </p:spPr>
-        <p:txBody>
-          <a:bodyPr wrap="square" rtlCol="0">
-            <a:spAutoFit/>
-          </a:bodyPr>
-          <a:lstStyle/>
-          <a:p>
-            <a:pPr algn="ctr"/>
-            <a:r>
-              <a:rPr lang="en-US" sz="2800" b="1" dirty="0">
-                <a:solidFill>
-                  <a:schemeClr val="bg1"/>
-                </a:solidFill>
-                <a:latin typeface="Consolas" charset="0"/>
-                <a:ea typeface="Consolas" charset="0"/>
-                <a:cs typeface="Consolas" charset="0"/>
-              </a:rPr>
-              <a:t>But the sample is almost certainly going to differ from the population (at least a little)</a:t>
-            </a:r>
-            <a:endParaRPr lang="en-US" sz="2000" b="1" dirty="0">
-              <a:solidFill>
-                <a:schemeClr val="bg1"/>
-              </a:solidFill>
-              <a:latin typeface="Consolas" charset="0"/>
-              <a:ea typeface="Consolas" charset="0"/>
-              <a:cs typeface="Consolas" charset="0"/>
-            </a:endParaRPr>
-          </a:p>
-        </p:txBody>
-      </p:sp>
-      <p:sp>
-        <p:nvSpPr>
-          <p:cNvPr id="3" name="Rectangle 2">
-            <a:extLst>
-              <a:ext uri="{FF2B5EF4-FFF2-40B4-BE49-F238E27FC236}">
-                <a16:creationId xmlns:a16="http://schemas.microsoft.com/office/drawing/2014/main" id="{0C15CFDC-31EA-5948-AA51-533F111807CB}"/>
-              </a:ext>
-            </a:extLst>
-          </p:cNvPr>
-          <p:cNvSpPr/>
-          <p:nvPr/>
-        </p:nvSpPr>
-        <p:spPr>
-          <a:xfrm>
-            <a:off x="1908267" y="4676568"/>
-            <a:ext cx="8604063" cy="1323439"/>
-          </a:xfrm>
-          <a:prstGeom prst="rect">
-            <a:avLst/>
-          </a:prstGeom>
-          <a:solidFill>
-            <a:schemeClr val="accent6"/>
-          </a:solidFill>
-          <a:ln>
-            <a:solidFill>
-              <a:schemeClr val="accent6">
-                <a:lumMod val="75000"/>
-              </a:schemeClr>
-            </a:solidFill>
-          </a:ln>
-        </p:spPr>
-        <p:txBody>
-          <a:bodyPr wrap="square">
-            <a:spAutoFit/>
-          </a:bodyPr>
-          <a:lstStyle/>
-          <a:p>
-            <a:pPr algn="ctr"/>
-            <a:r>
-              <a:rPr lang="en-US" sz="4000" dirty="0">
-                <a:solidFill>
-                  <a:schemeClr val="bg1"/>
-                </a:solidFill>
-                <a:latin typeface="Consolas" panose="020B0609020204030204" pitchFamily="49" charset="0"/>
-                <a:cs typeface="Consolas" panose="020B0609020204030204" pitchFamily="49" charset="0"/>
-              </a:rPr>
-              <a:t>http://</a:t>
-            </a:r>
-            <a:r>
-              <a:rPr lang="en-US" sz="4000" dirty="0" err="1">
-                <a:solidFill>
-                  <a:schemeClr val="bg1"/>
-                </a:solidFill>
-                <a:latin typeface="Consolas" panose="020B0609020204030204" pitchFamily="49" charset="0"/>
-                <a:cs typeface="Consolas" panose="020B0609020204030204" pitchFamily="49" charset="0"/>
-              </a:rPr>
-              <a:t>shiny.stat.calpoly.edu</a:t>
-            </a:r>
-            <a:r>
-              <a:rPr lang="en-US" sz="4000" dirty="0">
-                <a:solidFill>
-                  <a:schemeClr val="bg1"/>
-                </a:solidFill>
-                <a:latin typeface="Consolas" panose="020B0609020204030204" pitchFamily="49" charset="0"/>
-                <a:cs typeface="Consolas" panose="020B0609020204030204" pitchFamily="49" charset="0"/>
-              </a:rPr>
-              <a:t>/</a:t>
-            </a:r>
-            <a:r>
-              <a:rPr lang="en-US" sz="4000" dirty="0" err="1">
-                <a:solidFill>
-                  <a:schemeClr val="bg1"/>
-                </a:solidFill>
-                <a:latin typeface="Consolas" panose="020B0609020204030204" pitchFamily="49" charset="0"/>
-                <a:cs typeface="Consolas" panose="020B0609020204030204" pitchFamily="49" charset="0"/>
-              </a:rPr>
-              <a:t>Sampling_Distribution</a:t>
-            </a:r>
-            <a:r>
-              <a:rPr lang="en-US" sz="4000" dirty="0">
-                <a:solidFill>
-                  <a:schemeClr val="bg1"/>
-                </a:solidFill>
-                <a:latin typeface="Consolas" panose="020B0609020204030204" pitchFamily="49" charset="0"/>
-                <a:cs typeface="Consolas" panose="020B0609020204030204" pitchFamily="49" charset="0"/>
-              </a:rPr>
-              <a:t>/</a:t>
-            </a:r>
-          </a:p>
-        </p:txBody>
-      </p:sp>
-    </p:spTree>
-    <p:extLst>
-      <p:ext uri="{BB962C8B-B14F-4D97-AF65-F5344CB8AC3E}">
-        <p14:creationId xmlns:p14="http://schemas.microsoft.com/office/powerpoint/2010/main" val="2777183426"/>
-      </p:ext>
-    </p:extLst>
-  </p:cSld>
-  <p:clrMapOvr>
-    <a:masterClrMapping/>
-  </p:clrMapOvr>
-</p:sld>
-</file>
-
-<file path=ppt/slides/slide24.xml><?xml version="1.0" encoding="utf-8"?>
-<p:sld xmlns:a="http://schemas.openxmlformats.org/drawingml/2006/main" xmlns:r="http://schemas.openxmlformats.org/officeDocument/2006/relationships" xmlns:p="http://schemas.openxmlformats.org/presentationml/2006/main">
-  <p:cSld>
-    <p:spTree>
-      <p:nvGrpSpPr>
-        <p:cNvPr id="1" name=""/>
-        <p:cNvGrpSpPr/>
-        <p:nvPr/>
-      </p:nvGrpSpPr>
-      <p:grpSpPr>
-        <a:xfrm>
-          <a:off x="0" y="0"/>
-          <a:ext cx="0" cy="0"/>
-          <a:chOff x="0" y="0"/>
-          <a:chExt cx="0" cy="0"/>
-        </a:xfrm>
-      </p:grpSpPr>
-      <p:sp>
-        <p:nvSpPr>
-          <p:cNvPr id="2" name="Title 1"/>
-          <p:cNvSpPr>
-            <a:spLocks noGrp="1"/>
-          </p:cNvSpPr>
-          <p:nvPr>
-            <p:ph type="title"/>
-          </p:nvPr>
-        </p:nvSpPr>
-        <p:spPr/>
-        <p:txBody>
-          <a:bodyPr/>
-          <a:lstStyle/>
-          <a:p>
-            <a:r>
-              <a:rPr lang="en-US" b="1" dirty="0">
-                <a:latin typeface="Consolas" charset="0"/>
-                <a:ea typeface="Consolas" charset="0"/>
-                <a:cs typeface="Consolas" charset="0"/>
-              </a:rPr>
-              <a:t>Standard Error of the Mean</a:t>
-            </a:r>
-          </a:p>
-        </p:txBody>
-      </p:sp>
-      <p:sp>
-        <p:nvSpPr>
-          <p:cNvPr id="5" name="Slide Number Placeholder 4"/>
-          <p:cNvSpPr>
-            <a:spLocks noGrp="1"/>
-          </p:cNvSpPr>
-          <p:nvPr>
-            <p:ph type="sldNum" sz="quarter" idx="12"/>
-          </p:nvPr>
-        </p:nvSpPr>
-        <p:spPr/>
-        <p:txBody>
-          <a:bodyPr/>
-          <a:lstStyle/>
-          <a:p>
-            <a:fld id="{4655F2EB-082D-1A4D-B2FA-EA5F6FE60629}" type="slidenum">
-              <a:rPr lang="en-US" smtClean="0"/>
-              <a:t>24</a:t>
             </a:fld>
             <a:endParaRPr lang="en-US"/>
           </a:p>
@@ -10121,7 +9783,7 @@
 </p:sld>
 </file>
 
-<file path=ppt/slides/slide25.xml><?xml version="1.0" encoding="utf-8"?>
+<file path=ppt/slides/slide22.xml><?xml version="1.0" encoding="utf-8"?>
 <p:sld xmlns:a="http://schemas.openxmlformats.org/drawingml/2006/main" xmlns:r="http://schemas.openxmlformats.org/officeDocument/2006/relationships" xmlns:p="http://schemas.openxmlformats.org/presentationml/2006/main">
   <p:cSld>
     <p:spTree>
@@ -10181,7 +9843,7 @@
           <a:p>
             <a:fld id="{4655F2EB-082D-1A4D-B2FA-EA5F6FE60629}" type="slidenum">
               <a:rPr lang="en-US" smtClean="0"/>
-              <a:t>25</a:t>
+              <a:t>22</a:t>
             </a:fld>
             <a:endParaRPr lang="en-US"/>
           </a:p>
@@ -10696,7 +10358,7 @@
 </p:sld>
 </file>
 
-<file path=ppt/slides/slide26.xml><?xml version="1.0" encoding="utf-8"?>
+<file path=ppt/slides/slide23.xml><?xml version="1.0" encoding="utf-8"?>
 <p:sld xmlns:a="http://schemas.openxmlformats.org/drawingml/2006/main" xmlns:r="http://schemas.openxmlformats.org/officeDocument/2006/relationships" xmlns:p="http://schemas.openxmlformats.org/presentationml/2006/main">
   <p:cSld>
     <p:spTree>
@@ -10756,7 +10418,7 @@
           <a:p>
             <a:fld id="{4655F2EB-082D-1A4D-B2FA-EA5F6FE60629}" type="slidenum">
               <a:rPr lang="en-US" smtClean="0"/>
-              <a:t>26</a:t>
+              <a:t>23</a:t>
             </a:fld>
             <a:endParaRPr lang="en-US"/>
           </a:p>
@@ -11009,7 +10671,7 @@
 </p:sld>
 </file>
 
-<file path=ppt/slides/slide27.xml><?xml version="1.0" encoding="utf-8"?>
+<file path=ppt/slides/slide24.xml><?xml version="1.0" encoding="utf-8"?>
 <p:sld xmlns:a="http://schemas.openxmlformats.org/drawingml/2006/main" xmlns:r="http://schemas.openxmlformats.org/officeDocument/2006/relationships" xmlns:p="http://schemas.openxmlformats.org/presentationml/2006/main">
   <p:cSld>
     <p:spTree>
@@ -11069,7 +10731,7 @@
           <a:p>
             <a:fld id="{4655F2EB-082D-1A4D-B2FA-EA5F6FE60629}" type="slidenum">
               <a:rPr lang="en-US" smtClean="0"/>
-              <a:t>27</a:t>
+              <a:t>24</a:t>
             </a:fld>
             <a:endParaRPr lang="en-US"/>
           </a:p>
@@ -11621,7 +11283,7 @@
 </p:sld>
 </file>
 
-<file path=ppt/slides/slide28.xml><?xml version="1.0" encoding="utf-8"?>
+<file path=ppt/slides/slide25.xml><?xml version="1.0" encoding="utf-8"?>
 <p:sld xmlns:a="http://schemas.openxmlformats.org/drawingml/2006/main" xmlns:r="http://schemas.openxmlformats.org/officeDocument/2006/relationships" xmlns:p="http://schemas.openxmlformats.org/presentationml/2006/main">
   <p:cSld>
     <p:spTree>
@@ -11700,7 +11362,7 @@
           <a:p>
             <a:fld id="{4655F2EB-082D-1A4D-B2FA-EA5F6FE60629}" type="slidenum">
               <a:rPr lang="en-US" smtClean="0"/>
-              <a:t>28</a:t>
+              <a:t>25</a:t>
             </a:fld>
             <a:endParaRPr lang="en-US"/>
           </a:p>
@@ -11719,7 +11381,7 @@
 </p:sld>
 </file>
 
-<file path=ppt/slides/slide29.xml><?xml version="1.0" encoding="utf-8"?>
+<file path=ppt/slides/slide26.xml><?xml version="1.0" encoding="utf-8"?>
 <p:sld xmlns:a="http://schemas.openxmlformats.org/drawingml/2006/main" xmlns:r="http://schemas.openxmlformats.org/officeDocument/2006/relationships" xmlns:p="http://schemas.openxmlformats.org/presentationml/2006/main">
   <p:cSld>
     <p:spTree>
@@ -11779,7 +11441,7 @@
           <a:p>
             <a:fld id="{4655F2EB-082D-1A4D-B2FA-EA5F6FE60629}" type="slidenum">
               <a:rPr lang="en-US" smtClean="0"/>
-              <a:t>29</a:t>
+              <a:t>26</a:t>
             </a:fld>
             <a:endParaRPr lang="en-US"/>
           </a:p>
@@ -11895,7 +11557,7 @@
 </p:sld>
 </file>
 
-<file path=ppt/slides/slide3.xml><?xml version="1.0" encoding="utf-8"?>
+<file path=ppt/slides/slide27.xml><?xml version="1.0" encoding="utf-8"?>
 <p:sld xmlns:a="http://schemas.openxmlformats.org/drawingml/2006/main" xmlns:r="http://schemas.openxmlformats.org/officeDocument/2006/relationships" xmlns:p="http://schemas.openxmlformats.org/presentationml/2006/main">
   <p:cSld>
     <p:spTree>
@@ -11914,976 +11576,6 @@
       </p:grpSpPr>
       <p:sp>
         <p:nvSpPr>
-          <p:cNvPr id="4" name="Slide Number Placeholder 3"/>
-          <p:cNvSpPr>
-            <a:spLocks noGrp="1"/>
-          </p:cNvSpPr>
-          <p:nvPr>
-            <p:ph type="sldNum" sz="quarter" idx="12"/>
-          </p:nvPr>
-        </p:nvSpPr>
-        <p:spPr/>
-        <p:txBody>
-          <a:bodyPr/>
-          <a:lstStyle/>
-          <a:p>
-            <a:fld id="{4655F2EB-082D-1A4D-B2FA-EA5F6FE60629}" type="slidenum">
-              <a:rPr lang="en-US" smtClean="0"/>
-              <a:t>3</a:t>
-            </a:fld>
-            <a:endParaRPr lang="en-US"/>
-          </a:p>
-        </p:txBody>
-      </p:sp>
-      <p:sp>
-        <p:nvSpPr>
-          <p:cNvPr id="5" name="Title 1"/>
-          <p:cNvSpPr txBox="1">
-            <a:spLocks/>
-          </p:cNvSpPr>
-          <p:nvPr/>
-        </p:nvSpPr>
-        <p:spPr>
-          <a:xfrm>
-            <a:off x="838199" y="309724"/>
-            <a:ext cx="10515600" cy="1325563"/>
-          </a:xfrm>
-          <a:prstGeom prst="rect">
-            <a:avLst/>
-          </a:prstGeom>
-        </p:spPr>
-        <p:txBody>
-          <a:bodyPr vert="horz" lIns="91440" tIns="45720" rIns="91440" bIns="45720" rtlCol="0" anchor="ctr">
-            <a:normAutofit/>
-          </a:bodyPr>
-          <a:lstStyle>
-            <a:lvl1pPr algn="l" defTabSz="914400" rtl="0" eaLnBrk="1" latinLnBrk="0" hangingPunct="1">
-              <a:lnSpc>
-                <a:spcPct val="90000"/>
-              </a:lnSpc>
-              <a:spcBef>
-                <a:spcPct val="0"/>
-              </a:spcBef>
-              <a:buNone/>
-              <a:defRPr sz="4400" kern="1200">
-                <a:solidFill>
-                  <a:schemeClr val="tx1"/>
-                </a:solidFill>
-                <a:latin typeface="+mj-lt"/>
-                <a:ea typeface="+mj-ea"/>
-                <a:cs typeface="+mj-cs"/>
-              </a:defRPr>
-            </a:lvl1pPr>
-          </a:lstStyle>
-          <a:p>
-            <a:r>
-              <a:rPr lang="en-US" b="1">
-                <a:latin typeface="Consolas" charset="0"/>
-                <a:ea typeface="Consolas" charset="0"/>
-                <a:cs typeface="Consolas" charset="0"/>
-              </a:rPr>
-              <a:t>Review</a:t>
-            </a:r>
-            <a:endParaRPr lang="en-US" b="1" dirty="0">
-              <a:latin typeface="Consolas" charset="0"/>
-              <a:ea typeface="Consolas" charset="0"/>
-              <a:cs typeface="Consolas" charset="0"/>
-            </a:endParaRPr>
-          </a:p>
-        </p:txBody>
-      </p:sp>
-      <p:sp>
-        <p:nvSpPr>
-          <p:cNvPr id="6" name="TextBox 5"/>
-          <p:cNvSpPr txBox="1"/>
-          <p:nvPr/>
-        </p:nvSpPr>
-        <p:spPr>
-          <a:xfrm>
-            <a:off x="838199" y="1744096"/>
-            <a:ext cx="10967357" cy="4524315"/>
-          </a:xfrm>
-          <a:prstGeom prst="rect">
-            <a:avLst/>
-          </a:prstGeom>
-          <a:noFill/>
-        </p:spPr>
-        <p:txBody>
-          <a:bodyPr wrap="square" rtlCol="0">
-            <a:spAutoFit/>
-          </a:bodyPr>
-          <a:lstStyle/>
-          <a:p>
-            <a:pPr marL="742950" indent="-742950">
-              <a:buAutoNum type="arabicPeriod"/>
-            </a:pPr>
-            <a:r>
-              <a:rPr lang="en-US" sz="3600" b="1" dirty="0">
-                <a:solidFill>
-                  <a:schemeClr val="tx2"/>
-                </a:solidFill>
-                <a:latin typeface="Consolas" charset="0"/>
-                <a:ea typeface="Consolas" charset="0"/>
-                <a:cs typeface="Consolas" charset="0"/>
-              </a:rPr>
-              <a:t>The figure to the right is reliable/unreliable and valid/invalid.</a:t>
-            </a:r>
-          </a:p>
-          <a:p>
-            <a:pPr marL="742950" indent="-742950">
-              <a:buAutoNum type="arabicPeriod"/>
-            </a:pPr>
-            <a:r>
-              <a:rPr lang="en-US" sz="3600" b="1" dirty="0">
-                <a:solidFill>
-                  <a:schemeClr val="tx2"/>
-                </a:solidFill>
-                <a:latin typeface="Consolas" charset="0"/>
-                <a:ea typeface="Consolas" charset="0"/>
-                <a:cs typeface="Consolas" charset="0"/>
-              </a:rPr>
-              <a:t>When should you use the mean? What about the median?</a:t>
-            </a:r>
-          </a:p>
-          <a:p>
-            <a:pPr marL="742950" indent="-742950">
-              <a:buAutoNum type="arabicPeriod"/>
-            </a:pPr>
-            <a:r>
-              <a:rPr lang="en-US" sz="3600" b="1" dirty="0">
-                <a:solidFill>
-                  <a:schemeClr val="tx2"/>
-                </a:solidFill>
-                <a:latin typeface="Consolas" charset="0"/>
-                <a:ea typeface="Consolas" charset="0"/>
-                <a:cs typeface="Consolas" charset="0"/>
-              </a:rPr>
-              <a:t>What does the standard deviation tell us?</a:t>
-            </a:r>
-          </a:p>
-          <a:p>
-            <a:pPr marL="742950" indent="-742950">
-              <a:buAutoNum type="arabicPeriod"/>
-            </a:pPr>
-            <a:r>
-              <a:rPr lang="en-US" sz="3600" b="1" dirty="0">
-                <a:solidFill>
-                  <a:schemeClr val="tx2"/>
-                </a:solidFill>
-                <a:latin typeface="Consolas" charset="0"/>
-                <a:ea typeface="Consolas" charset="0"/>
-                <a:cs typeface="Consolas" charset="0"/>
-              </a:rPr>
-              <a:t>Can we obtain a standard deviation with nominal data?</a:t>
-            </a:r>
-          </a:p>
-        </p:txBody>
-      </p:sp>
-      <p:sp>
-        <p:nvSpPr>
-          <p:cNvPr id="7" name="Slide Number Placeholder 2"/>
-          <p:cNvSpPr txBox="1">
-            <a:spLocks/>
-          </p:cNvSpPr>
-          <p:nvPr/>
-        </p:nvSpPr>
-        <p:spPr>
-          <a:xfrm>
-            <a:off x="8610600" y="6356350"/>
-            <a:ext cx="2743200" cy="365125"/>
-          </a:xfrm>
-          <a:prstGeom prst="rect">
-            <a:avLst/>
-          </a:prstGeom>
-        </p:spPr>
-        <p:txBody>
-          <a:bodyPr vert="horz" lIns="91440" tIns="45720" rIns="91440" bIns="45720" rtlCol="0" anchor="ctr"/>
-          <a:lstStyle>
-            <a:defPPr>
-              <a:defRPr lang="en-US"/>
-            </a:defPPr>
-            <a:lvl1pPr marL="0" algn="r" defTabSz="914400" rtl="0" eaLnBrk="1" latinLnBrk="0" hangingPunct="1">
-              <a:defRPr sz="1200" kern="1200">
-                <a:solidFill>
-                  <a:schemeClr val="tx1">
-                    <a:tint val="75000"/>
-                  </a:schemeClr>
-                </a:solidFill>
-                <a:latin typeface="+mn-lt"/>
-                <a:ea typeface="+mn-ea"/>
-                <a:cs typeface="+mn-cs"/>
-              </a:defRPr>
-            </a:lvl1pPr>
-            <a:lvl2pPr marL="457200" algn="l" defTabSz="914400" rtl="0" eaLnBrk="1" latinLnBrk="0" hangingPunct="1">
-              <a:defRPr sz="1800" kern="1200">
-                <a:solidFill>
-                  <a:schemeClr val="tx1"/>
-                </a:solidFill>
-                <a:latin typeface="+mn-lt"/>
-                <a:ea typeface="+mn-ea"/>
-                <a:cs typeface="+mn-cs"/>
-              </a:defRPr>
-            </a:lvl2pPr>
-            <a:lvl3pPr marL="914400" algn="l" defTabSz="914400" rtl="0" eaLnBrk="1" latinLnBrk="0" hangingPunct="1">
-              <a:defRPr sz="1800" kern="1200">
-                <a:solidFill>
-                  <a:schemeClr val="tx1"/>
-                </a:solidFill>
-                <a:latin typeface="+mn-lt"/>
-                <a:ea typeface="+mn-ea"/>
-                <a:cs typeface="+mn-cs"/>
-              </a:defRPr>
-            </a:lvl3pPr>
-            <a:lvl4pPr marL="1371600" algn="l" defTabSz="914400" rtl="0" eaLnBrk="1" latinLnBrk="0" hangingPunct="1">
-              <a:defRPr sz="1800" kern="1200">
-                <a:solidFill>
-                  <a:schemeClr val="tx1"/>
-                </a:solidFill>
-                <a:latin typeface="+mn-lt"/>
-                <a:ea typeface="+mn-ea"/>
-                <a:cs typeface="+mn-cs"/>
-              </a:defRPr>
-            </a:lvl4pPr>
-            <a:lvl5pPr marL="1828800" algn="l" defTabSz="914400" rtl="0" eaLnBrk="1" latinLnBrk="0" hangingPunct="1">
-              <a:defRPr sz="1800" kern="1200">
-                <a:solidFill>
-                  <a:schemeClr val="tx1"/>
-                </a:solidFill>
-                <a:latin typeface="+mn-lt"/>
-                <a:ea typeface="+mn-ea"/>
-                <a:cs typeface="+mn-cs"/>
-              </a:defRPr>
-            </a:lvl5pPr>
-            <a:lvl6pPr marL="2286000" algn="l" defTabSz="914400" rtl="0" eaLnBrk="1" latinLnBrk="0" hangingPunct="1">
-              <a:defRPr sz="1800" kern="1200">
-                <a:solidFill>
-                  <a:schemeClr val="tx1"/>
-                </a:solidFill>
-                <a:latin typeface="+mn-lt"/>
-                <a:ea typeface="+mn-ea"/>
-                <a:cs typeface="+mn-cs"/>
-              </a:defRPr>
-            </a:lvl6pPr>
-            <a:lvl7pPr marL="2743200" algn="l" defTabSz="914400" rtl="0" eaLnBrk="1" latinLnBrk="0" hangingPunct="1">
-              <a:defRPr sz="1800" kern="1200">
-                <a:solidFill>
-                  <a:schemeClr val="tx1"/>
-                </a:solidFill>
-                <a:latin typeface="+mn-lt"/>
-                <a:ea typeface="+mn-ea"/>
-                <a:cs typeface="+mn-cs"/>
-              </a:defRPr>
-            </a:lvl7pPr>
-            <a:lvl8pPr marL="3200400" algn="l" defTabSz="914400" rtl="0" eaLnBrk="1" latinLnBrk="0" hangingPunct="1">
-              <a:defRPr sz="1800" kern="1200">
-                <a:solidFill>
-                  <a:schemeClr val="tx1"/>
-                </a:solidFill>
-                <a:latin typeface="+mn-lt"/>
-                <a:ea typeface="+mn-ea"/>
-                <a:cs typeface="+mn-cs"/>
-              </a:defRPr>
-            </a:lvl8pPr>
-            <a:lvl9pPr marL="3657600" algn="l" defTabSz="914400" rtl="0" eaLnBrk="1" latinLnBrk="0" hangingPunct="1">
-              <a:defRPr sz="1800" kern="1200">
-                <a:solidFill>
-                  <a:schemeClr val="tx1"/>
-                </a:solidFill>
-                <a:latin typeface="+mn-lt"/>
-                <a:ea typeface="+mn-ea"/>
-                <a:cs typeface="+mn-cs"/>
-              </a:defRPr>
-            </a:lvl9pPr>
-          </a:lstStyle>
-          <a:p>
-            <a:fld id="{4655F2EB-082D-1A4D-B2FA-EA5F6FE60629}" type="slidenum">
-              <a:rPr lang="en-US" smtClean="0"/>
-              <a:pPr/>
-              <a:t>3</a:t>
-            </a:fld>
-            <a:endParaRPr lang="en-US"/>
-          </a:p>
-        </p:txBody>
-      </p:sp>
-      <p:grpSp>
-        <p:nvGrpSpPr>
-          <p:cNvPr id="8" name="Group 7"/>
-          <p:cNvGrpSpPr/>
-          <p:nvPr/>
-        </p:nvGrpSpPr>
-        <p:grpSpPr>
-          <a:xfrm>
-            <a:off x="8909325" y="504273"/>
-            <a:ext cx="1689101" cy="1679575"/>
-            <a:chOff x="838199" y="4859337"/>
-            <a:chExt cx="1689101" cy="1679575"/>
-          </a:xfrm>
-        </p:grpSpPr>
-        <p:sp>
-          <p:nvSpPr>
-            <p:cNvPr id="9" name="Oval 8"/>
-            <p:cNvSpPr/>
-            <p:nvPr/>
-          </p:nvSpPr>
-          <p:spPr>
-            <a:xfrm>
-              <a:off x="838199" y="4859337"/>
-              <a:ext cx="1689101" cy="1679575"/>
-            </a:xfrm>
-            <a:prstGeom prst="ellipse">
-              <a:avLst/>
-            </a:prstGeom>
-            <a:noFill/>
-            <a:ln w="38100">
-              <a:solidFill>
-                <a:schemeClr val="tx2"/>
-              </a:solidFill>
-            </a:ln>
-          </p:spPr>
-          <p:style>
-            <a:lnRef idx="2">
-              <a:schemeClr val="accent1">
-                <a:shade val="50000"/>
-              </a:schemeClr>
-            </a:lnRef>
-            <a:fillRef idx="1">
-              <a:schemeClr val="accent1"/>
-            </a:fillRef>
-            <a:effectRef idx="0">
-              <a:schemeClr val="accent1"/>
-            </a:effectRef>
-            <a:fontRef idx="minor">
-              <a:schemeClr val="lt1"/>
-            </a:fontRef>
-          </p:style>
-          <p:txBody>
-            <a:bodyPr rtlCol="0" anchor="ctr"/>
-            <a:lstStyle/>
-            <a:p>
-              <a:pPr algn="ctr"/>
-              <a:endParaRPr lang="en-US"/>
-            </a:p>
-          </p:txBody>
-        </p:sp>
-        <p:sp>
-          <p:nvSpPr>
-            <p:cNvPr id="10" name="Oval 9"/>
-            <p:cNvSpPr/>
-            <p:nvPr/>
-          </p:nvSpPr>
-          <p:spPr>
-            <a:xfrm>
-              <a:off x="1003298" y="5026817"/>
-              <a:ext cx="1358901" cy="1344613"/>
-            </a:xfrm>
-            <a:prstGeom prst="ellipse">
-              <a:avLst/>
-            </a:prstGeom>
-            <a:noFill/>
-            <a:ln w="38100">
-              <a:solidFill>
-                <a:schemeClr val="accent1"/>
-              </a:solidFill>
-            </a:ln>
-          </p:spPr>
-          <p:style>
-            <a:lnRef idx="2">
-              <a:schemeClr val="accent1">
-                <a:shade val="50000"/>
-              </a:schemeClr>
-            </a:lnRef>
-            <a:fillRef idx="1">
-              <a:schemeClr val="accent1"/>
-            </a:fillRef>
-            <a:effectRef idx="0">
-              <a:schemeClr val="accent1"/>
-            </a:effectRef>
-            <a:fontRef idx="minor">
-              <a:schemeClr val="lt1"/>
-            </a:fontRef>
-          </p:style>
-          <p:txBody>
-            <a:bodyPr rtlCol="0" anchor="ctr"/>
-            <a:lstStyle/>
-            <a:p>
-              <a:pPr algn="ctr"/>
-              <a:endParaRPr lang="en-US"/>
-            </a:p>
-          </p:txBody>
-        </p:sp>
-        <p:sp>
-          <p:nvSpPr>
-            <p:cNvPr id="11" name="Oval 10"/>
-            <p:cNvSpPr/>
-            <p:nvPr/>
-          </p:nvSpPr>
-          <p:spPr>
-            <a:xfrm>
-              <a:off x="1203322" y="5218903"/>
-              <a:ext cx="958852" cy="960439"/>
-            </a:xfrm>
-            <a:prstGeom prst="ellipse">
-              <a:avLst/>
-            </a:prstGeom>
-            <a:noFill/>
-            <a:ln w="38100">
-              <a:solidFill>
-                <a:schemeClr val="accent2"/>
-              </a:solidFill>
-            </a:ln>
-          </p:spPr>
-          <p:style>
-            <a:lnRef idx="2">
-              <a:schemeClr val="accent1">
-                <a:shade val="50000"/>
-              </a:schemeClr>
-            </a:lnRef>
-            <a:fillRef idx="1">
-              <a:schemeClr val="accent1"/>
-            </a:fillRef>
-            <a:effectRef idx="0">
-              <a:schemeClr val="accent1"/>
-            </a:effectRef>
-            <a:fontRef idx="minor">
-              <a:schemeClr val="lt1"/>
-            </a:fontRef>
-          </p:style>
-          <p:txBody>
-            <a:bodyPr rtlCol="0" anchor="ctr"/>
-            <a:lstStyle/>
-            <a:p>
-              <a:pPr algn="ctr"/>
-              <a:endParaRPr lang="en-US"/>
-            </a:p>
-          </p:txBody>
-        </p:sp>
-        <p:sp>
-          <p:nvSpPr>
-            <p:cNvPr id="12" name="Oval 11"/>
-            <p:cNvSpPr/>
-            <p:nvPr/>
-          </p:nvSpPr>
-          <p:spPr>
-            <a:xfrm>
-              <a:off x="1352547" y="5369319"/>
-              <a:ext cx="660401" cy="659605"/>
-            </a:xfrm>
-            <a:prstGeom prst="ellipse">
-              <a:avLst/>
-            </a:prstGeom>
-            <a:noFill/>
-            <a:ln w="38100">
-              <a:solidFill>
-                <a:schemeClr val="accent5"/>
-              </a:solidFill>
-            </a:ln>
-          </p:spPr>
-          <p:style>
-            <a:lnRef idx="2">
-              <a:schemeClr val="accent1">
-                <a:shade val="50000"/>
-              </a:schemeClr>
-            </a:lnRef>
-            <a:fillRef idx="1">
-              <a:schemeClr val="accent1"/>
-            </a:fillRef>
-            <a:effectRef idx="0">
-              <a:schemeClr val="accent1"/>
-            </a:effectRef>
-            <a:fontRef idx="minor">
-              <a:schemeClr val="lt1"/>
-            </a:fontRef>
-          </p:style>
-          <p:txBody>
-            <a:bodyPr rtlCol="0" anchor="ctr"/>
-            <a:lstStyle/>
-            <a:p>
-              <a:pPr algn="ctr"/>
-              <a:endParaRPr lang="en-US"/>
-            </a:p>
-          </p:txBody>
-        </p:sp>
-        <p:sp>
-          <p:nvSpPr>
-            <p:cNvPr id="13" name="Oval 12"/>
-            <p:cNvSpPr/>
-            <p:nvPr/>
-          </p:nvSpPr>
-          <p:spPr>
-            <a:xfrm>
-              <a:off x="1558920" y="5577080"/>
-              <a:ext cx="247653" cy="244081"/>
-            </a:xfrm>
-            <a:prstGeom prst="ellipse">
-              <a:avLst/>
-            </a:prstGeom>
-            <a:solidFill>
-              <a:schemeClr val="accent6"/>
-            </a:solidFill>
-            <a:ln w="38100">
-              <a:solidFill>
-                <a:schemeClr val="accent3"/>
-              </a:solidFill>
-            </a:ln>
-          </p:spPr>
-          <p:style>
-            <a:lnRef idx="2">
-              <a:schemeClr val="accent1">
-                <a:shade val="50000"/>
-              </a:schemeClr>
-            </a:lnRef>
-            <a:fillRef idx="1">
-              <a:schemeClr val="accent1"/>
-            </a:fillRef>
-            <a:effectRef idx="0">
-              <a:schemeClr val="accent1"/>
-            </a:effectRef>
-            <a:fontRef idx="minor">
-              <a:schemeClr val="lt1"/>
-            </a:fontRef>
-          </p:style>
-          <p:txBody>
-            <a:bodyPr rtlCol="0" anchor="ctr"/>
-            <a:lstStyle/>
-            <a:p>
-              <a:pPr algn="ctr"/>
-              <a:endParaRPr lang="en-US"/>
-            </a:p>
-          </p:txBody>
-        </p:sp>
-      </p:grpSp>
-      <p:sp>
-        <p:nvSpPr>
-          <p:cNvPr id="14" name="Oval 13"/>
-          <p:cNvSpPr/>
-          <p:nvPr/>
-        </p:nvSpPr>
-        <p:spPr>
-          <a:xfrm>
-            <a:off x="10038855" y="627301"/>
-            <a:ext cx="92076" cy="88900"/>
-          </a:xfrm>
-          <a:prstGeom prst="ellipse">
-            <a:avLst/>
-          </a:prstGeom>
-        </p:spPr>
-        <p:style>
-          <a:lnRef idx="2">
-            <a:schemeClr val="accent1">
-              <a:shade val="50000"/>
-            </a:schemeClr>
-          </a:lnRef>
-          <a:fillRef idx="1">
-            <a:schemeClr val="accent1"/>
-          </a:fillRef>
-          <a:effectRef idx="0">
-            <a:schemeClr val="accent1"/>
-          </a:effectRef>
-          <a:fontRef idx="minor">
-            <a:schemeClr val="lt1"/>
-          </a:fontRef>
-        </p:style>
-        <p:txBody>
-          <a:bodyPr rtlCol="0" anchor="ctr"/>
-          <a:lstStyle/>
-          <a:p>
-            <a:pPr algn="ctr"/>
-            <a:endParaRPr lang="en-US"/>
-          </a:p>
-        </p:txBody>
-      </p:sp>
-      <p:sp>
-        <p:nvSpPr>
-          <p:cNvPr id="15" name="Oval 14"/>
-          <p:cNvSpPr/>
-          <p:nvPr/>
-        </p:nvSpPr>
-        <p:spPr>
-          <a:xfrm>
-            <a:off x="9249048" y="1643947"/>
-            <a:ext cx="92076" cy="88900"/>
-          </a:xfrm>
-          <a:prstGeom prst="ellipse">
-            <a:avLst/>
-          </a:prstGeom>
-        </p:spPr>
-        <p:style>
-          <a:lnRef idx="2">
-            <a:schemeClr val="accent1">
-              <a:shade val="50000"/>
-            </a:schemeClr>
-          </a:lnRef>
-          <a:fillRef idx="1">
-            <a:schemeClr val="accent1"/>
-          </a:fillRef>
-          <a:effectRef idx="0">
-            <a:schemeClr val="accent1"/>
-          </a:effectRef>
-          <a:fontRef idx="minor">
-            <a:schemeClr val="lt1"/>
-          </a:fontRef>
-        </p:style>
-        <p:txBody>
-          <a:bodyPr rtlCol="0" anchor="ctr"/>
-          <a:lstStyle/>
-          <a:p>
-            <a:pPr algn="ctr"/>
-            <a:endParaRPr lang="en-US"/>
-          </a:p>
-        </p:txBody>
-      </p:sp>
-      <p:sp>
-        <p:nvSpPr>
-          <p:cNvPr id="16" name="Oval 15"/>
-          <p:cNvSpPr/>
-          <p:nvPr/>
-        </p:nvSpPr>
-        <p:spPr>
-          <a:xfrm>
-            <a:off x="9831661" y="1203404"/>
-            <a:ext cx="92076" cy="88900"/>
-          </a:xfrm>
-          <a:prstGeom prst="ellipse">
-            <a:avLst/>
-          </a:prstGeom>
-        </p:spPr>
-        <p:style>
-          <a:lnRef idx="2">
-            <a:schemeClr val="accent1">
-              <a:shade val="50000"/>
-            </a:schemeClr>
-          </a:lnRef>
-          <a:fillRef idx="1">
-            <a:schemeClr val="accent1"/>
-          </a:fillRef>
-          <a:effectRef idx="0">
-            <a:schemeClr val="accent1"/>
-          </a:effectRef>
-          <a:fontRef idx="minor">
-            <a:schemeClr val="lt1"/>
-          </a:fontRef>
-        </p:style>
-        <p:txBody>
-          <a:bodyPr rtlCol="0" anchor="ctr"/>
-          <a:lstStyle/>
-          <a:p>
-            <a:pPr algn="ctr"/>
-            <a:endParaRPr lang="en-US"/>
-          </a:p>
-        </p:txBody>
-      </p:sp>
-      <p:sp>
-        <p:nvSpPr>
-          <p:cNvPr id="17" name="Oval 16"/>
-          <p:cNvSpPr/>
-          <p:nvPr/>
-        </p:nvSpPr>
-        <p:spPr>
-          <a:xfrm>
-            <a:off x="9318242" y="1222016"/>
-            <a:ext cx="92076" cy="88900"/>
-          </a:xfrm>
-          <a:prstGeom prst="ellipse">
-            <a:avLst/>
-          </a:prstGeom>
-        </p:spPr>
-        <p:style>
-          <a:lnRef idx="2">
-            <a:schemeClr val="accent1">
-              <a:shade val="50000"/>
-            </a:schemeClr>
-          </a:lnRef>
-          <a:fillRef idx="1">
-            <a:schemeClr val="accent1"/>
-          </a:fillRef>
-          <a:effectRef idx="0">
-            <a:schemeClr val="accent1"/>
-          </a:effectRef>
-          <a:fontRef idx="minor">
-            <a:schemeClr val="lt1"/>
-          </a:fontRef>
-        </p:style>
-        <p:txBody>
-          <a:bodyPr rtlCol="0" anchor="ctr"/>
-          <a:lstStyle/>
-          <a:p>
-            <a:pPr algn="ctr"/>
-            <a:endParaRPr lang="en-US"/>
-          </a:p>
-        </p:txBody>
-      </p:sp>
-      <p:sp>
-        <p:nvSpPr>
-          <p:cNvPr id="18" name="Oval 17"/>
-          <p:cNvSpPr/>
-          <p:nvPr/>
-        </p:nvSpPr>
-        <p:spPr>
-          <a:xfrm>
-            <a:off x="9626519" y="736366"/>
-            <a:ext cx="92076" cy="88900"/>
-          </a:xfrm>
-          <a:prstGeom prst="ellipse">
-            <a:avLst/>
-          </a:prstGeom>
-        </p:spPr>
-        <p:style>
-          <a:lnRef idx="2">
-            <a:schemeClr val="accent1">
-              <a:shade val="50000"/>
-            </a:schemeClr>
-          </a:lnRef>
-          <a:fillRef idx="1">
-            <a:schemeClr val="accent1"/>
-          </a:fillRef>
-          <a:effectRef idx="0">
-            <a:schemeClr val="accent1"/>
-          </a:effectRef>
-          <a:fontRef idx="minor">
-            <a:schemeClr val="lt1"/>
-          </a:fontRef>
-        </p:style>
-        <p:txBody>
-          <a:bodyPr rtlCol="0" anchor="ctr"/>
-          <a:lstStyle/>
-          <a:p>
-            <a:pPr algn="ctr"/>
-            <a:endParaRPr lang="en-US"/>
-          </a:p>
-        </p:txBody>
-      </p:sp>
-      <p:sp>
-        <p:nvSpPr>
-          <p:cNvPr id="19" name="Oval 18"/>
-          <p:cNvSpPr/>
-          <p:nvPr/>
-        </p:nvSpPr>
-        <p:spPr>
-          <a:xfrm>
-            <a:off x="9250739" y="897287"/>
-            <a:ext cx="92076" cy="88900"/>
-          </a:xfrm>
-          <a:prstGeom prst="ellipse">
-            <a:avLst/>
-          </a:prstGeom>
-        </p:spPr>
-        <p:style>
-          <a:lnRef idx="2">
-            <a:schemeClr val="accent1">
-              <a:shade val="50000"/>
-            </a:schemeClr>
-          </a:lnRef>
-          <a:fillRef idx="1">
-            <a:schemeClr val="accent1"/>
-          </a:fillRef>
-          <a:effectRef idx="0">
-            <a:schemeClr val="accent1"/>
-          </a:effectRef>
-          <a:fontRef idx="minor">
-            <a:schemeClr val="lt1"/>
-          </a:fontRef>
-        </p:style>
-        <p:txBody>
-          <a:bodyPr rtlCol="0" anchor="ctr"/>
-          <a:lstStyle/>
-          <a:p>
-            <a:pPr algn="ctr"/>
-            <a:endParaRPr lang="en-US"/>
-          </a:p>
-        </p:txBody>
-      </p:sp>
-      <p:sp>
-        <p:nvSpPr>
-          <p:cNvPr id="20" name="Oval 19"/>
-          <p:cNvSpPr/>
-          <p:nvPr/>
-        </p:nvSpPr>
-        <p:spPr>
-          <a:xfrm>
-            <a:off x="10195198" y="1581228"/>
-            <a:ext cx="92076" cy="88900"/>
-          </a:xfrm>
-          <a:prstGeom prst="ellipse">
-            <a:avLst/>
-          </a:prstGeom>
-        </p:spPr>
-        <p:style>
-          <a:lnRef idx="2">
-            <a:schemeClr val="accent1">
-              <a:shade val="50000"/>
-            </a:schemeClr>
-          </a:lnRef>
-          <a:fillRef idx="1">
-            <a:schemeClr val="accent1"/>
-          </a:fillRef>
-          <a:effectRef idx="0">
-            <a:schemeClr val="accent1"/>
-          </a:effectRef>
-          <a:fontRef idx="minor">
-            <a:schemeClr val="lt1"/>
-          </a:fontRef>
-        </p:style>
-        <p:txBody>
-          <a:bodyPr rtlCol="0" anchor="ctr"/>
-          <a:lstStyle/>
-          <a:p>
-            <a:pPr algn="ctr"/>
-            <a:endParaRPr lang="en-US"/>
-          </a:p>
-        </p:txBody>
-      </p:sp>
-      <p:sp>
-        <p:nvSpPr>
-          <p:cNvPr id="21" name="Oval 20"/>
-          <p:cNvSpPr/>
-          <p:nvPr/>
-        </p:nvSpPr>
-        <p:spPr>
-          <a:xfrm>
-            <a:off x="9618141" y="2034978"/>
-            <a:ext cx="92076" cy="88900"/>
-          </a:xfrm>
-          <a:prstGeom prst="ellipse">
-            <a:avLst/>
-          </a:prstGeom>
-        </p:spPr>
-        <p:style>
-          <a:lnRef idx="2">
-            <a:schemeClr val="accent1">
-              <a:shade val="50000"/>
-            </a:schemeClr>
-          </a:lnRef>
-          <a:fillRef idx="1">
-            <a:schemeClr val="accent1"/>
-          </a:fillRef>
-          <a:effectRef idx="0">
-            <a:schemeClr val="accent1"/>
-          </a:effectRef>
-          <a:fontRef idx="minor">
-            <a:schemeClr val="lt1"/>
-          </a:fontRef>
-        </p:style>
-        <p:txBody>
-          <a:bodyPr rtlCol="0" anchor="ctr"/>
-          <a:lstStyle/>
-          <a:p>
-            <a:pPr algn="ctr"/>
-            <a:endParaRPr lang="en-US"/>
-          </a:p>
-        </p:txBody>
-      </p:sp>
-      <p:sp>
-        <p:nvSpPr>
-          <p:cNvPr id="22" name="Oval 21"/>
-          <p:cNvSpPr/>
-          <p:nvPr/>
-        </p:nvSpPr>
-        <p:spPr>
-          <a:xfrm>
-            <a:off x="9831661" y="1688397"/>
-            <a:ext cx="92076" cy="88900"/>
-          </a:xfrm>
-          <a:prstGeom prst="ellipse">
-            <a:avLst/>
-          </a:prstGeom>
-        </p:spPr>
-        <p:style>
-          <a:lnRef idx="2">
-            <a:schemeClr val="accent1">
-              <a:shade val="50000"/>
-            </a:schemeClr>
-          </a:lnRef>
-          <a:fillRef idx="1">
-            <a:schemeClr val="accent1"/>
-          </a:fillRef>
-          <a:effectRef idx="0">
-            <a:schemeClr val="accent1"/>
-          </a:effectRef>
-          <a:fontRef idx="minor">
-            <a:schemeClr val="lt1"/>
-          </a:fontRef>
-        </p:style>
-        <p:txBody>
-          <a:bodyPr rtlCol="0" anchor="ctr"/>
-          <a:lstStyle/>
-          <a:p>
-            <a:pPr algn="ctr"/>
-            <a:endParaRPr lang="en-US"/>
-          </a:p>
-        </p:txBody>
-      </p:sp>
-      <p:sp>
-        <p:nvSpPr>
-          <p:cNvPr id="23" name="Oval 22"/>
-          <p:cNvSpPr/>
-          <p:nvPr/>
-        </p:nvSpPr>
-        <p:spPr>
-          <a:xfrm>
-            <a:off x="10410996" y="1172581"/>
-            <a:ext cx="92076" cy="88900"/>
-          </a:xfrm>
-          <a:prstGeom prst="ellipse">
-            <a:avLst/>
-          </a:prstGeom>
-        </p:spPr>
-        <p:style>
-          <a:lnRef idx="2">
-            <a:schemeClr val="accent1">
-              <a:shade val="50000"/>
-            </a:schemeClr>
-          </a:lnRef>
-          <a:fillRef idx="1">
-            <a:schemeClr val="accent1"/>
-          </a:fillRef>
-          <a:effectRef idx="0">
-            <a:schemeClr val="accent1"/>
-          </a:effectRef>
-          <a:fontRef idx="minor">
-            <a:schemeClr val="lt1"/>
-          </a:fontRef>
-        </p:style>
-        <p:txBody>
-          <a:bodyPr rtlCol="0" anchor="ctr"/>
-          <a:lstStyle/>
-          <a:p>
-            <a:pPr algn="ctr"/>
-            <a:endParaRPr lang="en-US"/>
-          </a:p>
-        </p:txBody>
-      </p:sp>
-    </p:spTree>
-    <p:extLst>
-      <p:ext uri="{BB962C8B-B14F-4D97-AF65-F5344CB8AC3E}">
-        <p14:creationId xmlns:p14="http://schemas.microsoft.com/office/powerpoint/2010/main" val="833040666"/>
-      </p:ext>
-    </p:extLst>
-  </p:cSld>
-  <p:clrMapOvr>
-    <a:masterClrMapping/>
-  </p:clrMapOvr>
-</p:sld>
-</file>
-
-<file path=ppt/slides/slide30.xml><?xml version="1.0" encoding="utf-8"?>
-<p:sld xmlns:a="http://schemas.openxmlformats.org/drawingml/2006/main" xmlns:r="http://schemas.openxmlformats.org/officeDocument/2006/relationships" xmlns:p="http://schemas.openxmlformats.org/presentationml/2006/main">
-  <p:cSld>
-    <p:spTree>
-      <p:nvGrpSpPr>
-        <p:cNvPr id="1" name=""/>
-        <p:cNvGrpSpPr/>
-        <p:nvPr/>
-      </p:nvGrpSpPr>
-      <p:grpSpPr>
-        <a:xfrm>
-          <a:off x="0" y="0"/>
-          <a:ext cx="0" cy="0"/>
-          <a:chOff x="0" y="0"/>
-          <a:chExt cx="0" cy="0"/>
-        </a:xfrm>
-      </p:grpSpPr>
-      <p:sp>
-        <p:nvSpPr>
           <p:cNvPr id="2" name="Title 1"/>
           <p:cNvSpPr>
             <a:spLocks noGrp="1"/>
@@ -12925,7 +11617,7 @@
           <a:p>
             <a:fld id="{4655F2EB-082D-1A4D-B2FA-EA5F6FE60629}" type="slidenum">
               <a:rPr lang="en-US" smtClean="0"/>
-              <a:t>30</a:t>
+              <a:t>27</a:t>
             </a:fld>
             <a:endParaRPr lang="en-US"/>
           </a:p>
@@ -13524,6 +12216,1477 @@
 </p:sld>
 </file>
 
+<file path=ppt/slides/slide28.xml><?xml version="1.0" encoding="utf-8"?>
+<p:sld xmlns:a="http://schemas.openxmlformats.org/drawingml/2006/main" xmlns:r="http://schemas.openxmlformats.org/officeDocument/2006/relationships" xmlns:p="http://schemas.openxmlformats.org/presentationml/2006/main">
+  <p:cSld>
+    <p:spTree>
+      <p:nvGrpSpPr>
+        <p:cNvPr id="1" name=""/>
+        <p:cNvGrpSpPr/>
+        <p:nvPr/>
+      </p:nvGrpSpPr>
+      <p:grpSpPr>
+        <a:xfrm>
+          <a:off x="0" y="0"/>
+          <a:ext cx="0" cy="0"/>
+          <a:chOff x="0" y="0"/>
+          <a:chExt cx="0" cy="0"/>
+        </a:xfrm>
+      </p:grpSpPr>
+      <p:sp>
+        <p:nvSpPr>
+          <p:cNvPr id="2" name="Title 1"/>
+          <p:cNvSpPr>
+            <a:spLocks noGrp="1"/>
+          </p:cNvSpPr>
+          <p:nvPr>
+            <p:ph type="title"/>
+          </p:nvPr>
+        </p:nvSpPr>
+        <p:spPr/>
+        <p:txBody>
+          <a:bodyPr/>
+          <a:lstStyle/>
+          <a:p>
+            <a:r>
+              <a:rPr lang="en-US" b="1" dirty="0">
+                <a:latin typeface="Consolas" charset="0"/>
+                <a:ea typeface="Consolas" charset="0"/>
+                <a:cs typeface="Consolas" charset="0"/>
+              </a:rPr>
+              <a:t>Hypothesis Testing with Z Scores</a:t>
+            </a:r>
+          </a:p>
+        </p:txBody>
+      </p:sp>
+      <p:sp>
+        <p:nvSpPr>
+          <p:cNvPr id="5" name="Slide Number Placeholder 4"/>
+          <p:cNvSpPr>
+            <a:spLocks noGrp="1"/>
+          </p:cNvSpPr>
+          <p:nvPr>
+            <p:ph type="sldNum" sz="quarter" idx="12"/>
+          </p:nvPr>
+        </p:nvSpPr>
+        <p:spPr/>
+        <p:txBody>
+          <a:bodyPr/>
+          <a:lstStyle/>
+          <a:p>
+            <a:fld id="{4655F2EB-082D-1A4D-B2FA-EA5F6FE60629}" type="slidenum">
+              <a:rPr lang="en-US" smtClean="0"/>
+              <a:t>28</a:t>
+            </a:fld>
+            <a:endParaRPr lang="en-US"/>
+          </a:p>
+        </p:txBody>
+      </p:sp>
+      <p:sp>
+        <p:nvSpPr>
+          <p:cNvPr id="3" name="Rectangle 2">
+            <a:extLst>
+              <a:ext uri="{FF2B5EF4-FFF2-40B4-BE49-F238E27FC236}">
+                <a16:creationId xmlns:a16="http://schemas.microsoft.com/office/drawing/2014/main" id="{105E7469-6DC1-C542-A3A0-2B60CBF260BB}"/>
+              </a:ext>
+            </a:extLst>
+          </p:cNvPr>
+          <p:cNvSpPr/>
+          <p:nvPr/>
+        </p:nvSpPr>
+        <p:spPr>
+          <a:xfrm>
+            <a:off x="838200" y="2248168"/>
+            <a:ext cx="9156700" cy="3170099"/>
+          </a:xfrm>
+          <a:prstGeom prst="rect">
+            <a:avLst/>
+          </a:prstGeom>
+        </p:spPr>
+        <p:txBody>
+          <a:bodyPr wrap="square">
+            <a:spAutoFit/>
+          </a:bodyPr>
+          <a:lstStyle/>
+          <a:p>
+            <a:r>
+              <a:rPr lang="en-US" sz="4000" b="1" dirty="0">
+                <a:solidFill>
+                  <a:schemeClr val="accent3"/>
+                </a:solidFill>
+                <a:latin typeface="Consolas" charset="0"/>
+                <a:ea typeface="Consolas" charset="0"/>
+                <a:cs typeface="Consolas" charset="0"/>
+              </a:rPr>
+              <a:t>Because assessing z-scores and t-tests are so similar, we will talk about both next week</a:t>
+            </a:r>
+          </a:p>
+          <a:p>
+            <a:endParaRPr lang="en-US" sz="4000" b="1" dirty="0">
+              <a:solidFill>
+                <a:schemeClr val="accent3"/>
+              </a:solidFill>
+              <a:latin typeface="Consolas" charset="0"/>
+              <a:ea typeface="Consolas" charset="0"/>
+              <a:cs typeface="Consolas" charset="0"/>
+            </a:endParaRPr>
+          </a:p>
+          <a:p>
+            <a:r>
+              <a:rPr lang="en-US" sz="4000" b="1" dirty="0">
+                <a:solidFill>
+                  <a:schemeClr val="accent3"/>
+                </a:solidFill>
+                <a:latin typeface="Consolas" charset="0"/>
+                <a:ea typeface="Consolas" charset="0"/>
+                <a:cs typeface="Consolas" charset="0"/>
+              </a:rPr>
+              <a:t>Read Chapter 7</a:t>
+            </a:r>
+            <a:endParaRPr lang="en-US" sz="2400" b="1" dirty="0">
+              <a:solidFill>
+                <a:schemeClr val="accent3"/>
+              </a:solidFill>
+              <a:latin typeface="Consolas" charset="0"/>
+              <a:ea typeface="Consolas" charset="0"/>
+              <a:cs typeface="Consolas" charset="0"/>
+            </a:endParaRPr>
+          </a:p>
+        </p:txBody>
+      </p:sp>
+    </p:spTree>
+    <p:extLst>
+      <p:ext uri="{BB962C8B-B14F-4D97-AF65-F5344CB8AC3E}">
+        <p14:creationId xmlns:p14="http://schemas.microsoft.com/office/powerpoint/2010/main" val="2030974510"/>
+      </p:ext>
+    </p:extLst>
+  </p:cSld>
+  <p:clrMapOvr>
+    <a:masterClrMapping/>
+  </p:clrMapOvr>
+</p:sld>
+</file>
+
+<file path=ppt/slides/slide29.xml><?xml version="1.0" encoding="utf-8"?>
+<p:sld xmlns:a="http://schemas.openxmlformats.org/drawingml/2006/main" xmlns:r="http://schemas.openxmlformats.org/officeDocument/2006/relationships" xmlns:p="http://schemas.openxmlformats.org/presentationml/2006/main">
+  <p:cSld>
+    <p:spTree>
+      <p:nvGrpSpPr>
+        <p:cNvPr id="1" name=""/>
+        <p:cNvGrpSpPr/>
+        <p:nvPr/>
+      </p:nvGrpSpPr>
+      <p:grpSpPr>
+        <a:xfrm>
+          <a:off x="0" y="0"/>
+          <a:ext cx="0" cy="0"/>
+          <a:chOff x="0" y="0"/>
+          <a:chExt cx="0" cy="0"/>
+        </a:xfrm>
+      </p:grpSpPr>
+      <p:sp>
+        <p:nvSpPr>
+          <p:cNvPr id="2" name="Title 1"/>
+          <p:cNvSpPr>
+            <a:spLocks noGrp="1"/>
+          </p:cNvSpPr>
+          <p:nvPr>
+            <p:ph type="title"/>
+          </p:nvPr>
+        </p:nvSpPr>
+        <p:spPr>
+          <a:xfrm>
+            <a:off x="838200" y="365125"/>
+            <a:ext cx="10515600" cy="1378971"/>
+          </a:xfrm>
+        </p:spPr>
+        <p:txBody>
+          <a:bodyPr>
+            <a:normAutofit fontScale="90000"/>
+          </a:bodyPr>
+          <a:lstStyle/>
+          <a:p>
+            <a:r>
+              <a:rPr lang="en-US" b="1" dirty="0">
+                <a:latin typeface="Consolas" charset="0"/>
+                <a:ea typeface="Consolas" charset="0"/>
+                <a:cs typeface="Consolas" charset="0"/>
+              </a:rPr>
+              <a:t>Review of Sample Mean Distributions (Chapter 5 and Intro to 6)</a:t>
+            </a:r>
+          </a:p>
+        </p:txBody>
+      </p:sp>
+      <p:sp>
+        <p:nvSpPr>
+          <p:cNvPr id="4" name="TextBox 3"/>
+          <p:cNvSpPr txBox="1"/>
+          <p:nvPr/>
+        </p:nvSpPr>
+        <p:spPr>
+          <a:xfrm>
+            <a:off x="838201" y="2366396"/>
+            <a:ext cx="10515600" cy="3970318"/>
+          </a:xfrm>
+          <a:prstGeom prst="rect">
+            <a:avLst/>
+          </a:prstGeom>
+          <a:noFill/>
+        </p:spPr>
+        <p:txBody>
+          <a:bodyPr wrap="square" rtlCol="0">
+            <a:spAutoFit/>
+          </a:bodyPr>
+          <a:lstStyle/>
+          <a:p>
+            <a:pPr marL="742950" indent="-742950">
+              <a:buAutoNum type="arabicPeriod"/>
+            </a:pPr>
+            <a:r>
+              <a:rPr lang="en-US" sz="3600" b="1" dirty="0">
+                <a:solidFill>
+                  <a:schemeClr val="tx2"/>
+                </a:solidFill>
+                <a:latin typeface="Consolas" charset="0"/>
+                <a:ea typeface="Consolas" charset="0"/>
+                <a:cs typeface="Consolas" charset="0"/>
+              </a:rPr>
+              <a:t>Why is understanding the distribution of sample means important?</a:t>
+            </a:r>
+          </a:p>
+          <a:p>
+            <a:pPr marL="742950" indent="-742950">
+              <a:buAutoNum type="arabicPeriod"/>
+            </a:pPr>
+            <a:r>
+              <a:rPr lang="en-US" sz="3600" b="1" dirty="0">
+                <a:solidFill>
+                  <a:schemeClr val="tx2"/>
+                </a:solidFill>
+                <a:latin typeface="Consolas" charset="0"/>
+                <a:ea typeface="Consolas" charset="0"/>
+                <a:cs typeface="Consolas" charset="0"/>
+              </a:rPr>
+              <a:t>What does the standard error of the mean tell us?</a:t>
+            </a:r>
+          </a:p>
+          <a:p>
+            <a:pPr marL="742950" indent="-742950">
+              <a:buAutoNum type="arabicPeriod"/>
+            </a:pPr>
+            <a:r>
+              <a:rPr lang="en-US" sz="3600" b="1" dirty="0">
+                <a:solidFill>
+                  <a:schemeClr val="tx2"/>
+                </a:solidFill>
+                <a:latin typeface="Consolas" charset="0"/>
+                <a:ea typeface="Consolas" charset="0"/>
+                <a:cs typeface="Consolas" charset="0"/>
+              </a:rPr>
+              <a:t>How would we get a smaller SEM?</a:t>
+            </a:r>
+          </a:p>
+          <a:p>
+            <a:pPr marL="742950" indent="-742950">
+              <a:buAutoNum type="arabicPeriod"/>
+            </a:pPr>
+            <a:r>
+              <a:rPr lang="en-US" sz="3600" b="1" dirty="0">
+                <a:solidFill>
+                  <a:schemeClr val="tx2"/>
+                </a:solidFill>
+                <a:latin typeface="Consolas" charset="0"/>
+                <a:ea typeface="Consolas" charset="0"/>
+                <a:cs typeface="Consolas" charset="0"/>
+              </a:rPr>
+              <a:t>What are the steps in the 6-step approach?</a:t>
+            </a:r>
+          </a:p>
+        </p:txBody>
+      </p:sp>
+      <p:sp>
+        <p:nvSpPr>
+          <p:cNvPr id="3" name="Slide Number Placeholder 2"/>
+          <p:cNvSpPr>
+            <a:spLocks noGrp="1"/>
+          </p:cNvSpPr>
+          <p:nvPr>
+            <p:ph type="sldNum" sz="quarter" idx="12"/>
+          </p:nvPr>
+        </p:nvSpPr>
+        <p:spPr/>
+        <p:txBody>
+          <a:bodyPr/>
+          <a:lstStyle/>
+          <a:p>
+            <a:fld id="{4655F2EB-082D-1A4D-B2FA-EA5F6FE60629}" type="slidenum">
+              <a:rPr lang="en-US" smtClean="0"/>
+              <a:t>29</a:t>
+            </a:fld>
+            <a:endParaRPr lang="en-US"/>
+          </a:p>
+        </p:txBody>
+      </p:sp>
+    </p:spTree>
+    <p:extLst>
+      <p:ext uri="{BB962C8B-B14F-4D97-AF65-F5344CB8AC3E}">
+        <p14:creationId xmlns:p14="http://schemas.microsoft.com/office/powerpoint/2010/main" val="1860613553"/>
+      </p:ext>
+    </p:extLst>
+  </p:cSld>
+  <p:clrMapOvr>
+    <a:masterClrMapping/>
+  </p:clrMapOvr>
+</p:sld>
+</file>
+
+<file path=ppt/slides/slide3.xml><?xml version="1.0" encoding="utf-8"?>
+<p:sld xmlns:a="http://schemas.openxmlformats.org/drawingml/2006/main" xmlns:r="http://schemas.openxmlformats.org/officeDocument/2006/relationships" xmlns:p="http://schemas.openxmlformats.org/presentationml/2006/main">
+  <p:cSld>
+    <p:spTree>
+      <p:nvGrpSpPr>
+        <p:cNvPr id="1" name=""/>
+        <p:cNvGrpSpPr/>
+        <p:nvPr/>
+      </p:nvGrpSpPr>
+      <p:grpSpPr>
+        <a:xfrm>
+          <a:off x="0" y="0"/>
+          <a:ext cx="0" cy="0"/>
+          <a:chOff x="0" y="0"/>
+          <a:chExt cx="0" cy="0"/>
+        </a:xfrm>
+      </p:grpSpPr>
+      <p:sp>
+        <p:nvSpPr>
+          <p:cNvPr id="4" name="Slide Number Placeholder 3"/>
+          <p:cNvSpPr>
+            <a:spLocks noGrp="1"/>
+          </p:cNvSpPr>
+          <p:nvPr>
+            <p:ph type="sldNum" sz="quarter" idx="12"/>
+          </p:nvPr>
+        </p:nvSpPr>
+        <p:spPr/>
+        <p:txBody>
+          <a:bodyPr/>
+          <a:lstStyle/>
+          <a:p>
+            <a:fld id="{4655F2EB-082D-1A4D-B2FA-EA5F6FE60629}" type="slidenum">
+              <a:rPr lang="en-US" smtClean="0"/>
+              <a:t>3</a:t>
+            </a:fld>
+            <a:endParaRPr lang="en-US"/>
+          </a:p>
+        </p:txBody>
+      </p:sp>
+      <p:sp>
+        <p:nvSpPr>
+          <p:cNvPr id="5" name="Title 1"/>
+          <p:cNvSpPr txBox="1">
+            <a:spLocks/>
+          </p:cNvSpPr>
+          <p:nvPr/>
+        </p:nvSpPr>
+        <p:spPr>
+          <a:xfrm>
+            <a:off x="838199" y="309724"/>
+            <a:ext cx="10515600" cy="1325563"/>
+          </a:xfrm>
+          <a:prstGeom prst="rect">
+            <a:avLst/>
+          </a:prstGeom>
+        </p:spPr>
+        <p:txBody>
+          <a:bodyPr vert="horz" lIns="91440" tIns="45720" rIns="91440" bIns="45720" rtlCol="0" anchor="ctr">
+            <a:normAutofit/>
+          </a:bodyPr>
+          <a:lstStyle>
+            <a:lvl1pPr algn="l" defTabSz="914400" rtl="0" eaLnBrk="1" latinLnBrk="0" hangingPunct="1">
+              <a:lnSpc>
+                <a:spcPct val="90000"/>
+              </a:lnSpc>
+              <a:spcBef>
+                <a:spcPct val="0"/>
+              </a:spcBef>
+              <a:buNone/>
+              <a:defRPr sz="4400" kern="1200">
+                <a:solidFill>
+                  <a:schemeClr val="tx1"/>
+                </a:solidFill>
+                <a:latin typeface="+mj-lt"/>
+                <a:ea typeface="+mj-ea"/>
+                <a:cs typeface="+mj-cs"/>
+              </a:defRPr>
+            </a:lvl1pPr>
+          </a:lstStyle>
+          <a:p>
+            <a:r>
+              <a:rPr lang="en-US" b="1">
+                <a:latin typeface="Consolas" charset="0"/>
+                <a:ea typeface="Consolas" charset="0"/>
+                <a:cs typeface="Consolas" charset="0"/>
+              </a:rPr>
+              <a:t>Review</a:t>
+            </a:r>
+            <a:endParaRPr lang="en-US" b="1" dirty="0">
+              <a:latin typeface="Consolas" charset="0"/>
+              <a:ea typeface="Consolas" charset="0"/>
+              <a:cs typeface="Consolas" charset="0"/>
+            </a:endParaRPr>
+          </a:p>
+        </p:txBody>
+      </p:sp>
+      <p:sp>
+        <p:nvSpPr>
+          <p:cNvPr id="6" name="TextBox 5"/>
+          <p:cNvSpPr txBox="1"/>
+          <p:nvPr/>
+        </p:nvSpPr>
+        <p:spPr>
+          <a:xfrm>
+            <a:off x="838199" y="1744096"/>
+            <a:ext cx="10967357" cy="4524315"/>
+          </a:xfrm>
+          <a:prstGeom prst="rect">
+            <a:avLst/>
+          </a:prstGeom>
+          <a:noFill/>
+        </p:spPr>
+        <p:txBody>
+          <a:bodyPr wrap="square" rtlCol="0">
+            <a:spAutoFit/>
+          </a:bodyPr>
+          <a:lstStyle/>
+          <a:p>
+            <a:pPr marL="742950" indent="-742950">
+              <a:buAutoNum type="arabicPeriod"/>
+            </a:pPr>
+            <a:r>
+              <a:rPr lang="en-US" sz="3600" b="1" dirty="0">
+                <a:solidFill>
+                  <a:schemeClr val="tx2"/>
+                </a:solidFill>
+                <a:latin typeface="Consolas" charset="0"/>
+                <a:ea typeface="Consolas" charset="0"/>
+                <a:cs typeface="Consolas" charset="0"/>
+              </a:rPr>
+              <a:t>The figure to the right is reliable/unreliable and valid/invalid.</a:t>
+            </a:r>
+          </a:p>
+          <a:p>
+            <a:pPr marL="742950" indent="-742950">
+              <a:buAutoNum type="arabicPeriod"/>
+            </a:pPr>
+            <a:r>
+              <a:rPr lang="en-US" sz="3600" b="1" dirty="0">
+                <a:solidFill>
+                  <a:schemeClr val="tx2"/>
+                </a:solidFill>
+                <a:latin typeface="Consolas" charset="0"/>
+                <a:ea typeface="Consolas" charset="0"/>
+                <a:cs typeface="Consolas" charset="0"/>
+              </a:rPr>
+              <a:t>When should you use the mean? What about the median?</a:t>
+            </a:r>
+          </a:p>
+          <a:p>
+            <a:pPr marL="742950" indent="-742950">
+              <a:buAutoNum type="arabicPeriod"/>
+            </a:pPr>
+            <a:r>
+              <a:rPr lang="en-US" sz="3600" b="1" dirty="0">
+                <a:solidFill>
+                  <a:schemeClr val="tx2"/>
+                </a:solidFill>
+                <a:latin typeface="Consolas" charset="0"/>
+                <a:ea typeface="Consolas" charset="0"/>
+                <a:cs typeface="Consolas" charset="0"/>
+              </a:rPr>
+              <a:t>What does the standard deviation tell us?</a:t>
+            </a:r>
+          </a:p>
+          <a:p>
+            <a:pPr marL="742950" indent="-742950">
+              <a:buAutoNum type="arabicPeriod"/>
+            </a:pPr>
+            <a:r>
+              <a:rPr lang="en-US" sz="3600" b="1" dirty="0">
+                <a:solidFill>
+                  <a:schemeClr val="tx2"/>
+                </a:solidFill>
+                <a:latin typeface="Consolas" charset="0"/>
+                <a:ea typeface="Consolas" charset="0"/>
+                <a:cs typeface="Consolas" charset="0"/>
+              </a:rPr>
+              <a:t>Can we obtain a standard deviation with nominal data?</a:t>
+            </a:r>
+          </a:p>
+        </p:txBody>
+      </p:sp>
+      <p:sp>
+        <p:nvSpPr>
+          <p:cNvPr id="7" name="Slide Number Placeholder 2"/>
+          <p:cNvSpPr txBox="1">
+            <a:spLocks/>
+          </p:cNvSpPr>
+          <p:nvPr/>
+        </p:nvSpPr>
+        <p:spPr>
+          <a:xfrm>
+            <a:off x="8610600" y="6356350"/>
+            <a:ext cx="2743200" cy="365125"/>
+          </a:xfrm>
+          <a:prstGeom prst="rect">
+            <a:avLst/>
+          </a:prstGeom>
+        </p:spPr>
+        <p:txBody>
+          <a:bodyPr vert="horz" lIns="91440" tIns="45720" rIns="91440" bIns="45720" rtlCol="0" anchor="ctr"/>
+          <a:lstStyle>
+            <a:defPPr>
+              <a:defRPr lang="en-US"/>
+            </a:defPPr>
+            <a:lvl1pPr marL="0" algn="r" defTabSz="914400" rtl="0" eaLnBrk="1" latinLnBrk="0" hangingPunct="1">
+              <a:defRPr sz="1200" kern="1200">
+                <a:solidFill>
+                  <a:schemeClr val="tx1">
+                    <a:tint val="75000"/>
+                  </a:schemeClr>
+                </a:solidFill>
+                <a:latin typeface="+mn-lt"/>
+                <a:ea typeface="+mn-ea"/>
+                <a:cs typeface="+mn-cs"/>
+              </a:defRPr>
+            </a:lvl1pPr>
+            <a:lvl2pPr marL="457200" algn="l" defTabSz="914400" rtl="0" eaLnBrk="1" latinLnBrk="0" hangingPunct="1">
+              <a:defRPr sz="1800" kern="1200">
+                <a:solidFill>
+                  <a:schemeClr val="tx1"/>
+                </a:solidFill>
+                <a:latin typeface="+mn-lt"/>
+                <a:ea typeface="+mn-ea"/>
+                <a:cs typeface="+mn-cs"/>
+              </a:defRPr>
+            </a:lvl2pPr>
+            <a:lvl3pPr marL="914400" algn="l" defTabSz="914400" rtl="0" eaLnBrk="1" latinLnBrk="0" hangingPunct="1">
+              <a:defRPr sz="1800" kern="1200">
+                <a:solidFill>
+                  <a:schemeClr val="tx1"/>
+                </a:solidFill>
+                <a:latin typeface="+mn-lt"/>
+                <a:ea typeface="+mn-ea"/>
+                <a:cs typeface="+mn-cs"/>
+              </a:defRPr>
+            </a:lvl3pPr>
+            <a:lvl4pPr marL="1371600" algn="l" defTabSz="914400" rtl="0" eaLnBrk="1" latinLnBrk="0" hangingPunct="1">
+              <a:defRPr sz="1800" kern="1200">
+                <a:solidFill>
+                  <a:schemeClr val="tx1"/>
+                </a:solidFill>
+                <a:latin typeface="+mn-lt"/>
+                <a:ea typeface="+mn-ea"/>
+                <a:cs typeface="+mn-cs"/>
+              </a:defRPr>
+            </a:lvl4pPr>
+            <a:lvl5pPr marL="1828800" algn="l" defTabSz="914400" rtl="0" eaLnBrk="1" latinLnBrk="0" hangingPunct="1">
+              <a:defRPr sz="1800" kern="1200">
+                <a:solidFill>
+                  <a:schemeClr val="tx1"/>
+                </a:solidFill>
+                <a:latin typeface="+mn-lt"/>
+                <a:ea typeface="+mn-ea"/>
+                <a:cs typeface="+mn-cs"/>
+              </a:defRPr>
+            </a:lvl5pPr>
+            <a:lvl6pPr marL="2286000" algn="l" defTabSz="914400" rtl="0" eaLnBrk="1" latinLnBrk="0" hangingPunct="1">
+              <a:defRPr sz="1800" kern="1200">
+                <a:solidFill>
+                  <a:schemeClr val="tx1"/>
+                </a:solidFill>
+                <a:latin typeface="+mn-lt"/>
+                <a:ea typeface="+mn-ea"/>
+                <a:cs typeface="+mn-cs"/>
+              </a:defRPr>
+            </a:lvl6pPr>
+            <a:lvl7pPr marL="2743200" algn="l" defTabSz="914400" rtl="0" eaLnBrk="1" latinLnBrk="0" hangingPunct="1">
+              <a:defRPr sz="1800" kern="1200">
+                <a:solidFill>
+                  <a:schemeClr val="tx1"/>
+                </a:solidFill>
+                <a:latin typeface="+mn-lt"/>
+                <a:ea typeface="+mn-ea"/>
+                <a:cs typeface="+mn-cs"/>
+              </a:defRPr>
+            </a:lvl7pPr>
+            <a:lvl8pPr marL="3200400" algn="l" defTabSz="914400" rtl="0" eaLnBrk="1" latinLnBrk="0" hangingPunct="1">
+              <a:defRPr sz="1800" kern="1200">
+                <a:solidFill>
+                  <a:schemeClr val="tx1"/>
+                </a:solidFill>
+                <a:latin typeface="+mn-lt"/>
+                <a:ea typeface="+mn-ea"/>
+                <a:cs typeface="+mn-cs"/>
+              </a:defRPr>
+            </a:lvl8pPr>
+            <a:lvl9pPr marL="3657600" algn="l" defTabSz="914400" rtl="0" eaLnBrk="1" latinLnBrk="0" hangingPunct="1">
+              <a:defRPr sz="1800" kern="1200">
+                <a:solidFill>
+                  <a:schemeClr val="tx1"/>
+                </a:solidFill>
+                <a:latin typeface="+mn-lt"/>
+                <a:ea typeface="+mn-ea"/>
+                <a:cs typeface="+mn-cs"/>
+              </a:defRPr>
+            </a:lvl9pPr>
+          </a:lstStyle>
+          <a:p>
+            <a:fld id="{4655F2EB-082D-1A4D-B2FA-EA5F6FE60629}" type="slidenum">
+              <a:rPr lang="en-US" smtClean="0"/>
+              <a:pPr/>
+              <a:t>3</a:t>
+            </a:fld>
+            <a:endParaRPr lang="en-US"/>
+          </a:p>
+        </p:txBody>
+      </p:sp>
+      <p:grpSp>
+        <p:nvGrpSpPr>
+          <p:cNvPr id="8" name="Group 7"/>
+          <p:cNvGrpSpPr/>
+          <p:nvPr/>
+        </p:nvGrpSpPr>
+        <p:grpSpPr>
+          <a:xfrm>
+            <a:off x="8909325" y="504273"/>
+            <a:ext cx="1689101" cy="1679575"/>
+            <a:chOff x="838199" y="4859337"/>
+            <a:chExt cx="1689101" cy="1679575"/>
+          </a:xfrm>
+        </p:grpSpPr>
+        <p:sp>
+          <p:nvSpPr>
+            <p:cNvPr id="9" name="Oval 8"/>
+            <p:cNvSpPr/>
+            <p:nvPr/>
+          </p:nvSpPr>
+          <p:spPr>
+            <a:xfrm>
+              <a:off x="838199" y="4859337"/>
+              <a:ext cx="1689101" cy="1679575"/>
+            </a:xfrm>
+            <a:prstGeom prst="ellipse">
+              <a:avLst/>
+            </a:prstGeom>
+            <a:noFill/>
+            <a:ln w="38100">
+              <a:solidFill>
+                <a:schemeClr val="tx2"/>
+              </a:solidFill>
+            </a:ln>
+          </p:spPr>
+          <p:style>
+            <a:lnRef idx="2">
+              <a:schemeClr val="accent1">
+                <a:shade val="50000"/>
+              </a:schemeClr>
+            </a:lnRef>
+            <a:fillRef idx="1">
+              <a:schemeClr val="accent1"/>
+            </a:fillRef>
+            <a:effectRef idx="0">
+              <a:schemeClr val="accent1"/>
+            </a:effectRef>
+            <a:fontRef idx="minor">
+              <a:schemeClr val="lt1"/>
+            </a:fontRef>
+          </p:style>
+          <p:txBody>
+            <a:bodyPr rtlCol="0" anchor="ctr"/>
+            <a:lstStyle/>
+            <a:p>
+              <a:pPr algn="ctr"/>
+              <a:endParaRPr lang="en-US"/>
+            </a:p>
+          </p:txBody>
+        </p:sp>
+        <p:sp>
+          <p:nvSpPr>
+            <p:cNvPr id="10" name="Oval 9"/>
+            <p:cNvSpPr/>
+            <p:nvPr/>
+          </p:nvSpPr>
+          <p:spPr>
+            <a:xfrm>
+              <a:off x="1003298" y="5026817"/>
+              <a:ext cx="1358901" cy="1344613"/>
+            </a:xfrm>
+            <a:prstGeom prst="ellipse">
+              <a:avLst/>
+            </a:prstGeom>
+            <a:noFill/>
+            <a:ln w="38100">
+              <a:solidFill>
+                <a:schemeClr val="accent1"/>
+              </a:solidFill>
+            </a:ln>
+          </p:spPr>
+          <p:style>
+            <a:lnRef idx="2">
+              <a:schemeClr val="accent1">
+                <a:shade val="50000"/>
+              </a:schemeClr>
+            </a:lnRef>
+            <a:fillRef idx="1">
+              <a:schemeClr val="accent1"/>
+            </a:fillRef>
+            <a:effectRef idx="0">
+              <a:schemeClr val="accent1"/>
+            </a:effectRef>
+            <a:fontRef idx="minor">
+              <a:schemeClr val="lt1"/>
+            </a:fontRef>
+          </p:style>
+          <p:txBody>
+            <a:bodyPr rtlCol="0" anchor="ctr"/>
+            <a:lstStyle/>
+            <a:p>
+              <a:pPr algn="ctr"/>
+              <a:endParaRPr lang="en-US"/>
+            </a:p>
+          </p:txBody>
+        </p:sp>
+        <p:sp>
+          <p:nvSpPr>
+            <p:cNvPr id="11" name="Oval 10"/>
+            <p:cNvSpPr/>
+            <p:nvPr/>
+          </p:nvSpPr>
+          <p:spPr>
+            <a:xfrm>
+              <a:off x="1203322" y="5218903"/>
+              <a:ext cx="958852" cy="960439"/>
+            </a:xfrm>
+            <a:prstGeom prst="ellipse">
+              <a:avLst/>
+            </a:prstGeom>
+            <a:noFill/>
+            <a:ln w="38100">
+              <a:solidFill>
+                <a:schemeClr val="accent2"/>
+              </a:solidFill>
+            </a:ln>
+          </p:spPr>
+          <p:style>
+            <a:lnRef idx="2">
+              <a:schemeClr val="accent1">
+                <a:shade val="50000"/>
+              </a:schemeClr>
+            </a:lnRef>
+            <a:fillRef idx="1">
+              <a:schemeClr val="accent1"/>
+            </a:fillRef>
+            <a:effectRef idx="0">
+              <a:schemeClr val="accent1"/>
+            </a:effectRef>
+            <a:fontRef idx="minor">
+              <a:schemeClr val="lt1"/>
+            </a:fontRef>
+          </p:style>
+          <p:txBody>
+            <a:bodyPr rtlCol="0" anchor="ctr"/>
+            <a:lstStyle/>
+            <a:p>
+              <a:pPr algn="ctr"/>
+              <a:endParaRPr lang="en-US"/>
+            </a:p>
+          </p:txBody>
+        </p:sp>
+        <p:sp>
+          <p:nvSpPr>
+            <p:cNvPr id="12" name="Oval 11"/>
+            <p:cNvSpPr/>
+            <p:nvPr/>
+          </p:nvSpPr>
+          <p:spPr>
+            <a:xfrm>
+              <a:off x="1352547" y="5369319"/>
+              <a:ext cx="660401" cy="659605"/>
+            </a:xfrm>
+            <a:prstGeom prst="ellipse">
+              <a:avLst/>
+            </a:prstGeom>
+            <a:noFill/>
+            <a:ln w="38100">
+              <a:solidFill>
+                <a:schemeClr val="accent5"/>
+              </a:solidFill>
+            </a:ln>
+          </p:spPr>
+          <p:style>
+            <a:lnRef idx="2">
+              <a:schemeClr val="accent1">
+                <a:shade val="50000"/>
+              </a:schemeClr>
+            </a:lnRef>
+            <a:fillRef idx="1">
+              <a:schemeClr val="accent1"/>
+            </a:fillRef>
+            <a:effectRef idx="0">
+              <a:schemeClr val="accent1"/>
+            </a:effectRef>
+            <a:fontRef idx="minor">
+              <a:schemeClr val="lt1"/>
+            </a:fontRef>
+          </p:style>
+          <p:txBody>
+            <a:bodyPr rtlCol="0" anchor="ctr"/>
+            <a:lstStyle/>
+            <a:p>
+              <a:pPr algn="ctr"/>
+              <a:endParaRPr lang="en-US"/>
+            </a:p>
+          </p:txBody>
+        </p:sp>
+        <p:sp>
+          <p:nvSpPr>
+            <p:cNvPr id="13" name="Oval 12"/>
+            <p:cNvSpPr/>
+            <p:nvPr/>
+          </p:nvSpPr>
+          <p:spPr>
+            <a:xfrm>
+              <a:off x="1558920" y="5577080"/>
+              <a:ext cx="247653" cy="244081"/>
+            </a:xfrm>
+            <a:prstGeom prst="ellipse">
+              <a:avLst/>
+            </a:prstGeom>
+            <a:solidFill>
+              <a:schemeClr val="accent6"/>
+            </a:solidFill>
+            <a:ln w="38100">
+              <a:solidFill>
+                <a:schemeClr val="accent3"/>
+              </a:solidFill>
+            </a:ln>
+          </p:spPr>
+          <p:style>
+            <a:lnRef idx="2">
+              <a:schemeClr val="accent1">
+                <a:shade val="50000"/>
+              </a:schemeClr>
+            </a:lnRef>
+            <a:fillRef idx="1">
+              <a:schemeClr val="accent1"/>
+            </a:fillRef>
+            <a:effectRef idx="0">
+              <a:schemeClr val="accent1"/>
+            </a:effectRef>
+            <a:fontRef idx="minor">
+              <a:schemeClr val="lt1"/>
+            </a:fontRef>
+          </p:style>
+          <p:txBody>
+            <a:bodyPr rtlCol="0" anchor="ctr"/>
+            <a:lstStyle/>
+            <a:p>
+              <a:pPr algn="ctr"/>
+              <a:endParaRPr lang="en-US"/>
+            </a:p>
+          </p:txBody>
+        </p:sp>
+      </p:grpSp>
+      <p:sp>
+        <p:nvSpPr>
+          <p:cNvPr id="14" name="Oval 13"/>
+          <p:cNvSpPr/>
+          <p:nvPr/>
+        </p:nvSpPr>
+        <p:spPr>
+          <a:xfrm>
+            <a:off x="10038855" y="627301"/>
+            <a:ext cx="92076" cy="88900"/>
+          </a:xfrm>
+          <a:prstGeom prst="ellipse">
+            <a:avLst/>
+          </a:prstGeom>
+        </p:spPr>
+        <p:style>
+          <a:lnRef idx="2">
+            <a:schemeClr val="accent1">
+              <a:shade val="50000"/>
+            </a:schemeClr>
+          </a:lnRef>
+          <a:fillRef idx="1">
+            <a:schemeClr val="accent1"/>
+          </a:fillRef>
+          <a:effectRef idx="0">
+            <a:schemeClr val="accent1"/>
+          </a:effectRef>
+          <a:fontRef idx="minor">
+            <a:schemeClr val="lt1"/>
+          </a:fontRef>
+        </p:style>
+        <p:txBody>
+          <a:bodyPr rtlCol="0" anchor="ctr"/>
+          <a:lstStyle/>
+          <a:p>
+            <a:pPr algn="ctr"/>
+            <a:endParaRPr lang="en-US"/>
+          </a:p>
+        </p:txBody>
+      </p:sp>
+      <p:sp>
+        <p:nvSpPr>
+          <p:cNvPr id="15" name="Oval 14"/>
+          <p:cNvSpPr/>
+          <p:nvPr/>
+        </p:nvSpPr>
+        <p:spPr>
+          <a:xfrm>
+            <a:off x="9249048" y="1643947"/>
+            <a:ext cx="92076" cy="88900"/>
+          </a:xfrm>
+          <a:prstGeom prst="ellipse">
+            <a:avLst/>
+          </a:prstGeom>
+        </p:spPr>
+        <p:style>
+          <a:lnRef idx="2">
+            <a:schemeClr val="accent1">
+              <a:shade val="50000"/>
+            </a:schemeClr>
+          </a:lnRef>
+          <a:fillRef idx="1">
+            <a:schemeClr val="accent1"/>
+          </a:fillRef>
+          <a:effectRef idx="0">
+            <a:schemeClr val="accent1"/>
+          </a:effectRef>
+          <a:fontRef idx="minor">
+            <a:schemeClr val="lt1"/>
+          </a:fontRef>
+        </p:style>
+        <p:txBody>
+          <a:bodyPr rtlCol="0" anchor="ctr"/>
+          <a:lstStyle/>
+          <a:p>
+            <a:pPr algn="ctr"/>
+            <a:endParaRPr lang="en-US"/>
+          </a:p>
+        </p:txBody>
+      </p:sp>
+      <p:sp>
+        <p:nvSpPr>
+          <p:cNvPr id="16" name="Oval 15"/>
+          <p:cNvSpPr/>
+          <p:nvPr/>
+        </p:nvSpPr>
+        <p:spPr>
+          <a:xfrm>
+            <a:off x="9831661" y="1203404"/>
+            <a:ext cx="92076" cy="88900"/>
+          </a:xfrm>
+          <a:prstGeom prst="ellipse">
+            <a:avLst/>
+          </a:prstGeom>
+        </p:spPr>
+        <p:style>
+          <a:lnRef idx="2">
+            <a:schemeClr val="accent1">
+              <a:shade val="50000"/>
+            </a:schemeClr>
+          </a:lnRef>
+          <a:fillRef idx="1">
+            <a:schemeClr val="accent1"/>
+          </a:fillRef>
+          <a:effectRef idx="0">
+            <a:schemeClr val="accent1"/>
+          </a:effectRef>
+          <a:fontRef idx="minor">
+            <a:schemeClr val="lt1"/>
+          </a:fontRef>
+        </p:style>
+        <p:txBody>
+          <a:bodyPr rtlCol="0" anchor="ctr"/>
+          <a:lstStyle/>
+          <a:p>
+            <a:pPr algn="ctr"/>
+            <a:endParaRPr lang="en-US"/>
+          </a:p>
+        </p:txBody>
+      </p:sp>
+      <p:sp>
+        <p:nvSpPr>
+          <p:cNvPr id="17" name="Oval 16"/>
+          <p:cNvSpPr/>
+          <p:nvPr/>
+        </p:nvSpPr>
+        <p:spPr>
+          <a:xfrm>
+            <a:off x="9318242" y="1222016"/>
+            <a:ext cx="92076" cy="88900"/>
+          </a:xfrm>
+          <a:prstGeom prst="ellipse">
+            <a:avLst/>
+          </a:prstGeom>
+        </p:spPr>
+        <p:style>
+          <a:lnRef idx="2">
+            <a:schemeClr val="accent1">
+              <a:shade val="50000"/>
+            </a:schemeClr>
+          </a:lnRef>
+          <a:fillRef idx="1">
+            <a:schemeClr val="accent1"/>
+          </a:fillRef>
+          <a:effectRef idx="0">
+            <a:schemeClr val="accent1"/>
+          </a:effectRef>
+          <a:fontRef idx="minor">
+            <a:schemeClr val="lt1"/>
+          </a:fontRef>
+        </p:style>
+        <p:txBody>
+          <a:bodyPr rtlCol="0" anchor="ctr"/>
+          <a:lstStyle/>
+          <a:p>
+            <a:pPr algn="ctr"/>
+            <a:endParaRPr lang="en-US"/>
+          </a:p>
+        </p:txBody>
+      </p:sp>
+      <p:sp>
+        <p:nvSpPr>
+          <p:cNvPr id="18" name="Oval 17"/>
+          <p:cNvSpPr/>
+          <p:nvPr/>
+        </p:nvSpPr>
+        <p:spPr>
+          <a:xfrm>
+            <a:off x="9626519" y="736366"/>
+            <a:ext cx="92076" cy="88900"/>
+          </a:xfrm>
+          <a:prstGeom prst="ellipse">
+            <a:avLst/>
+          </a:prstGeom>
+        </p:spPr>
+        <p:style>
+          <a:lnRef idx="2">
+            <a:schemeClr val="accent1">
+              <a:shade val="50000"/>
+            </a:schemeClr>
+          </a:lnRef>
+          <a:fillRef idx="1">
+            <a:schemeClr val="accent1"/>
+          </a:fillRef>
+          <a:effectRef idx="0">
+            <a:schemeClr val="accent1"/>
+          </a:effectRef>
+          <a:fontRef idx="minor">
+            <a:schemeClr val="lt1"/>
+          </a:fontRef>
+        </p:style>
+        <p:txBody>
+          <a:bodyPr rtlCol="0" anchor="ctr"/>
+          <a:lstStyle/>
+          <a:p>
+            <a:pPr algn="ctr"/>
+            <a:endParaRPr lang="en-US"/>
+          </a:p>
+        </p:txBody>
+      </p:sp>
+      <p:sp>
+        <p:nvSpPr>
+          <p:cNvPr id="19" name="Oval 18"/>
+          <p:cNvSpPr/>
+          <p:nvPr/>
+        </p:nvSpPr>
+        <p:spPr>
+          <a:xfrm>
+            <a:off x="9250739" y="897287"/>
+            <a:ext cx="92076" cy="88900"/>
+          </a:xfrm>
+          <a:prstGeom prst="ellipse">
+            <a:avLst/>
+          </a:prstGeom>
+        </p:spPr>
+        <p:style>
+          <a:lnRef idx="2">
+            <a:schemeClr val="accent1">
+              <a:shade val="50000"/>
+            </a:schemeClr>
+          </a:lnRef>
+          <a:fillRef idx="1">
+            <a:schemeClr val="accent1"/>
+          </a:fillRef>
+          <a:effectRef idx="0">
+            <a:schemeClr val="accent1"/>
+          </a:effectRef>
+          <a:fontRef idx="minor">
+            <a:schemeClr val="lt1"/>
+          </a:fontRef>
+        </p:style>
+        <p:txBody>
+          <a:bodyPr rtlCol="0" anchor="ctr"/>
+          <a:lstStyle/>
+          <a:p>
+            <a:pPr algn="ctr"/>
+            <a:endParaRPr lang="en-US"/>
+          </a:p>
+        </p:txBody>
+      </p:sp>
+      <p:sp>
+        <p:nvSpPr>
+          <p:cNvPr id="20" name="Oval 19"/>
+          <p:cNvSpPr/>
+          <p:nvPr/>
+        </p:nvSpPr>
+        <p:spPr>
+          <a:xfrm>
+            <a:off x="10195198" y="1581228"/>
+            <a:ext cx="92076" cy="88900"/>
+          </a:xfrm>
+          <a:prstGeom prst="ellipse">
+            <a:avLst/>
+          </a:prstGeom>
+        </p:spPr>
+        <p:style>
+          <a:lnRef idx="2">
+            <a:schemeClr val="accent1">
+              <a:shade val="50000"/>
+            </a:schemeClr>
+          </a:lnRef>
+          <a:fillRef idx="1">
+            <a:schemeClr val="accent1"/>
+          </a:fillRef>
+          <a:effectRef idx="0">
+            <a:schemeClr val="accent1"/>
+          </a:effectRef>
+          <a:fontRef idx="minor">
+            <a:schemeClr val="lt1"/>
+          </a:fontRef>
+        </p:style>
+        <p:txBody>
+          <a:bodyPr rtlCol="0" anchor="ctr"/>
+          <a:lstStyle/>
+          <a:p>
+            <a:pPr algn="ctr"/>
+            <a:endParaRPr lang="en-US"/>
+          </a:p>
+        </p:txBody>
+      </p:sp>
+      <p:sp>
+        <p:nvSpPr>
+          <p:cNvPr id="21" name="Oval 20"/>
+          <p:cNvSpPr/>
+          <p:nvPr/>
+        </p:nvSpPr>
+        <p:spPr>
+          <a:xfrm>
+            <a:off x="9618141" y="2034978"/>
+            <a:ext cx="92076" cy="88900"/>
+          </a:xfrm>
+          <a:prstGeom prst="ellipse">
+            <a:avLst/>
+          </a:prstGeom>
+        </p:spPr>
+        <p:style>
+          <a:lnRef idx="2">
+            <a:schemeClr val="accent1">
+              <a:shade val="50000"/>
+            </a:schemeClr>
+          </a:lnRef>
+          <a:fillRef idx="1">
+            <a:schemeClr val="accent1"/>
+          </a:fillRef>
+          <a:effectRef idx="0">
+            <a:schemeClr val="accent1"/>
+          </a:effectRef>
+          <a:fontRef idx="minor">
+            <a:schemeClr val="lt1"/>
+          </a:fontRef>
+        </p:style>
+        <p:txBody>
+          <a:bodyPr rtlCol="0" anchor="ctr"/>
+          <a:lstStyle/>
+          <a:p>
+            <a:pPr algn="ctr"/>
+            <a:endParaRPr lang="en-US"/>
+          </a:p>
+        </p:txBody>
+      </p:sp>
+      <p:sp>
+        <p:nvSpPr>
+          <p:cNvPr id="22" name="Oval 21"/>
+          <p:cNvSpPr/>
+          <p:nvPr/>
+        </p:nvSpPr>
+        <p:spPr>
+          <a:xfrm>
+            <a:off x="9831661" y="1688397"/>
+            <a:ext cx="92076" cy="88900"/>
+          </a:xfrm>
+          <a:prstGeom prst="ellipse">
+            <a:avLst/>
+          </a:prstGeom>
+        </p:spPr>
+        <p:style>
+          <a:lnRef idx="2">
+            <a:schemeClr val="accent1">
+              <a:shade val="50000"/>
+            </a:schemeClr>
+          </a:lnRef>
+          <a:fillRef idx="1">
+            <a:schemeClr val="accent1"/>
+          </a:fillRef>
+          <a:effectRef idx="0">
+            <a:schemeClr val="accent1"/>
+          </a:effectRef>
+          <a:fontRef idx="minor">
+            <a:schemeClr val="lt1"/>
+          </a:fontRef>
+        </p:style>
+        <p:txBody>
+          <a:bodyPr rtlCol="0" anchor="ctr"/>
+          <a:lstStyle/>
+          <a:p>
+            <a:pPr algn="ctr"/>
+            <a:endParaRPr lang="en-US"/>
+          </a:p>
+        </p:txBody>
+      </p:sp>
+      <p:sp>
+        <p:nvSpPr>
+          <p:cNvPr id="23" name="Oval 22"/>
+          <p:cNvSpPr/>
+          <p:nvPr/>
+        </p:nvSpPr>
+        <p:spPr>
+          <a:xfrm>
+            <a:off x="10410996" y="1172581"/>
+            <a:ext cx="92076" cy="88900"/>
+          </a:xfrm>
+          <a:prstGeom prst="ellipse">
+            <a:avLst/>
+          </a:prstGeom>
+        </p:spPr>
+        <p:style>
+          <a:lnRef idx="2">
+            <a:schemeClr val="accent1">
+              <a:shade val="50000"/>
+            </a:schemeClr>
+          </a:lnRef>
+          <a:fillRef idx="1">
+            <a:schemeClr val="accent1"/>
+          </a:fillRef>
+          <a:effectRef idx="0">
+            <a:schemeClr val="accent1"/>
+          </a:effectRef>
+          <a:fontRef idx="minor">
+            <a:schemeClr val="lt1"/>
+          </a:fontRef>
+        </p:style>
+        <p:txBody>
+          <a:bodyPr rtlCol="0" anchor="ctr"/>
+          <a:lstStyle/>
+          <a:p>
+            <a:pPr algn="ctr"/>
+            <a:endParaRPr lang="en-US"/>
+          </a:p>
+        </p:txBody>
+      </p:sp>
+    </p:spTree>
+    <p:extLst>
+      <p:ext uri="{BB962C8B-B14F-4D97-AF65-F5344CB8AC3E}">
+        <p14:creationId xmlns:p14="http://schemas.microsoft.com/office/powerpoint/2010/main" val="833040666"/>
+      </p:ext>
+    </p:extLst>
+  </p:cSld>
+  <p:clrMapOvr>
+    <a:masterClrMapping/>
+  </p:clrMapOvr>
+</p:sld>
+</file>
+
+<file path=ppt/slides/slide30.xml><?xml version="1.0" encoding="utf-8"?>
+<p:sld xmlns:a="http://schemas.openxmlformats.org/drawingml/2006/main" xmlns:r="http://schemas.openxmlformats.org/officeDocument/2006/relationships" xmlns:p="http://schemas.openxmlformats.org/presentationml/2006/main">
+  <p:cSld>
+    <p:spTree>
+      <p:nvGrpSpPr>
+        <p:cNvPr id="1" name=""/>
+        <p:cNvGrpSpPr/>
+        <p:nvPr/>
+      </p:nvGrpSpPr>
+      <p:grpSpPr>
+        <a:xfrm>
+          <a:off x="0" y="0"/>
+          <a:ext cx="0" cy="0"/>
+          <a:chOff x="0" y="0"/>
+          <a:chExt cx="0" cy="0"/>
+        </a:xfrm>
+      </p:grpSpPr>
+      <p:sp>
+        <p:nvSpPr>
+          <p:cNvPr id="4" name="Rectangle 3"/>
+          <p:cNvSpPr/>
+          <p:nvPr/>
+        </p:nvSpPr>
+        <p:spPr>
+          <a:xfrm>
+            <a:off x="393927" y="940585"/>
+            <a:ext cx="11413671" cy="2800767"/>
+          </a:xfrm>
+          <a:prstGeom prst="rect">
+            <a:avLst/>
+          </a:prstGeom>
+        </p:spPr>
+        <p:txBody>
+          <a:bodyPr wrap="square">
+            <a:spAutoFit/>
+          </a:bodyPr>
+          <a:lstStyle/>
+          <a:p>
+            <a:pPr algn="ctr"/>
+            <a:r>
+              <a:rPr lang="en-US" sz="8800" b="1" dirty="0">
+                <a:solidFill>
+                  <a:schemeClr val="accent3"/>
+                </a:solidFill>
+                <a:latin typeface="Consolas" charset="0"/>
+                <a:ea typeface="Consolas" charset="0"/>
+                <a:cs typeface="Consolas" charset="0"/>
+              </a:rPr>
+              <a:t>Another look at</a:t>
+            </a:r>
+          </a:p>
+          <a:p>
+            <a:pPr algn="ctr"/>
+            <a:r>
+              <a:rPr lang="en-US" sz="8800" b="1" dirty="0" err="1">
+                <a:solidFill>
+                  <a:schemeClr val="accent6"/>
+                </a:solidFill>
+                <a:latin typeface="Consolas" charset="0"/>
+                <a:ea typeface="Consolas" charset="0"/>
+                <a:cs typeface="Consolas" charset="0"/>
+              </a:rPr>
+              <a:t>Jamovi</a:t>
+            </a:r>
+            <a:r>
+              <a:rPr lang="en-US" sz="8800" b="1" dirty="0">
+                <a:solidFill>
+                  <a:schemeClr val="accent6"/>
+                </a:solidFill>
+                <a:latin typeface="Consolas" charset="0"/>
+                <a:ea typeface="Consolas" charset="0"/>
+                <a:cs typeface="Consolas" charset="0"/>
+              </a:rPr>
+              <a:t> </a:t>
+            </a:r>
+            <a:r>
+              <a:rPr lang="en-US" sz="8800" b="1" dirty="0">
+                <a:solidFill>
+                  <a:schemeClr val="accent3"/>
+                </a:solidFill>
+                <a:latin typeface="Consolas" charset="0"/>
+                <a:ea typeface="Consolas" charset="0"/>
+                <a:cs typeface="Consolas" charset="0"/>
+              </a:rPr>
+              <a:t>and </a:t>
+            </a:r>
+            <a:r>
+              <a:rPr lang="en-US" sz="8800" b="1" dirty="0">
+                <a:solidFill>
+                  <a:schemeClr val="accent6"/>
+                </a:solidFill>
+                <a:latin typeface="Consolas" charset="0"/>
+                <a:ea typeface="Consolas" charset="0"/>
+                <a:cs typeface="Consolas" charset="0"/>
+              </a:rPr>
+              <a:t>Excel</a:t>
+            </a:r>
+            <a:endParaRPr lang="en-US" sz="8800" dirty="0">
+              <a:solidFill>
+                <a:schemeClr val="accent6"/>
+              </a:solidFill>
+            </a:endParaRPr>
+          </a:p>
+        </p:txBody>
+      </p:sp>
+      <p:sp>
+        <p:nvSpPr>
+          <p:cNvPr id="2" name="Slide Number Placeholder 1"/>
+          <p:cNvSpPr>
+            <a:spLocks noGrp="1"/>
+          </p:cNvSpPr>
+          <p:nvPr>
+            <p:ph type="sldNum" sz="quarter" idx="12"/>
+          </p:nvPr>
+        </p:nvSpPr>
+        <p:spPr/>
+        <p:txBody>
+          <a:bodyPr/>
+          <a:lstStyle/>
+          <a:p>
+            <a:fld id="{4655F2EB-082D-1A4D-B2FA-EA5F6FE60629}" type="slidenum">
+              <a:rPr lang="en-US" smtClean="0"/>
+              <a:t>30</a:t>
+            </a:fld>
+            <a:endParaRPr lang="en-US"/>
+          </a:p>
+        </p:txBody>
+      </p:sp>
+      <p:sp>
+        <p:nvSpPr>
+          <p:cNvPr id="5" name="Rectangle 4"/>
+          <p:cNvSpPr/>
+          <p:nvPr/>
+        </p:nvSpPr>
+        <p:spPr>
+          <a:xfrm>
+            <a:off x="3028950" y="4387131"/>
+            <a:ext cx="6143624" cy="1323439"/>
+          </a:xfrm>
+          <a:prstGeom prst="rect">
+            <a:avLst/>
+          </a:prstGeom>
+        </p:spPr>
+        <p:txBody>
+          <a:bodyPr wrap="square">
+            <a:spAutoFit/>
+          </a:bodyPr>
+          <a:lstStyle/>
+          <a:p>
+            <a:pPr algn="ctr"/>
+            <a:r>
+              <a:rPr lang="en-US" sz="4000" b="1" dirty="0">
+                <a:solidFill>
+                  <a:schemeClr val="accent2"/>
+                </a:solidFill>
+                <a:latin typeface="Consolas" charset="0"/>
+                <a:ea typeface="Consolas" charset="0"/>
+                <a:cs typeface="Consolas" charset="0"/>
+              </a:rPr>
+              <a:t>Standardizing (getting z-scores)</a:t>
+            </a:r>
+          </a:p>
+        </p:txBody>
+      </p:sp>
+    </p:spTree>
+    <p:extLst>
+      <p:ext uri="{BB962C8B-B14F-4D97-AF65-F5344CB8AC3E}">
+        <p14:creationId xmlns:p14="http://schemas.microsoft.com/office/powerpoint/2010/main" val="379470651"/>
+      </p:ext>
+    </p:extLst>
+  </p:cSld>
+  <p:clrMapOvr>
+    <a:masterClrMapping/>
+  </p:clrMapOvr>
+</p:sld>
+</file>
+
 <file path=ppt/slides/slide31.xml><?xml version="1.0" encoding="utf-8"?>
 <p:sld xmlns:a="http://schemas.openxmlformats.org/drawingml/2006/main" xmlns:r="http://schemas.openxmlformats.org/officeDocument/2006/relationships" xmlns:p="http://schemas.openxmlformats.org/presentationml/2006/main">
   <p:cSld>
@@ -13543,69 +13706,14 @@
       </p:grpSpPr>
       <p:sp>
         <p:nvSpPr>
-          <p:cNvPr id="2" name="Title 1"/>
-          <p:cNvSpPr>
-            <a:spLocks noGrp="1"/>
-          </p:cNvSpPr>
-          <p:nvPr>
-            <p:ph type="title"/>
-          </p:nvPr>
-        </p:nvSpPr>
-        <p:spPr/>
-        <p:txBody>
-          <a:bodyPr/>
-          <a:lstStyle/>
-          <a:p>
-            <a:r>
-              <a:rPr lang="en-US" b="1" dirty="0">
-                <a:latin typeface="Consolas" charset="0"/>
-                <a:ea typeface="Consolas" charset="0"/>
-                <a:cs typeface="Consolas" charset="0"/>
-              </a:rPr>
-              <a:t>Hypothesis Testing with Z Scores</a:t>
-            </a:r>
-          </a:p>
-        </p:txBody>
-      </p:sp>
-      <p:sp>
-        <p:nvSpPr>
-          <p:cNvPr id="5" name="Slide Number Placeholder 4"/>
-          <p:cNvSpPr>
-            <a:spLocks noGrp="1"/>
-          </p:cNvSpPr>
-          <p:nvPr>
-            <p:ph type="sldNum" sz="quarter" idx="12"/>
-          </p:nvPr>
-        </p:nvSpPr>
-        <p:spPr/>
-        <p:txBody>
-          <a:bodyPr/>
-          <a:lstStyle/>
-          <a:p>
-            <a:fld id="{4655F2EB-082D-1A4D-B2FA-EA5F6FE60629}" type="slidenum">
-              <a:rPr lang="en-US" smtClean="0"/>
-              <a:t>31</a:t>
-            </a:fld>
-            <a:endParaRPr lang="en-US"/>
-          </a:p>
-        </p:txBody>
-      </p:sp>
-      <p:sp>
-        <p:nvSpPr>
-          <p:cNvPr id="3" name="Rectangle 2">
-            <a:extLst>
-              <a:ext uri="{FF2B5EF4-FFF2-40B4-BE49-F238E27FC236}">
-                <a16:creationId xmlns:a16="http://schemas.microsoft.com/office/drawing/2014/main" id="{105E7469-6DC1-C542-A3A0-2B60CBF260BB}"/>
-              </a:ext>
-            </a:extLst>
-          </p:cNvPr>
+          <p:cNvPr id="4" name="Rectangle 3"/>
           <p:cNvSpPr/>
           <p:nvPr/>
         </p:nvSpPr>
         <p:spPr>
           <a:xfrm>
-            <a:off x="838200" y="2248168"/>
-            <a:ext cx="9156700" cy="3170099"/>
+            <a:off x="408214" y="2754477"/>
+            <a:ext cx="11413671" cy="1446550"/>
           </a:xfrm>
           <a:prstGeom prst="rect">
             <a:avLst/>
@@ -13617,8 +13725,9 @@
           </a:bodyPr>
           <a:lstStyle/>
           <a:p>
-            <a:r>
-              <a:rPr lang="en-US" sz="4000" b="1" dirty="0">
+            <a:pPr algn="ctr"/>
+            <a:r>
+              <a:rPr lang="en-US" sz="8800" b="1" dirty="0">
                 <a:solidFill>
                   <a:schemeClr val="accent3"/>
                 </a:solidFill>
@@ -13626,46 +13735,43 @@
                 <a:ea typeface="Consolas" charset="0"/>
                 <a:cs typeface="Consolas" charset="0"/>
               </a:rPr>
-              <a:t>Because assessing z-scores and t-tests are so similar, we will talk about both next week</a:t>
-            </a:r>
-          </a:p>
-          <a:p>
-            <a:endParaRPr lang="en-US" sz="4000" b="1" dirty="0">
+              <a:t>Questions?</a:t>
+            </a:r>
+            <a:endParaRPr lang="en-US" sz="8800" dirty="0">
               <a:solidFill>
                 <a:schemeClr val="accent3"/>
               </a:solidFill>
-              <a:latin typeface="Consolas" charset="0"/>
-              <a:ea typeface="Consolas" charset="0"/>
-              <a:cs typeface="Consolas" charset="0"/>
             </a:endParaRPr>
           </a:p>
-          <a:p>
-            <a:r>
-              <a:rPr lang="en-US" sz="4000" b="1" dirty="0">
-                <a:solidFill>
-                  <a:schemeClr val="accent3"/>
-                </a:solidFill>
-                <a:latin typeface="Consolas" charset="0"/>
-                <a:ea typeface="Consolas" charset="0"/>
-                <a:cs typeface="Consolas" charset="0"/>
-              </a:rPr>
-              <a:t>Read Chapter 7</a:t>
-            </a:r>
-            <a:endParaRPr lang="en-US" sz="2400" b="1" dirty="0">
-              <a:solidFill>
-                <a:schemeClr val="accent3"/>
-              </a:solidFill>
-              <a:latin typeface="Consolas" charset="0"/>
-              <a:ea typeface="Consolas" charset="0"/>
-              <a:cs typeface="Consolas" charset="0"/>
-            </a:endParaRPr>
+        </p:txBody>
+      </p:sp>
+      <p:sp>
+        <p:nvSpPr>
+          <p:cNvPr id="2" name="Slide Number Placeholder 1"/>
+          <p:cNvSpPr>
+            <a:spLocks noGrp="1"/>
+          </p:cNvSpPr>
+          <p:nvPr>
+            <p:ph type="sldNum" sz="quarter" idx="12"/>
+          </p:nvPr>
+        </p:nvSpPr>
+        <p:spPr/>
+        <p:txBody>
+          <a:bodyPr/>
+          <a:lstStyle/>
+          <a:p>
+            <a:fld id="{4655F2EB-082D-1A4D-B2FA-EA5F6FE60629}" type="slidenum">
+              <a:rPr lang="en-US" smtClean="0"/>
+              <a:t>31</a:t>
+            </a:fld>
+            <a:endParaRPr lang="en-US"/>
           </a:p>
         </p:txBody>
       </p:sp>
     </p:spTree>
     <p:extLst>
       <p:ext uri="{BB962C8B-B14F-4D97-AF65-F5344CB8AC3E}">
-        <p14:creationId xmlns:p14="http://schemas.microsoft.com/office/powerpoint/2010/main" val="2030974510"/>
+        <p14:creationId xmlns:p14="http://schemas.microsoft.com/office/powerpoint/2010/main" val="693437782"/>
       </p:ext>
     </p:extLst>
   </p:cSld>
@@ -13694,64 +13800,27 @@
       </p:grpSpPr>
       <p:sp>
         <p:nvSpPr>
-          <p:cNvPr id="2" name="Title 1"/>
-          <p:cNvSpPr>
-            <a:spLocks noGrp="1"/>
-          </p:cNvSpPr>
-          <p:nvPr>
-            <p:ph type="title"/>
-          </p:nvPr>
+          <p:cNvPr id="4" name="Rectangle 3"/>
+          <p:cNvSpPr/>
+          <p:nvPr/>
         </p:nvSpPr>
         <p:spPr>
           <a:xfrm>
-            <a:off x="838200" y="365125"/>
-            <a:ext cx="10515600" cy="1378971"/>
-          </a:xfrm>
-        </p:spPr>
-        <p:txBody>
-          <a:bodyPr>
-            <a:normAutofit fontScale="90000"/>
-          </a:bodyPr>
-          <a:lstStyle/>
-          <a:p>
-            <a:r>
-              <a:rPr lang="en-US" b="1" dirty="0">
-                <a:latin typeface="Consolas" charset="0"/>
-                <a:ea typeface="Consolas" charset="0"/>
-                <a:cs typeface="Consolas" charset="0"/>
-              </a:rPr>
-              <a:t>Review of Sample Mean Distributions (Chapter 5 and Intro to 6)</a:t>
-            </a:r>
-          </a:p>
-        </p:txBody>
-      </p:sp>
-      <p:sp>
-        <p:nvSpPr>
-          <p:cNvPr id="4" name="TextBox 3"/>
-          <p:cNvSpPr txBox="1"/>
-          <p:nvPr/>
-        </p:nvSpPr>
-        <p:spPr>
-          <a:xfrm>
-            <a:off x="838201" y="2366396"/>
-            <a:ext cx="10515600" cy="3970318"/>
+            <a:off x="571499" y="354177"/>
+            <a:ext cx="11413671" cy="1446550"/>
           </a:xfrm>
           <a:prstGeom prst="rect">
             <a:avLst/>
           </a:prstGeom>
-          <a:noFill/>
         </p:spPr>
         <p:txBody>
-          <a:bodyPr wrap="square" rtlCol="0">
+          <a:bodyPr wrap="square">
             <a:spAutoFit/>
           </a:bodyPr>
           <a:lstStyle/>
           <a:p>
-            <a:pPr marL="742950" indent="-742950">
-              <a:buAutoNum type="arabicPeriod"/>
-            </a:pPr>
-            <a:r>
-              <a:rPr lang="en-US" sz="3600" b="1" dirty="0">
+            <a:r>
+              <a:rPr lang="en-US" sz="8800" b="1" dirty="0">
                 <a:solidFill>
                   <a:schemeClr val="tx2"/>
                 </a:solidFill>
@@ -13759,62 +13828,111 @@
                 <a:ea typeface="Consolas" charset="0"/>
                 <a:cs typeface="Consolas" charset="0"/>
               </a:rPr>
-              <a:t>Why is understanding the distribution of sample means important?</a:t>
-            </a:r>
-          </a:p>
+              <a:t>Next week:</a:t>
+            </a:r>
+            <a:endParaRPr lang="en-US" sz="8800" dirty="0">
+              <a:solidFill>
+                <a:schemeClr val="tx2"/>
+              </a:solidFill>
+            </a:endParaRPr>
+          </a:p>
+        </p:txBody>
+      </p:sp>
+      <p:sp>
+        <p:nvSpPr>
+          <p:cNvPr id="3" name="Rectangle 2"/>
+          <p:cNvSpPr/>
+          <p:nvPr/>
+        </p:nvSpPr>
+        <p:spPr>
+          <a:xfrm>
+            <a:off x="865411" y="2124157"/>
+            <a:ext cx="10825845" cy="3170099"/>
+          </a:xfrm>
+          <a:prstGeom prst="rect">
+            <a:avLst/>
+          </a:prstGeom>
+        </p:spPr>
+        <p:txBody>
+          <a:bodyPr wrap="square">
+            <a:spAutoFit/>
+          </a:bodyPr>
+          <a:lstStyle/>
           <a:p>
             <a:pPr marL="742950" indent="-742950">
+              <a:buFont typeface="+mj-lt"/>
               <a:buAutoNum type="arabicPeriod"/>
             </a:pPr>
             <a:r>
-              <a:rPr lang="en-US" sz="3600" b="1" dirty="0">
+              <a:rPr lang="en-US" sz="4000" dirty="0">
                 <a:solidFill>
-                  <a:schemeClr val="tx2"/>
+                  <a:schemeClr val="accent1"/>
                 </a:solidFill>
                 <a:latin typeface="Consolas" charset="0"/>
                 <a:ea typeface="Consolas" charset="0"/>
                 <a:cs typeface="Consolas" charset="0"/>
               </a:rPr>
-              <a:t>What does the standard error of the mean tell us?</a:t>
-            </a:r>
-          </a:p>
-          <a:p>
-            <a:pPr marL="742950" indent="-742950">
-              <a:buAutoNum type="arabicPeriod"/>
-            </a:pPr>
-            <a:r>
-              <a:rPr lang="en-US" sz="3600" b="1" dirty="0">
+              <a:t>Hypothesis Testing with Z Scores (continued</a:t>
+            </a:r>
+            <a:r>
+              <a:rPr lang="en-US" sz="3200" dirty="0">
                 <a:solidFill>
-                  <a:schemeClr val="tx2"/>
+                  <a:schemeClr val="accent1"/>
                 </a:solidFill>
                 <a:latin typeface="Consolas" charset="0"/>
                 <a:ea typeface="Consolas" charset="0"/>
                 <a:cs typeface="Consolas" charset="0"/>
               </a:rPr>
-              <a:t>How would we get a smaller SEM?</a:t>
-            </a:r>
+              <a:t>) </a:t>
+            </a:r>
+            <a:endParaRPr lang="en-US" sz="4000" dirty="0">
+              <a:solidFill>
+                <a:schemeClr val="accent1"/>
+              </a:solidFill>
+              <a:latin typeface="Consolas" charset="0"/>
+              <a:ea typeface="Consolas" charset="0"/>
+              <a:cs typeface="Consolas" charset="0"/>
+            </a:endParaRPr>
           </a:p>
           <a:p>
             <a:pPr marL="742950" indent="-742950">
+              <a:buFont typeface="+mj-lt"/>
               <a:buAutoNum type="arabicPeriod"/>
             </a:pPr>
             <a:r>
-              <a:rPr lang="en-US" sz="3600" b="1" dirty="0">
+              <a:rPr lang="en-US" sz="4000" dirty="0">
                 <a:solidFill>
-                  <a:schemeClr val="tx2"/>
+                  <a:schemeClr val="accent3"/>
                 </a:solidFill>
                 <a:latin typeface="Consolas" charset="0"/>
                 <a:ea typeface="Consolas" charset="0"/>
                 <a:cs typeface="Consolas" charset="0"/>
               </a:rPr>
-              <a:t>What are the steps in the 6-step approach?</a:t>
-            </a:r>
-          </a:p>
-        </p:txBody>
-      </p:sp>
-      <p:sp>
-        <p:nvSpPr>
-          <p:cNvPr id="3" name="Slide Number Placeholder 2"/>
+              <a:t>Chapters 6 and 7 in Book</a:t>
+            </a:r>
+          </a:p>
+          <a:p>
+            <a:pPr marL="742950" indent="-742950">
+              <a:buFont typeface="+mj-lt"/>
+              <a:buAutoNum type="arabicPeriod"/>
+            </a:pPr>
+            <a:r>
+              <a:rPr lang="en-US" sz="4000" dirty="0">
+                <a:solidFill>
+                  <a:schemeClr val="accent2"/>
+                </a:solidFill>
+                <a:latin typeface="Consolas" charset="0"/>
+                <a:ea typeface="Consolas" charset="0"/>
+                <a:cs typeface="Consolas" charset="0"/>
+              </a:rPr>
+              <a:t>Keep updating your Statistical Organizer</a:t>
+            </a:r>
+          </a:p>
+        </p:txBody>
+      </p:sp>
+      <p:sp>
+        <p:nvSpPr>
+          <p:cNvPr id="2" name="Slide Number Placeholder 1"/>
           <p:cNvSpPr>
             <a:spLocks noGrp="1"/>
           </p:cNvSpPr>
@@ -13838,7 +13956,7 @@
     </p:spTree>
     <p:extLst>
       <p:ext uri="{BB962C8B-B14F-4D97-AF65-F5344CB8AC3E}">
-        <p14:creationId xmlns:p14="http://schemas.microsoft.com/office/powerpoint/2010/main" val="1860613553"/>
+        <p14:creationId xmlns:p14="http://schemas.microsoft.com/office/powerpoint/2010/main" val="368682267"/>
       </p:ext>
     </p:extLst>
   </p:cSld>
@@ -13873,8 +13991,8 @@
         </p:nvSpPr>
         <p:spPr>
           <a:xfrm>
-            <a:off x="393927" y="940585"/>
-            <a:ext cx="11413671" cy="2800767"/>
+            <a:off x="389164" y="1376803"/>
+            <a:ext cx="11413671" cy="1446550"/>
           </a:xfrm>
           <a:prstGeom prst="rect">
             <a:avLst/>
@@ -13896,54 +14014,7 @@
                 <a:ea typeface="Consolas" charset="0"/>
                 <a:cs typeface="Consolas" charset="0"/>
               </a:rPr>
-              <a:t>Another look at</a:t>
-            </a:r>
-          </a:p>
-          <a:p>
-            <a:pPr algn="ctr"/>
-            <a:r>
-              <a:rPr lang="en-US" sz="8800" b="1" dirty="0" err="1">
-                <a:solidFill>
-                  <a:schemeClr val="accent6"/>
-                </a:solidFill>
-                <a:latin typeface="Consolas" charset="0"/>
-                <a:ea typeface="Consolas" charset="0"/>
-                <a:cs typeface="Consolas" charset="0"/>
-              </a:rPr>
-              <a:t>Jamovi</a:t>
-            </a:r>
-            <a:r>
-              <a:rPr lang="en-US" sz="8800" b="1" dirty="0">
-                <a:solidFill>
-                  <a:schemeClr val="accent6"/>
-                </a:solidFill>
-                <a:latin typeface="Consolas" charset="0"/>
-                <a:ea typeface="Consolas" charset="0"/>
-                <a:cs typeface="Consolas" charset="0"/>
-              </a:rPr>
-              <a:t> </a:t>
-            </a:r>
-            <a:r>
-              <a:rPr lang="en-US" sz="8800" b="1" dirty="0">
-                <a:solidFill>
-                  <a:schemeClr val="accent3"/>
-                </a:solidFill>
-                <a:latin typeface="Consolas" charset="0"/>
-                <a:ea typeface="Consolas" charset="0"/>
-                <a:cs typeface="Consolas" charset="0"/>
-              </a:rPr>
-              <a:t>and </a:t>
-            </a:r>
-            <a:r>
-              <a:rPr lang="en-US" sz="8800" b="1" dirty="0">
-                <a:solidFill>
-                  <a:schemeClr val="accent6"/>
-                </a:solidFill>
-                <a:latin typeface="Consolas" charset="0"/>
-                <a:ea typeface="Consolas" charset="0"/>
-                <a:cs typeface="Consolas" charset="0"/>
-              </a:rPr>
-              <a:t>Excel</a:t>
+              <a:t>Application</a:t>
             </a:r>
             <a:endParaRPr lang="en-US" sz="8800" dirty="0">
               <a:solidFill>
@@ -13972,329 +14043,118 @@
               <a:rPr lang="en-US" smtClean="0"/>
               <a:t>33</a:t>
             </a:fld>
-            <a:endParaRPr lang="en-US"/>
-          </a:p>
-        </p:txBody>
-      </p:sp>
-      <p:sp>
-        <p:nvSpPr>
-          <p:cNvPr id="5" name="Rectangle 4"/>
-          <p:cNvSpPr/>
+            <a:endParaRPr lang="en-US" dirty="0"/>
+          </a:p>
+        </p:txBody>
+      </p:sp>
+      <p:sp>
+        <p:nvSpPr>
+          <p:cNvPr id="5" name="TextBox 4">
+            <a:extLst>
+              <a:ext uri="{FF2B5EF4-FFF2-40B4-BE49-F238E27FC236}">
+                <a16:creationId xmlns:a16="http://schemas.microsoft.com/office/drawing/2014/main" id="{60CEC2E2-D008-C344-8F8F-FA885E3438A9}"/>
+              </a:ext>
+            </a:extLst>
+          </p:cNvPr>
+          <p:cNvSpPr txBox="1"/>
           <p:nvPr/>
         </p:nvSpPr>
         <p:spPr>
           <a:xfrm>
-            <a:off x="3028950" y="4387131"/>
-            <a:ext cx="6143624" cy="1323439"/>
+            <a:off x="3914151" y="2782669"/>
+            <a:ext cx="4363695" cy="646331"/>
           </a:xfrm>
           <a:prstGeom prst="rect">
             <a:avLst/>
           </a:prstGeom>
+          <a:noFill/>
         </p:spPr>
         <p:txBody>
-          <a:bodyPr wrap="square">
+          <a:bodyPr wrap="none" rtlCol="0">
             <a:spAutoFit/>
           </a:bodyPr>
           <a:lstStyle/>
           <a:p>
             <a:pPr algn="ctr"/>
             <a:r>
-              <a:rPr lang="en-US" sz="4000" b="1" dirty="0">
+              <a:rPr lang="en-US" b="1" dirty="0">
                 <a:solidFill>
-                  <a:schemeClr val="accent2"/>
+                  <a:schemeClr val="accent6"/>
                 </a:solidFill>
-                <a:latin typeface="Consolas" charset="0"/>
-                <a:ea typeface="Consolas" charset="0"/>
-                <a:cs typeface="Consolas" charset="0"/>
+                <a:latin typeface="Consolas" panose="020B0609020204030204" pitchFamily="49" charset="0"/>
+                <a:cs typeface="Consolas" panose="020B0609020204030204" pitchFamily="49" charset="0"/>
               </a:rPr>
-              <a:t>Standardizing (getting z-scores)</a:t>
-            </a:r>
-          </a:p>
-        </p:txBody>
-      </p:sp>
-    </p:spTree>
-    <p:extLst>
-      <p:ext uri="{BB962C8B-B14F-4D97-AF65-F5344CB8AC3E}">
-        <p14:creationId xmlns:p14="http://schemas.microsoft.com/office/powerpoint/2010/main" val="379470651"/>
-      </p:ext>
-    </p:extLst>
-  </p:cSld>
-  <p:clrMapOvr>
-    <a:masterClrMapping/>
-  </p:clrMapOvr>
-</p:sld>
-</file>
-
-<file path=ppt/slides/slide34.xml><?xml version="1.0" encoding="utf-8"?>
-<p:sld xmlns:a="http://schemas.openxmlformats.org/drawingml/2006/main" xmlns:r="http://schemas.openxmlformats.org/officeDocument/2006/relationships" xmlns:p="http://schemas.openxmlformats.org/presentationml/2006/main">
-  <p:cSld>
-    <p:spTree>
-      <p:nvGrpSpPr>
-        <p:cNvPr id="1" name=""/>
-        <p:cNvGrpSpPr/>
-        <p:nvPr/>
-      </p:nvGrpSpPr>
-      <p:grpSpPr>
-        <a:xfrm>
-          <a:off x="0" y="0"/>
-          <a:ext cx="0" cy="0"/>
-          <a:chOff x="0" y="0"/>
-          <a:chExt cx="0" cy="0"/>
-        </a:xfrm>
-      </p:grpSpPr>
-      <p:sp>
-        <p:nvSpPr>
-          <p:cNvPr id="4" name="Rectangle 3"/>
-          <p:cNvSpPr/>
+              <a:t>Example Using the Class Data &amp;</a:t>
+            </a:r>
+          </a:p>
+          <a:p>
+            <a:pPr algn="ctr"/>
+            <a:r>
+              <a:rPr lang="en-US" b="1" dirty="0">
+                <a:solidFill>
+                  <a:schemeClr val="accent6"/>
+                </a:solidFill>
+                <a:latin typeface="Consolas" panose="020B0609020204030204" pitchFamily="49" charset="0"/>
+                <a:cs typeface="Consolas" panose="020B0609020204030204" pitchFamily="49" charset="0"/>
+              </a:rPr>
+              <a:t>The Office/Parks and Rec Data Set</a:t>
+            </a:r>
+          </a:p>
+        </p:txBody>
+      </p:sp>
+      <p:sp>
+        <p:nvSpPr>
+          <p:cNvPr id="7" name="TextBox 6">
+            <a:extLst>
+              <a:ext uri="{FF2B5EF4-FFF2-40B4-BE49-F238E27FC236}">
+                <a16:creationId xmlns:a16="http://schemas.microsoft.com/office/drawing/2014/main" id="{1DE3B548-4D66-7440-B0BD-5D47B9C75724}"/>
+              </a:ext>
+            </a:extLst>
+          </p:cNvPr>
+          <p:cNvSpPr txBox="1"/>
           <p:nvPr/>
         </p:nvSpPr>
         <p:spPr>
           <a:xfrm>
-            <a:off x="408214" y="2754477"/>
-            <a:ext cx="11413671" cy="1446550"/>
+            <a:off x="3597573" y="4489456"/>
+            <a:ext cx="4996882" cy="369332"/>
           </a:xfrm>
           <a:prstGeom prst="rect">
             <a:avLst/>
           </a:prstGeom>
+          <a:solidFill>
+            <a:schemeClr val="accent6">
+              <a:lumMod val="50000"/>
+            </a:schemeClr>
+          </a:solidFill>
         </p:spPr>
         <p:txBody>
-          <a:bodyPr wrap="square">
+          <a:bodyPr wrap="none" rtlCol="0">
             <a:spAutoFit/>
           </a:bodyPr>
           <a:lstStyle/>
           <a:p>
             <a:pPr algn="ctr"/>
             <a:r>
-              <a:rPr lang="en-US" sz="8800" b="1" dirty="0">
+              <a:rPr lang="en-US" b="1" dirty="0">
                 <a:solidFill>
-                  <a:schemeClr val="accent3"/>
+                  <a:schemeClr val="accent6">
+                    <a:lumMod val="20000"/>
+                    <a:lumOff val="80000"/>
+                  </a:schemeClr>
                 </a:solidFill>
-                <a:latin typeface="Consolas" charset="0"/>
-                <a:ea typeface="Consolas" charset="0"/>
-                <a:cs typeface="Consolas" charset="0"/>
+                <a:latin typeface="Consolas" panose="020B0609020204030204" pitchFamily="49" charset="0"/>
+                <a:cs typeface="Consolas" panose="020B0609020204030204" pitchFamily="49" charset="0"/>
               </a:rPr>
-              <a:t>Questions?</a:t>
-            </a:r>
-            <a:endParaRPr lang="en-US" sz="8800" dirty="0">
-              <a:solidFill>
-                <a:schemeClr val="accent3"/>
-              </a:solidFill>
-            </a:endParaRPr>
-          </a:p>
-        </p:txBody>
-      </p:sp>
-      <p:sp>
-        <p:nvSpPr>
-          <p:cNvPr id="2" name="Slide Number Placeholder 1"/>
-          <p:cNvSpPr>
-            <a:spLocks noGrp="1"/>
-          </p:cNvSpPr>
-          <p:nvPr>
-            <p:ph type="sldNum" sz="quarter" idx="12"/>
-          </p:nvPr>
-        </p:nvSpPr>
-        <p:spPr/>
-        <p:txBody>
-          <a:bodyPr/>
-          <a:lstStyle/>
-          <a:p>
-            <a:fld id="{4655F2EB-082D-1A4D-B2FA-EA5F6FE60629}" type="slidenum">
-              <a:rPr lang="en-US" smtClean="0"/>
-              <a:t>34</a:t>
-            </a:fld>
-            <a:endParaRPr lang="en-US"/>
+              <a:t>Z-scores and Intro to Hypothesis Tests</a:t>
+            </a:r>
           </a:p>
         </p:txBody>
       </p:sp>
     </p:spTree>
     <p:extLst>
       <p:ext uri="{BB962C8B-B14F-4D97-AF65-F5344CB8AC3E}">
-        <p14:creationId xmlns:p14="http://schemas.microsoft.com/office/powerpoint/2010/main" val="693437782"/>
-      </p:ext>
-    </p:extLst>
-  </p:cSld>
-  <p:clrMapOvr>
-    <a:masterClrMapping/>
-  </p:clrMapOvr>
-</p:sld>
-</file>
-
-<file path=ppt/slides/slide35.xml><?xml version="1.0" encoding="utf-8"?>
-<p:sld xmlns:a="http://schemas.openxmlformats.org/drawingml/2006/main" xmlns:r="http://schemas.openxmlformats.org/officeDocument/2006/relationships" xmlns:p="http://schemas.openxmlformats.org/presentationml/2006/main">
-  <p:cSld>
-    <p:spTree>
-      <p:nvGrpSpPr>
-        <p:cNvPr id="1" name=""/>
-        <p:cNvGrpSpPr/>
-        <p:nvPr/>
-      </p:nvGrpSpPr>
-      <p:grpSpPr>
-        <a:xfrm>
-          <a:off x="0" y="0"/>
-          <a:ext cx="0" cy="0"/>
-          <a:chOff x="0" y="0"/>
-          <a:chExt cx="0" cy="0"/>
-        </a:xfrm>
-      </p:grpSpPr>
-      <p:sp>
-        <p:nvSpPr>
-          <p:cNvPr id="4" name="Rectangle 3"/>
-          <p:cNvSpPr/>
-          <p:nvPr/>
-        </p:nvSpPr>
-        <p:spPr>
-          <a:xfrm>
-            <a:off x="571499" y="354177"/>
-            <a:ext cx="11413671" cy="1446550"/>
-          </a:xfrm>
-          <a:prstGeom prst="rect">
-            <a:avLst/>
-          </a:prstGeom>
-        </p:spPr>
-        <p:txBody>
-          <a:bodyPr wrap="square">
-            <a:spAutoFit/>
-          </a:bodyPr>
-          <a:lstStyle/>
-          <a:p>
-            <a:r>
-              <a:rPr lang="en-US" sz="8800" b="1" dirty="0">
-                <a:solidFill>
-                  <a:schemeClr val="tx2"/>
-                </a:solidFill>
-                <a:latin typeface="Consolas" charset="0"/>
-                <a:ea typeface="Consolas" charset="0"/>
-                <a:cs typeface="Consolas" charset="0"/>
-              </a:rPr>
-              <a:t>Next week:</a:t>
-            </a:r>
-            <a:endParaRPr lang="en-US" sz="8800" dirty="0">
-              <a:solidFill>
-                <a:schemeClr val="tx2"/>
-              </a:solidFill>
-            </a:endParaRPr>
-          </a:p>
-        </p:txBody>
-      </p:sp>
-      <p:sp>
-        <p:nvSpPr>
-          <p:cNvPr id="3" name="Rectangle 2"/>
-          <p:cNvSpPr/>
-          <p:nvPr/>
-        </p:nvSpPr>
-        <p:spPr>
-          <a:xfrm>
-            <a:off x="865411" y="2124157"/>
-            <a:ext cx="10825845" cy="3170099"/>
-          </a:xfrm>
-          <a:prstGeom prst="rect">
-            <a:avLst/>
-          </a:prstGeom>
-        </p:spPr>
-        <p:txBody>
-          <a:bodyPr wrap="square">
-            <a:spAutoFit/>
-          </a:bodyPr>
-          <a:lstStyle/>
-          <a:p>
-            <a:pPr marL="742950" indent="-742950">
-              <a:buFont typeface="+mj-lt"/>
-              <a:buAutoNum type="arabicPeriod"/>
-            </a:pPr>
-            <a:r>
-              <a:rPr lang="en-US" sz="4000" dirty="0">
-                <a:solidFill>
-                  <a:schemeClr val="accent1"/>
-                </a:solidFill>
-                <a:latin typeface="Consolas" charset="0"/>
-                <a:ea typeface="Consolas" charset="0"/>
-                <a:cs typeface="Consolas" charset="0"/>
-              </a:rPr>
-              <a:t>Hypothesis Testing with Z Scores (continued</a:t>
-            </a:r>
-            <a:r>
-              <a:rPr lang="en-US" sz="3200" dirty="0">
-                <a:solidFill>
-                  <a:schemeClr val="accent1"/>
-                </a:solidFill>
-                <a:latin typeface="Consolas" charset="0"/>
-                <a:ea typeface="Consolas" charset="0"/>
-                <a:cs typeface="Consolas" charset="0"/>
-              </a:rPr>
-              <a:t>) </a:t>
-            </a:r>
-            <a:endParaRPr lang="en-US" sz="4000" dirty="0">
-              <a:solidFill>
-                <a:schemeClr val="accent1"/>
-              </a:solidFill>
-              <a:latin typeface="Consolas" charset="0"/>
-              <a:ea typeface="Consolas" charset="0"/>
-              <a:cs typeface="Consolas" charset="0"/>
-            </a:endParaRPr>
-          </a:p>
-          <a:p>
-            <a:pPr marL="742950" indent="-742950">
-              <a:buFont typeface="+mj-lt"/>
-              <a:buAutoNum type="arabicPeriod"/>
-            </a:pPr>
-            <a:r>
-              <a:rPr lang="en-US" sz="4000" dirty="0">
-                <a:solidFill>
-                  <a:schemeClr val="accent3"/>
-                </a:solidFill>
-                <a:latin typeface="Consolas" charset="0"/>
-                <a:ea typeface="Consolas" charset="0"/>
-                <a:cs typeface="Consolas" charset="0"/>
-              </a:rPr>
-              <a:t>Chapters 6 and 7 in Book</a:t>
-            </a:r>
-          </a:p>
-          <a:p>
-            <a:pPr marL="742950" indent="-742950">
-              <a:buFont typeface="+mj-lt"/>
-              <a:buAutoNum type="arabicPeriod"/>
-            </a:pPr>
-            <a:r>
-              <a:rPr lang="en-US" sz="4000" dirty="0">
-                <a:solidFill>
-                  <a:schemeClr val="accent2"/>
-                </a:solidFill>
-                <a:latin typeface="Consolas" charset="0"/>
-                <a:ea typeface="Consolas" charset="0"/>
-                <a:cs typeface="Consolas" charset="0"/>
-              </a:rPr>
-              <a:t>Keep updating your Statistical Organizer</a:t>
-            </a:r>
-          </a:p>
-        </p:txBody>
-      </p:sp>
-      <p:sp>
-        <p:nvSpPr>
-          <p:cNvPr id="2" name="Slide Number Placeholder 1"/>
-          <p:cNvSpPr>
-            <a:spLocks noGrp="1"/>
-          </p:cNvSpPr>
-          <p:nvPr>
-            <p:ph type="sldNum" sz="quarter" idx="12"/>
-          </p:nvPr>
-        </p:nvSpPr>
-        <p:spPr/>
-        <p:txBody>
-          <a:bodyPr/>
-          <a:lstStyle/>
-          <a:p>
-            <a:fld id="{4655F2EB-082D-1A4D-B2FA-EA5F6FE60629}" type="slidenum">
-              <a:rPr lang="en-US" smtClean="0"/>
-              <a:t>35</a:t>
-            </a:fld>
-            <a:endParaRPr lang="en-US"/>
-          </a:p>
-        </p:txBody>
-      </p:sp>
-    </p:spTree>
-    <p:extLst>
-      <p:ext uri="{BB962C8B-B14F-4D97-AF65-F5344CB8AC3E}">
-        <p14:creationId xmlns:p14="http://schemas.microsoft.com/office/powerpoint/2010/main" val="368682267"/>
+        <p14:creationId xmlns:p14="http://schemas.microsoft.com/office/powerpoint/2010/main" val="2433688457"/>
       </p:ext>
     </p:extLst>
   </p:cSld>

--- a/Slides/04_EDUC_6050_2018.pptx
+++ b/Slides/04_EDUC_6050_2018.pptx
@@ -10704,14 +10704,20 @@
       </p:sp>
       <p:sp>
         <p:nvSpPr>
-          <p:cNvPr id="7" name="TextBox 6"/>
+          <p:cNvPr id="3" name="TextBox 2">
+            <a:extLst>
+              <a:ext uri="{FF2B5EF4-FFF2-40B4-BE49-F238E27FC236}">
+                <a16:creationId xmlns:a16="http://schemas.microsoft.com/office/drawing/2014/main" id="{C11D17AA-8574-D745-879E-235AD1B3C391}"/>
+              </a:ext>
+            </a:extLst>
+          </p:cNvPr>
           <p:cNvSpPr txBox="1"/>
           <p:nvPr/>
         </p:nvSpPr>
         <p:spPr>
           <a:xfrm>
-            <a:off x="820869" y="3676590"/>
-            <a:ext cx="10967357" cy="2369880"/>
+            <a:off x="838200" y="4005943"/>
+            <a:ext cx="10515600" cy="2062103"/>
           </a:xfrm>
           <a:prstGeom prst="rect">
             <a:avLst/>
@@ -10727,101 +10733,132 @@
             <a:r>
               <a:rPr lang="en-US" sz="3600" b="1" dirty="0">
                 <a:solidFill>
-                  <a:schemeClr val="tx2"/>
+                  <a:schemeClr val="accent3"/>
                 </a:solidFill>
-                <a:latin typeface="Consolas" charset="0"/>
-                <a:ea typeface="Consolas" charset="0"/>
-                <a:cs typeface="Consolas" charset="0"/>
+                <a:latin typeface="Consolas" panose="020B0609020204030204" pitchFamily="49" charset="0"/>
+                <a:cs typeface="Consolas" panose="020B0609020204030204" pitchFamily="49" charset="0"/>
               </a:rPr>
-              <a:t>Essentially, analyze data and see if null hypothesis seems plausible</a:t>
-            </a:r>
-          </a:p>
-          <a:p>
-            <a:endParaRPr lang="en-US" sz="1200" b="1" dirty="0">
-              <a:solidFill>
-                <a:schemeClr val="tx2"/>
-              </a:solidFill>
-              <a:latin typeface="Consolas" charset="0"/>
-              <a:ea typeface="Consolas" charset="0"/>
-              <a:cs typeface="Consolas" charset="0"/>
-            </a:endParaRPr>
-          </a:p>
-          <a:p>
-            <a:pPr marL="571500" indent="-571500">
-              <a:buFont typeface="Arial" charset="0"/>
-              <a:buChar char="•"/>
-            </a:pPr>
-            <a:r>
-              <a:rPr lang="en-US" sz="3200" b="1" dirty="0">
-                <a:solidFill>
-                  <a:schemeClr val="accent1"/>
-                </a:solidFill>
-                <a:latin typeface="Consolas" charset="0"/>
-                <a:ea typeface="Consolas" charset="0"/>
-                <a:cs typeface="Consolas" charset="0"/>
-              </a:rPr>
-              <a:t>If not plausible</a:t>
-            </a:r>
-            <a:r>
-              <a:rPr lang="en-US" sz="3200" b="1" dirty="0">
-                <a:solidFill>
-                  <a:schemeClr val="tx2"/>
-                </a:solidFill>
-                <a:latin typeface="Consolas" charset="0"/>
-                <a:ea typeface="Consolas" charset="0"/>
-                <a:cs typeface="Consolas" charset="0"/>
-              </a:rPr>
-              <a:t>, we believe the </a:t>
-            </a:r>
-            <a:r>
-              <a:rPr lang="en-US" sz="3200" b="1" dirty="0">
-                <a:solidFill>
-                  <a:schemeClr val="accent1"/>
-                </a:solidFill>
-                <a:latin typeface="Consolas" charset="0"/>
-                <a:ea typeface="Consolas" charset="0"/>
-                <a:cs typeface="Consolas" charset="0"/>
-              </a:rPr>
-              <a:t>alternative</a:t>
-            </a:r>
-          </a:p>
-          <a:p>
-            <a:pPr marL="571500" indent="-571500">
-              <a:buFont typeface="Arial" charset="0"/>
-              <a:buChar char="•"/>
-            </a:pPr>
-            <a:r>
-              <a:rPr lang="en-US" sz="3200" b="1" dirty="0">
+              <a:t>“The null world” = a place where there is </a:t>
+            </a:r>
+          </a:p>
+          <a:p>
+            <a:r>
+              <a:rPr lang="en-US" sz="3600" b="1" dirty="0">
                 <a:solidFill>
                   <a:schemeClr val="accent3"/>
                 </a:solidFill>
-                <a:latin typeface="Consolas" charset="0"/>
-                <a:ea typeface="Consolas" charset="0"/>
-                <a:cs typeface="Consolas" charset="0"/>
+                <a:latin typeface="Consolas" panose="020B0609020204030204" pitchFamily="49" charset="0"/>
+                <a:cs typeface="Consolas" panose="020B0609020204030204" pitchFamily="49" charset="0"/>
               </a:rPr>
-              <a:t>If plausible</a:t>
-            </a:r>
-            <a:r>
-              <a:rPr lang="en-US" sz="3200" b="1" dirty="0">
+              <a:t>                   no effect</a:t>
+            </a:r>
+          </a:p>
+          <a:p>
+            <a:endParaRPr lang="en-US" b="1" dirty="0">
+              <a:solidFill>
+                <a:schemeClr val="accent6"/>
+              </a:solidFill>
+              <a:latin typeface="Consolas" panose="020B0609020204030204" pitchFamily="49" charset="0"/>
+              <a:cs typeface="Consolas" panose="020B0609020204030204" pitchFamily="49" charset="0"/>
+            </a:endParaRPr>
+          </a:p>
+          <a:p>
+            <a:pPr algn="ctr"/>
+            <a:r>
+              <a:rPr lang="en-US" sz="3600" b="1" dirty="0">
                 <a:solidFill>
-                  <a:schemeClr val="tx2"/>
+                  <a:schemeClr val="accent2"/>
                 </a:solidFill>
-                <a:latin typeface="Consolas" charset="0"/>
-                <a:ea typeface="Consolas" charset="0"/>
-                <a:cs typeface="Consolas" charset="0"/>
+                <a:latin typeface="Consolas" panose="020B0609020204030204" pitchFamily="49" charset="0"/>
+                <a:cs typeface="Consolas" panose="020B0609020204030204" pitchFamily="49" charset="0"/>
               </a:rPr>
-              <a:t>, we assume there is </a:t>
-            </a:r>
-            <a:r>
-              <a:rPr lang="en-US" sz="3200" b="1" dirty="0">
+              <a:t>Does our world look like that world?</a:t>
+            </a:r>
+          </a:p>
+        </p:txBody>
+      </p:sp>
+      <p:sp>
+        <p:nvSpPr>
+          <p:cNvPr id="8" name="TextBox 7">
+            <a:extLst>
+              <a:ext uri="{FF2B5EF4-FFF2-40B4-BE49-F238E27FC236}">
+                <a16:creationId xmlns:a16="http://schemas.microsoft.com/office/drawing/2014/main" id="{2846246B-78F0-E447-AC60-D2A42FC231FD}"/>
+              </a:ext>
+            </a:extLst>
+          </p:cNvPr>
+          <p:cNvSpPr txBox="1"/>
+          <p:nvPr/>
+        </p:nvSpPr>
+        <p:spPr>
+          <a:xfrm>
+            <a:off x="1166209" y="6201619"/>
+            <a:ext cx="4616970" cy="369332"/>
+          </a:xfrm>
+          <a:prstGeom prst="rect">
+            <a:avLst/>
+          </a:prstGeom>
+          <a:solidFill>
+            <a:schemeClr val="accent3"/>
+          </a:solidFill>
+        </p:spPr>
+        <p:txBody>
+          <a:bodyPr wrap="none" rtlCol="0">
+            <a:spAutoFit/>
+          </a:bodyPr>
+          <a:lstStyle/>
+          <a:p>
+            <a:r>
+              <a:rPr lang="en-US" dirty="0">
                 <a:solidFill>
-                  <a:schemeClr val="accent3"/>
+                  <a:schemeClr val="bg1"/>
                 </a:solidFill>
-                <a:latin typeface="Consolas" charset="0"/>
-                <a:ea typeface="Consolas" charset="0"/>
-                <a:cs typeface="Consolas" charset="0"/>
+                <a:latin typeface="Consolas" panose="020B0609020204030204" pitchFamily="49" charset="0"/>
+                <a:cs typeface="Consolas" panose="020B0609020204030204" pitchFamily="49" charset="0"/>
               </a:rPr>
-              <a:t>no effect</a:t>
+              <a:t>If YES: then maybe the null is true</a:t>
+            </a:r>
+          </a:p>
+        </p:txBody>
+      </p:sp>
+      <p:sp>
+        <p:nvSpPr>
+          <p:cNvPr id="9" name="TextBox 8">
+            <a:extLst>
+              <a:ext uri="{FF2B5EF4-FFF2-40B4-BE49-F238E27FC236}">
+                <a16:creationId xmlns:a16="http://schemas.microsoft.com/office/drawing/2014/main" id="{15D53E85-F511-E849-A09A-08B9B3F3934F}"/>
+              </a:ext>
+            </a:extLst>
+          </p:cNvPr>
+          <p:cNvSpPr txBox="1"/>
+          <p:nvPr/>
+        </p:nvSpPr>
+        <p:spPr>
+          <a:xfrm>
+            <a:off x="6408823" y="6201619"/>
+            <a:ext cx="4870244" cy="369332"/>
+          </a:xfrm>
+          <a:prstGeom prst="rect">
+            <a:avLst/>
+          </a:prstGeom>
+          <a:solidFill>
+            <a:schemeClr val="accent1"/>
+          </a:solidFill>
+        </p:spPr>
+        <p:txBody>
+          <a:bodyPr wrap="none" rtlCol="0">
+            <a:spAutoFit/>
+          </a:bodyPr>
+          <a:lstStyle/>
+          <a:p>
+            <a:r>
+              <a:rPr lang="en-US" dirty="0">
+                <a:solidFill>
+                  <a:schemeClr val="bg1"/>
+                </a:solidFill>
+                <a:latin typeface="Consolas" panose="020B0609020204030204" pitchFamily="49" charset="0"/>
+                <a:cs typeface="Consolas" panose="020B0609020204030204" pitchFamily="49" charset="0"/>
+              </a:rPr>
+              <a:t>If NO: then maybe the null isn’t true</a:t>
             </a:r>
           </a:p>
         </p:txBody>
@@ -10836,92 +10873,6 @@
   <p:clrMapOvr>
     <a:masterClrMapping/>
   </p:clrMapOvr>
-  <p:timing>
-    <p:tnLst>
-      <p:par>
-        <p:cTn id="1" dur="indefinite" restart="never" nodeType="tmRoot">
-          <p:childTnLst>
-            <p:seq concurrent="1" nextAc="seek">
-              <p:cTn id="2" dur="indefinite" nodeType="mainSeq">
-                <p:childTnLst>
-                  <p:par>
-                    <p:cTn id="3" fill="hold">
-                      <p:stCondLst>
-                        <p:cond delay="indefinite"/>
-                      </p:stCondLst>
-                      <p:childTnLst>
-                        <p:par>
-                          <p:cTn id="4" fill="hold">
-                            <p:stCondLst>
-                              <p:cond delay="0"/>
-                            </p:stCondLst>
-                            <p:childTnLst>
-                              <p:par>
-                                <p:cTn id="5" presetID="9" presetClass="entr" presetSubtype="0" fill="hold" grpId="0" nodeType="clickEffect">
-                                  <p:stCondLst>
-                                    <p:cond delay="0"/>
-                                  </p:stCondLst>
-                                  <p:childTnLst>
-                                    <p:set>
-                                      <p:cBhvr>
-                                        <p:cTn id="6" dur="1" fill="hold">
-                                          <p:stCondLst>
-                                            <p:cond delay="0"/>
-                                          </p:stCondLst>
-                                        </p:cTn>
-                                        <p:tgtEl>
-                                          <p:spTgt spid="7"/>
-                                        </p:tgtEl>
-                                        <p:attrNameLst>
-                                          <p:attrName>style.visibility</p:attrName>
-                                        </p:attrNameLst>
-                                      </p:cBhvr>
-                                      <p:to>
-                                        <p:strVal val="visible"/>
-                                      </p:to>
-                                    </p:set>
-                                    <p:animEffect transition="in" filter="dissolve">
-                                      <p:cBhvr>
-                                        <p:cTn id="7" dur="500"/>
-                                        <p:tgtEl>
-                                          <p:spTgt spid="7"/>
-                                        </p:tgtEl>
-                                      </p:cBhvr>
-                                    </p:animEffect>
-                                  </p:childTnLst>
-                                </p:cTn>
-                              </p:par>
-                            </p:childTnLst>
-                          </p:cTn>
-                        </p:par>
-                      </p:childTnLst>
-                    </p:cTn>
-                  </p:par>
-                </p:childTnLst>
-              </p:cTn>
-              <p:prevCondLst>
-                <p:cond evt="onPrev" delay="0">
-                  <p:tgtEl>
-                    <p:sldTgt/>
-                  </p:tgtEl>
-                </p:cond>
-              </p:prevCondLst>
-              <p:nextCondLst>
-                <p:cond evt="onNext" delay="0">
-                  <p:tgtEl>
-                    <p:sldTgt/>
-                  </p:tgtEl>
-                </p:cond>
-              </p:nextCondLst>
-            </p:seq>
-          </p:childTnLst>
-        </p:cTn>
-      </p:par>
-    </p:tnLst>
-    <p:bldLst>
-      <p:bldP spid="7" grpId="0"/>
-    </p:bldLst>
-  </p:timing>
 </p:sld>
 </file>
 

--- a/Slides/04_EDUC_6050_2018.pptx
+++ b/Slides/04_EDUC_6050_2018.pptx
@@ -9133,8 +9133,8 @@
         </p:nvSpPr>
         <p:spPr>
           <a:xfrm>
-            <a:off x="865411" y="3273852"/>
-            <a:ext cx="10825845" cy="2554545"/>
+            <a:off x="853350" y="3408276"/>
+            <a:ext cx="10825845" cy="1938992"/>
           </a:xfrm>
           <a:prstGeom prst="rect">
             <a:avLst/>
@@ -9145,6 +9145,23 @@
             <a:spAutoFit/>
           </a:bodyPr>
           <a:lstStyle/>
+          <a:p>
+            <a:pPr marL="742950" indent="-742950">
+              <a:buFont typeface="+mj-lt"/>
+              <a:buAutoNum type="arabicPeriod"/>
+            </a:pPr>
+            <a:r>
+              <a:rPr lang="en-US" sz="4000" b="1" dirty="0">
+                <a:solidFill>
+                  <a:schemeClr val="accent1"/>
+                </a:solidFill>
+                <a:latin typeface="Consolas" charset="0"/>
+                <a:ea typeface="Consolas" charset="0"/>
+                <a:cs typeface="Consolas" charset="0"/>
+              </a:rPr>
+              <a:t>Intro to Hypothesis Testing</a:t>
+            </a:r>
+          </a:p>
           <a:p>
             <a:pPr marL="742950" indent="-742950">
               <a:buFont typeface="+mj-lt"/>
@@ -9160,40 +9177,6 @@
                 <a:cs typeface="Consolas" charset="0"/>
               </a:rPr>
               <a:t>Z-scores (for individuals and samples)</a:t>
-            </a:r>
-          </a:p>
-          <a:p>
-            <a:pPr marL="742950" indent="-742950">
-              <a:buFont typeface="+mj-lt"/>
-              <a:buAutoNum type="arabicPeriod"/>
-            </a:pPr>
-            <a:r>
-              <a:rPr lang="en-US" sz="4000" b="1" dirty="0">
-                <a:solidFill>
-                  <a:schemeClr val="accent1"/>
-                </a:solidFill>
-                <a:latin typeface="Consolas" charset="0"/>
-                <a:ea typeface="Consolas" charset="0"/>
-                <a:cs typeface="Consolas" charset="0"/>
-              </a:rPr>
-              <a:t>Intro to Hypothesis Testing</a:t>
-            </a:r>
-          </a:p>
-          <a:p>
-            <a:pPr marL="742950" indent="-742950">
-              <a:buFont typeface="+mj-lt"/>
-              <a:buAutoNum type="arabicPeriod"/>
-            </a:pPr>
-            <a:r>
-              <a:rPr lang="en-US" sz="4000" b="1" dirty="0">
-                <a:solidFill>
-                  <a:schemeClr val="accent3"/>
-                </a:solidFill>
-                <a:latin typeface="Consolas" charset="0"/>
-                <a:ea typeface="Consolas" charset="0"/>
-                <a:cs typeface="Consolas" charset="0"/>
-              </a:rPr>
-              <a:t>Estimation &amp; Confidence Intervals</a:t>
             </a:r>
           </a:p>
         </p:txBody>
@@ -11300,29 +11283,6 @@
       </p:sp>
       <p:sp>
         <p:nvSpPr>
-          <p:cNvPr id="5" name="Slide Number Placeholder 4"/>
-          <p:cNvSpPr>
-            <a:spLocks noGrp="1"/>
-          </p:cNvSpPr>
-          <p:nvPr>
-            <p:ph type="sldNum" sz="quarter" idx="12"/>
-          </p:nvPr>
-        </p:nvSpPr>
-        <p:spPr/>
-        <p:txBody>
-          <a:bodyPr/>
-          <a:lstStyle/>
-          <a:p>
-            <a:fld id="{4655F2EB-082D-1A4D-B2FA-EA5F6FE60629}" type="slidenum">
-              <a:rPr lang="en-US" smtClean="0"/>
-              <a:t>5</a:t>
-            </a:fld>
-            <a:endParaRPr lang="en-US"/>
-          </a:p>
-        </p:txBody>
-      </p:sp>
-      <p:sp>
-        <p:nvSpPr>
           <p:cNvPr id="6" name="TextBox 5">
             <a:extLst>
               <a:ext uri="{FF2B5EF4-FFF2-40B4-BE49-F238E27FC236}">
@@ -11501,8 +11461,8 @@
         </p:nvSpPr>
         <p:spPr>
           <a:xfrm>
-            <a:off x="858333" y="6356350"/>
-            <a:ext cx="8507009" cy="369332"/>
+            <a:off x="25058" y="6488668"/>
+            <a:ext cx="11328742" cy="369332"/>
           </a:xfrm>
           <a:prstGeom prst="rect">
             <a:avLst/>
@@ -11516,23 +11476,38 @@
           <a:lstStyle/>
           <a:p>
             <a:r>
-              <a:rPr lang="en-US" dirty="0"/>
+              <a:rPr lang="en-US" dirty="0">
+                <a:latin typeface="Consolas" panose="020B0609020204030204" pitchFamily="49" charset="0"/>
+                <a:cs typeface="Consolas" panose="020B0609020204030204" pitchFamily="49" charset="0"/>
+              </a:rPr>
               <a:t>Cumming, G. (2014). The new statistics: Why and how. </a:t>
             </a:r>
             <a:r>
-              <a:rPr lang="en-US" i="1" dirty="0"/>
+              <a:rPr lang="en-US" i="1" dirty="0">
+                <a:latin typeface="Consolas" panose="020B0609020204030204" pitchFamily="49" charset="0"/>
+                <a:cs typeface="Consolas" panose="020B0609020204030204" pitchFamily="49" charset="0"/>
+              </a:rPr>
               <a:t>Psychological science</a:t>
             </a:r>
             <a:r>
-              <a:rPr lang="en-US" dirty="0"/>
+              <a:rPr lang="en-US" dirty="0">
+                <a:latin typeface="Consolas" panose="020B0609020204030204" pitchFamily="49" charset="0"/>
+                <a:cs typeface="Consolas" panose="020B0609020204030204" pitchFamily="49" charset="0"/>
+              </a:rPr>
               <a:t>, </a:t>
             </a:r>
             <a:r>
-              <a:rPr lang="en-US" i="1" dirty="0"/>
+              <a:rPr lang="en-US" i="1" dirty="0">
+                <a:latin typeface="Consolas" panose="020B0609020204030204" pitchFamily="49" charset="0"/>
+                <a:cs typeface="Consolas" panose="020B0609020204030204" pitchFamily="49" charset="0"/>
+              </a:rPr>
               <a:t>25</a:t>
             </a:r>
             <a:r>
-              <a:rPr lang="en-US" dirty="0"/>
+              <a:rPr lang="en-US" dirty="0">
+                <a:latin typeface="Consolas" panose="020B0609020204030204" pitchFamily="49" charset="0"/>
+                <a:cs typeface="Consolas" panose="020B0609020204030204" pitchFamily="49" charset="0"/>
+              </a:rPr>
               <a:t>(1), 7-29.</a:t>
             </a:r>
           </a:p>
